--- a/labs/WSAA3.4 Curled.pptx
+++ b/labs/WSAA3.4 Curled.pptx
@@ -74,7 +74,37 @@
               <a:rPr b="0" lang="en-IE" sz="4400" spc="-1" strike="noStrike">
                 <a:latin typeface="Arial"/>
               </a:rPr>
-              <a:t>Click to move the slide</a:t>
+              <a:t>Clic</a:t>
+            </a:r>
+            <a:r>
+              <a:rPr b="0" lang="en-IE" sz="4400" spc="-1" strike="noStrike">
+                <a:latin typeface="Arial"/>
+              </a:rPr>
+              <a:t>k to </a:t>
+            </a:r>
+            <a:r>
+              <a:rPr b="0" lang="en-IE" sz="4400" spc="-1" strike="noStrike">
+                <a:latin typeface="Arial"/>
+              </a:rPr>
+              <a:t>mov</a:t>
+            </a:r>
+            <a:r>
+              <a:rPr b="0" lang="en-IE" sz="4400" spc="-1" strike="noStrike">
+                <a:latin typeface="Arial"/>
+              </a:rPr>
+              <a:t>e </a:t>
+            </a:r>
+            <a:r>
+              <a:rPr b="0" lang="en-IE" sz="4400" spc="-1" strike="noStrike">
+                <a:latin typeface="Arial"/>
+              </a:rPr>
+              <a:t>the </a:t>
+            </a:r>
+            <a:r>
+              <a:rPr b="0" lang="en-IE" sz="4400" spc="-1" strike="noStrike">
+                <a:latin typeface="Arial"/>
+              </a:rPr>
+              <a:t>slide</a:t>
             </a:r>
             <a:endParaRPr b="0" lang="en-IE" sz="4400" spc="-1" strike="noStrike">
               <a:latin typeface="Arial"/>
@@ -114,7 +144,25 @@
               <a:rPr b="0" lang="en-IE" sz="2000" spc="-1" strike="noStrike">
                 <a:latin typeface="Arial"/>
               </a:rPr>
-              <a:t>Click to edit the notes format</a:t>
+              <a:t>Click to </a:t>
+            </a:r>
+            <a:r>
+              <a:rPr b="0" lang="en-IE" sz="2000" spc="-1" strike="noStrike">
+                <a:latin typeface="Arial"/>
+              </a:rPr>
+              <a:t>edit the </a:t>
+            </a:r>
+            <a:r>
+              <a:rPr b="0" lang="en-IE" sz="2000" spc="-1" strike="noStrike">
+                <a:latin typeface="Arial"/>
+              </a:rPr>
+              <a:t>notes </a:t>
+            </a:r>
+            <a:r>
+              <a:rPr b="0" lang="en-IE" sz="2000" spc="-1" strike="noStrike">
+                <a:latin typeface="Arial"/>
+              </a:rPr>
+              <a:t>format</a:t>
             </a:r>
             <a:endParaRPr b="0" lang="en-IE" sz="2000" spc="-1" strike="noStrike">
               <a:latin typeface="Arial"/>
@@ -299,7 +347,7 @@
             <a:pPr algn="r">
               <a:buNone/>
             </a:pPr>
-            <a:fld id="{2243AA43-F627-492B-86D4-F418199DF4E1}" type="slidenum">
+            <a:fld id="{C1C6492F-D12D-4923-BCDC-04A5B4716026}" type="slidenum">
               <a:rPr b="0" lang="en-IE" sz="1400" spc="-1" strike="noStrike">
                 <a:latin typeface="Times New Roman"/>
               </a:rPr>
@@ -347,7 +395,7 @@
         <p:spPr>
           <a:xfrm>
             <a:off x="216000" y="812520"/>
-            <a:ext cx="7127280" cy="4008960"/>
+            <a:ext cx="7126920" cy="4008600"/>
           </a:xfrm>
           <a:prstGeom prst="rect">
             <a:avLst/>
@@ -370,7 +418,7 @@
         <p:spPr>
           <a:xfrm>
             <a:off x="756000" y="5078520"/>
-            <a:ext cx="6047640" cy="4811040"/>
+            <a:ext cx="6047280" cy="4810680"/>
           </a:xfrm>
           <a:prstGeom prst="rect">
             <a:avLst/>
@@ -385,27 +433,627 @@
             <a:noAutofit/>
           </a:bodyPr>
           <a:p>
-            <a:r>
-              <a:rPr b="0" lang="en-IE" sz="2000" spc="-1" strike="noStrike">
-                <a:latin typeface="Arial"/>
-              </a:rPr>
-              <a:t>Curl is a built-in application on your basic Windows 10 and Windows Live machines, and it's built into Mac. You can download it if you want. It's basically command line URLs. It allows you to send Gets and Posts up to URLs and see what the responses are. This is handy for debugging the Restful API. The way I would actually probably normally do it is with Postman, and I'll show you in the practical bit how you do Postman.</a:t>
+            <a:pPr marL="216000" indent="-216000">
+              <a:lnSpc>
+                <a:spcPct val="100000"/>
+              </a:lnSpc>
+              <a:buNone/>
+            </a:pPr>
+            <a:r>
+              <a:rPr b="0" lang="en-IE" sz="2000" spc="-1" strike="noStrike">
+                <a:latin typeface="Arial"/>
+              </a:rPr>
+              <a:t>Curl is a </a:t>
+            </a:r>
+            <a:r>
+              <a:rPr b="0" lang="en-IE" sz="2000" spc="-1" strike="noStrike">
+                <a:latin typeface="Arial"/>
+              </a:rPr>
+              <a:t>built-in </a:t>
+            </a:r>
+            <a:r>
+              <a:rPr b="0" lang="en-IE" sz="2000" spc="-1" strike="noStrike">
+                <a:latin typeface="Arial"/>
+              </a:rPr>
+              <a:t>applicati</a:t>
+            </a:r>
+            <a:r>
+              <a:rPr b="0" lang="en-IE" sz="2000" spc="-1" strike="noStrike">
+                <a:latin typeface="Arial"/>
+              </a:rPr>
+              <a:t>on on </a:t>
+            </a:r>
+            <a:r>
+              <a:rPr b="0" lang="en-IE" sz="2000" spc="-1" strike="noStrike">
+                <a:latin typeface="Arial"/>
+              </a:rPr>
+              <a:t>your </a:t>
+            </a:r>
+            <a:r>
+              <a:rPr b="0" lang="en-IE" sz="2000" spc="-1" strike="noStrike">
+                <a:latin typeface="Arial"/>
+              </a:rPr>
+              <a:t>basic </a:t>
+            </a:r>
+            <a:r>
+              <a:rPr b="0" lang="en-IE" sz="2000" spc="-1" strike="noStrike">
+                <a:latin typeface="Arial"/>
+              </a:rPr>
+              <a:t>Window</a:t>
+            </a:r>
+            <a:r>
+              <a:rPr b="0" lang="en-IE" sz="2000" spc="-1" strike="noStrike">
+                <a:latin typeface="Arial"/>
+              </a:rPr>
+              <a:t>s 10 </a:t>
+            </a:r>
+            <a:r>
+              <a:rPr b="0" lang="en-IE" sz="2000" spc="-1" strike="noStrike">
+                <a:latin typeface="Arial"/>
+              </a:rPr>
+              <a:t>and </a:t>
+            </a:r>
+            <a:r>
+              <a:rPr b="0" lang="en-IE" sz="2000" spc="-1" strike="noStrike">
+                <a:latin typeface="Arial"/>
+              </a:rPr>
+              <a:t>Window</a:t>
+            </a:r>
+            <a:r>
+              <a:rPr b="0" lang="en-IE" sz="2000" spc="-1" strike="noStrike">
+                <a:latin typeface="Arial"/>
+              </a:rPr>
+              <a:t>s Live </a:t>
+            </a:r>
+            <a:r>
+              <a:rPr b="0" lang="en-IE" sz="2000" spc="-1" strike="noStrike">
+                <a:latin typeface="Arial"/>
+              </a:rPr>
+              <a:t>machine</a:t>
+            </a:r>
+            <a:r>
+              <a:rPr b="0" lang="en-IE" sz="2000" spc="-1" strike="noStrike">
+                <a:latin typeface="Arial"/>
+              </a:rPr>
+              <a:t>s, and </a:t>
+            </a:r>
+            <a:r>
+              <a:rPr b="0" lang="en-IE" sz="2000" spc="-1" strike="noStrike">
+                <a:latin typeface="Arial"/>
+              </a:rPr>
+              <a:t>it's built </a:t>
+            </a:r>
+            <a:r>
+              <a:rPr b="0" lang="en-IE" sz="2000" spc="-1" strike="noStrike">
+                <a:latin typeface="Arial"/>
+              </a:rPr>
+              <a:t>into </a:t>
+            </a:r>
+            <a:r>
+              <a:rPr b="0" lang="en-IE" sz="2000" spc="-1" strike="noStrike">
+                <a:latin typeface="Arial"/>
+              </a:rPr>
+              <a:t>Mac. </a:t>
+            </a:r>
+            <a:r>
+              <a:rPr b="0" lang="en-IE" sz="2000" spc="-1" strike="noStrike">
+                <a:latin typeface="Arial"/>
+              </a:rPr>
+              <a:t>You can </a:t>
+            </a:r>
+            <a:r>
+              <a:rPr b="0" lang="en-IE" sz="2000" spc="-1" strike="noStrike">
+                <a:latin typeface="Arial"/>
+              </a:rPr>
+              <a:t>downloa</a:t>
+            </a:r>
+            <a:r>
+              <a:rPr b="0" lang="en-IE" sz="2000" spc="-1" strike="noStrike">
+                <a:latin typeface="Arial"/>
+              </a:rPr>
+              <a:t>d it if </a:t>
+            </a:r>
+            <a:r>
+              <a:rPr b="0" lang="en-IE" sz="2000" spc="-1" strike="noStrike">
+                <a:latin typeface="Arial"/>
+              </a:rPr>
+              <a:t>you </a:t>
+            </a:r>
+            <a:r>
+              <a:rPr b="0" lang="en-IE" sz="2000" spc="-1" strike="noStrike">
+                <a:latin typeface="Arial"/>
+              </a:rPr>
+              <a:t>want. </a:t>
+            </a:r>
+            <a:r>
+              <a:rPr b="0" lang="en-IE" sz="2000" spc="-1" strike="noStrike">
+                <a:latin typeface="Arial"/>
+              </a:rPr>
+              <a:t>It's </a:t>
+            </a:r>
+            <a:r>
+              <a:rPr b="0" lang="en-IE" sz="2000" spc="-1" strike="noStrike">
+                <a:latin typeface="Arial"/>
+              </a:rPr>
+              <a:t>basicall</a:t>
+            </a:r>
+            <a:r>
+              <a:rPr b="0" lang="en-IE" sz="2000" spc="-1" strike="noStrike">
+                <a:latin typeface="Arial"/>
+              </a:rPr>
+              <a:t>y </a:t>
+            </a:r>
+            <a:r>
+              <a:rPr b="0" lang="en-IE" sz="2000" spc="-1" strike="noStrike">
+                <a:latin typeface="Arial"/>
+              </a:rPr>
+              <a:t>comman</a:t>
+            </a:r>
+            <a:r>
+              <a:rPr b="0" lang="en-IE" sz="2000" spc="-1" strike="noStrike">
+                <a:latin typeface="Arial"/>
+              </a:rPr>
+              <a:t>d line </a:t>
+            </a:r>
+            <a:r>
+              <a:rPr b="0" lang="en-IE" sz="2000" spc="-1" strike="noStrike">
+                <a:latin typeface="Arial"/>
+              </a:rPr>
+              <a:t>URLs. It </a:t>
+            </a:r>
+            <a:r>
+              <a:rPr b="0" lang="en-IE" sz="2000" spc="-1" strike="noStrike">
+                <a:latin typeface="Arial"/>
+              </a:rPr>
+              <a:t>allows </a:t>
+            </a:r>
+            <a:r>
+              <a:rPr b="0" lang="en-IE" sz="2000" spc="-1" strike="noStrike">
+                <a:latin typeface="Arial"/>
+              </a:rPr>
+              <a:t>you to </a:t>
+            </a:r>
+            <a:r>
+              <a:rPr b="0" lang="en-IE" sz="2000" spc="-1" strike="noStrike">
+                <a:latin typeface="Arial"/>
+              </a:rPr>
+              <a:t>send </a:t>
+            </a:r>
+            <a:r>
+              <a:rPr b="0" lang="en-IE" sz="2000" spc="-1" strike="noStrike">
+                <a:latin typeface="Arial"/>
+              </a:rPr>
+              <a:t>Gets </a:t>
+            </a:r>
+            <a:r>
+              <a:rPr b="0" lang="en-IE" sz="2000" spc="-1" strike="noStrike">
+                <a:latin typeface="Arial"/>
+              </a:rPr>
+              <a:t>and </a:t>
+            </a:r>
+            <a:r>
+              <a:rPr b="0" lang="en-IE" sz="2000" spc="-1" strike="noStrike">
+                <a:latin typeface="Arial"/>
+              </a:rPr>
+              <a:t>Posts </a:t>
+            </a:r>
+            <a:r>
+              <a:rPr b="0" lang="en-IE" sz="2000" spc="-1" strike="noStrike">
+                <a:latin typeface="Arial"/>
+              </a:rPr>
+              <a:t>up to </a:t>
+            </a:r>
+            <a:r>
+              <a:rPr b="0" lang="en-IE" sz="2000" spc="-1" strike="noStrike">
+                <a:latin typeface="Arial"/>
+              </a:rPr>
+              <a:t>URLs </a:t>
+            </a:r>
+            <a:r>
+              <a:rPr b="0" lang="en-IE" sz="2000" spc="-1" strike="noStrike">
+                <a:latin typeface="Arial"/>
+              </a:rPr>
+              <a:t>and see </a:t>
+            </a:r>
+            <a:r>
+              <a:rPr b="0" lang="en-IE" sz="2000" spc="-1" strike="noStrike">
+                <a:latin typeface="Arial"/>
+              </a:rPr>
+              <a:t>what the </a:t>
+            </a:r>
+            <a:r>
+              <a:rPr b="0" lang="en-IE" sz="2000" spc="-1" strike="noStrike">
+                <a:latin typeface="Arial"/>
+              </a:rPr>
+              <a:t>respons</a:t>
+            </a:r>
+            <a:r>
+              <a:rPr b="0" lang="en-IE" sz="2000" spc="-1" strike="noStrike">
+                <a:latin typeface="Arial"/>
+              </a:rPr>
+              <a:t>es are. </a:t>
+            </a:r>
+            <a:r>
+              <a:rPr b="0" lang="en-IE" sz="2000" spc="-1" strike="noStrike">
+                <a:latin typeface="Arial"/>
+              </a:rPr>
+              <a:t>This is </a:t>
+            </a:r>
+            <a:r>
+              <a:rPr b="0" lang="en-IE" sz="2000" spc="-1" strike="noStrike">
+                <a:latin typeface="Arial"/>
+              </a:rPr>
+              <a:t>handy </a:t>
+            </a:r>
+            <a:r>
+              <a:rPr b="0" lang="en-IE" sz="2000" spc="-1" strike="noStrike">
+                <a:latin typeface="Arial"/>
+              </a:rPr>
+              <a:t>for </a:t>
+            </a:r>
+            <a:r>
+              <a:rPr b="0" lang="en-IE" sz="2000" spc="-1" strike="noStrike">
+                <a:latin typeface="Arial"/>
+              </a:rPr>
+              <a:t>debuggi</a:t>
+            </a:r>
+            <a:r>
+              <a:rPr b="0" lang="en-IE" sz="2000" spc="-1" strike="noStrike">
+                <a:latin typeface="Arial"/>
+              </a:rPr>
+              <a:t>ng the </a:t>
+            </a:r>
+            <a:r>
+              <a:rPr b="0" lang="en-IE" sz="2000" spc="-1" strike="noStrike">
+                <a:latin typeface="Arial"/>
+              </a:rPr>
+              <a:t>Restful </a:t>
+            </a:r>
+            <a:r>
+              <a:rPr b="0" lang="en-IE" sz="2000" spc="-1" strike="noStrike">
+                <a:latin typeface="Arial"/>
+              </a:rPr>
+              <a:t>API. </a:t>
+            </a:r>
+            <a:r>
+              <a:rPr b="0" lang="en-IE" sz="2000" spc="-1" strike="noStrike">
+                <a:latin typeface="Arial"/>
+              </a:rPr>
+              <a:t>The way </a:t>
+            </a:r>
+            <a:r>
+              <a:rPr b="0" lang="en-IE" sz="2000" spc="-1" strike="noStrike">
+                <a:latin typeface="Arial"/>
+              </a:rPr>
+              <a:t>I would </a:t>
+            </a:r>
+            <a:r>
+              <a:rPr b="0" lang="en-IE" sz="2000" spc="-1" strike="noStrike">
+                <a:latin typeface="Arial"/>
+              </a:rPr>
+              <a:t>actually </a:t>
+            </a:r>
+            <a:r>
+              <a:rPr b="0" lang="en-IE" sz="2000" spc="-1" strike="noStrike">
+                <a:latin typeface="Arial"/>
+              </a:rPr>
+              <a:t>probabl</a:t>
+            </a:r>
+            <a:r>
+              <a:rPr b="0" lang="en-IE" sz="2000" spc="-1" strike="noStrike">
+                <a:latin typeface="Arial"/>
+              </a:rPr>
+              <a:t>y </a:t>
+            </a:r>
+            <a:r>
+              <a:rPr b="0" lang="en-IE" sz="2000" spc="-1" strike="noStrike">
+                <a:latin typeface="Arial"/>
+              </a:rPr>
+              <a:t>normally </a:t>
+            </a:r>
+            <a:r>
+              <a:rPr b="0" lang="en-IE" sz="2000" spc="-1" strike="noStrike">
+                <a:latin typeface="Arial"/>
+              </a:rPr>
+              <a:t>do it is </a:t>
+            </a:r>
+            <a:r>
+              <a:rPr b="0" lang="en-IE" sz="2000" spc="-1" strike="noStrike">
+                <a:latin typeface="Arial"/>
+              </a:rPr>
+              <a:t>with </a:t>
+            </a:r>
+            <a:r>
+              <a:rPr b="0" lang="en-IE" sz="2000" spc="-1" strike="noStrike">
+                <a:latin typeface="Arial"/>
+              </a:rPr>
+              <a:t>Postma</a:t>
+            </a:r>
+            <a:r>
+              <a:rPr b="0" lang="en-IE" sz="2000" spc="-1" strike="noStrike">
+                <a:latin typeface="Arial"/>
+              </a:rPr>
+              <a:t>n, and </a:t>
+            </a:r>
+            <a:r>
+              <a:rPr b="0" lang="en-IE" sz="2000" spc="-1" strike="noStrike">
+                <a:latin typeface="Arial"/>
+              </a:rPr>
+              <a:t>I'll show </a:t>
+            </a:r>
+            <a:r>
+              <a:rPr b="0" lang="en-IE" sz="2000" spc="-1" strike="noStrike">
+                <a:latin typeface="Arial"/>
+              </a:rPr>
+              <a:t>you in </a:t>
+            </a:r>
+            <a:r>
+              <a:rPr b="0" lang="en-IE" sz="2000" spc="-1" strike="noStrike">
+                <a:latin typeface="Arial"/>
+              </a:rPr>
+              <a:t>the </a:t>
+            </a:r>
+            <a:r>
+              <a:rPr b="0" lang="en-IE" sz="2000" spc="-1" strike="noStrike">
+                <a:latin typeface="Arial"/>
+              </a:rPr>
+              <a:t>practical </a:t>
+            </a:r>
+            <a:r>
+              <a:rPr b="0" lang="en-IE" sz="2000" spc="-1" strike="noStrike">
+                <a:latin typeface="Arial"/>
+              </a:rPr>
+              <a:t>bit how </a:t>
+            </a:r>
+            <a:r>
+              <a:rPr b="0" lang="en-IE" sz="2000" spc="-1" strike="noStrike">
+                <a:latin typeface="Arial"/>
+              </a:rPr>
+              <a:t>you do </a:t>
+            </a:r>
+            <a:r>
+              <a:rPr b="0" lang="en-IE" sz="2000" spc="-1" strike="noStrike">
+                <a:latin typeface="Arial"/>
+              </a:rPr>
+              <a:t>Postma</a:t>
+            </a:r>
+            <a:r>
+              <a:rPr b="0" lang="en-IE" sz="2000" spc="-1" strike="noStrike">
+                <a:latin typeface="Arial"/>
+              </a:rPr>
+              <a:t>n.</a:t>
             </a:r>
             <a:endParaRPr b="0" lang="en-IE" sz="2000" spc="-1" strike="noStrike">
               <a:latin typeface="Arial"/>
             </a:endParaRPr>
           </a:p>
           <a:p>
+            <a:pPr marL="216000" indent="-216000">
+              <a:lnSpc>
+                <a:spcPct val="100000"/>
+              </a:lnSpc>
+              <a:buNone/>
+            </a:pPr>
             <a:endParaRPr b="0" lang="en-IE" sz="2000" spc="-1" strike="noStrike">
               <a:latin typeface="Arial"/>
             </a:endParaRPr>
           </a:p>
           <a:p>
-            <a:r>
-              <a:rPr b="0" lang="en-IE" sz="2000" spc="-1" strike="noStrike">
-                <a:latin typeface="Arial"/>
-              </a:rPr>
-              <a:t>It means you can save some of the requests and you can then test your APIs to check that the APIs are doing what you expect them to do. Alternatively, you can just programme it up with Python And debug it your API through Python. </a:t>
+            <a:pPr marL="216000" indent="-216000">
+              <a:lnSpc>
+                <a:spcPct val="100000"/>
+              </a:lnSpc>
+              <a:buNone/>
+            </a:pPr>
+            <a:r>
+              <a:rPr b="0" lang="en-IE" sz="2000" spc="-1" strike="noStrike">
+                <a:latin typeface="Arial"/>
+              </a:rPr>
+              <a:t>It means </a:t>
+            </a:r>
+            <a:r>
+              <a:rPr b="0" lang="en-IE" sz="2000" spc="-1" strike="noStrike">
+                <a:latin typeface="Arial"/>
+              </a:rPr>
+              <a:t>you can </a:t>
+            </a:r>
+            <a:r>
+              <a:rPr b="0" lang="en-IE" sz="2000" spc="-1" strike="noStrike">
+                <a:latin typeface="Arial"/>
+              </a:rPr>
+              <a:t>save </a:t>
+            </a:r>
+            <a:r>
+              <a:rPr b="0" lang="en-IE" sz="2000" spc="-1" strike="noStrike">
+                <a:latin typeface="Arial"/>
+              </a:rPr>
+              <a:t>some of </a:t>
+            </a:r>
+            <a:r>
+              <a:rPr b="0" lang="en-IE" sz="2000" spc="-1" strike="noStrike">
+                <a:latin typeface="Arial"/>
+              </a:rPr>
+              <a:t>the </a:t>
+            </a:r>
+            <a:r>
+              <a:rPr b="0" lang="en-IE" sz="2000" spc="-1" strike="noStrike">
+                <a:latin typeface="Arial"/>
+              </a:rPr>
+              <a:t>request</a:t>
+            </a:r>
+            <a:r>
+              <a:rPr b="0" lang="en-IE" sz="2000" spc="-1" strike="noStrike">
+                <a:latin typeface="Arial"/>
+              </a:rPr>
+              <a:t>s and </a:t>
+            </a:r>
+            <a:r>
+              <a:rPr b="0" lang="en-IE" sz="2000" spc="-1" strike="noStrike">
+                <a:latin typeface="Arial"/>
+              </a:rPr>
+              <a:t>you can </a:t>
+            </a:r>
+            <a:r>
+              <a:rPr b="0" lang="en-IE" sz="2000" spc="-1" strike="noStrike">
+                <a:latin typeface="Arial"/>
+              </a:rPr>
+              <a:t>then </a:t>
+            </a:r>
+            <a:r>
+              <a:rPr b="0" lang="en-IE" sz="2000" spc="-1" strike="noStrike">
+                <a:latin typeface="Arial"/>
+              </a:rPr>
+              <a:t>test </a:t>
+            </a:r>
+            <a:r>
+              <a:rPr b="0" lang="en-IE" sz="2000" spc="-1" strike="noStrike">
+                <a:latin typeface="Arial"/>
+              </a:rPr>
+              <a:t>your </a:t>
+            </a:r>
+            <a:r>
+              <a:rPr b="0" lang="en-IE" sz="2000" spc="-1" strike="noStrike">
+                <a:latin typeface="Arial"/>
+              </a:rPr>
+              <a:t>APIs to </a:t>
+            </a:r>
+            <a:r>
+              <a:rPr b="0" lang="en-IE" sz="2000" spc="-1" strike="noStrike">
+                <a:latin typeface="Arial"/>
+              </a:rPr>
+              <a:t>check </a:t>
+            </a:r>
+            <a:r>
+              <a:rPr b="0" lang="en-IE" sz="2000" spc="-1" strike="noStrike">
+                <a:latin typeface="Arial"/>
+              </a:rPr>
+              <a:t>that the </a:t>
+            </a:r>
+            <a:r>
+              <a:rPr b="0" lang="en-IE" sz="2000" spc="-1" strike="noStrike">
+                <a:latin typeface="Arial"/>
+              </a:rPr>
+              <a:t>APIs </a:t>
+            </a:r>
+            <a:r>
+              <a:rPr b="0" lang="en-IE" sz="2000" spc="-1" strike="noStrike">
+                <a:latin typeface="Arial"/>
+              </a:rPr>
+              <a:t>are </a:t>
+            </a:r>
+            <a:r>
+              <a:rPr b="0" lang="en-IE" sz="2000" spc="-1" strike="noStrike">
+                <a:latin typeface="Arial"/>
+              </a:rPr>
+              <a:t>doing </a:t>
+            </a:r>
+            <a:r>
+              <a:rPr b="0" lang="en-IE" sz="2000" spc="-1" strike="noStrike">
+                <a:latin typeface="Arial"/>
+              </a:rPr>
+              <a:t>what </a:t>
+            </a:r>
+            <a:r>
+              <a:rPr b="0" lang="en-IE" sz="2000" spc="-1" strike="noStrike">
+                <a:latin typeface="Arial"/>
+              </a:rPr>
+              <a:t>you </a:t>
+            </a:r>
+            <a:r>
+              <a:rPr b="0" lang="en-IE" sz="2000" spc="-1" strike="noStrike">
+                <a:latin typeface="Arial"/>
+              </a:rPr>
+              <a:t>expect </a:t>
+            </a:r>
+            <a:r>
+              <a:rPr b="0" lang="en-IE" sz="2000" spc="-1" strike="noStrike">
+                <a:latin typeface="Arial"/>
+              </a:rPr>
+              <a:t>them to </a:t>
+            </a:r>
+            <a:r>
+              <a:rPr b="0" lang="en-IE" sz="2000" spc="-1" strike="noStrike">
+                <a:latin typeface="Arial"/>
+              </a:rPr>
+              <a:t>do. </a:t>
+            </a:r>
+            <a:r>
+              <a:rPr b="0" lang="en-IE" sz="2000" spc="-1" strike="noStrike">
+                <a:latin typeface="Arial"/>
+              </a:rPr>
+              <a:t>Alternati</a:t>
+            </a:r>
+            <a:r>
+              <a:rPr b="0" lang="en-IE" sz="2000" spc="-1" strike="noStrike">
+                <a:latin typeface="Arial"/>
+              </a:rPr>
+              <a:t>vely, </a:t>
+            </a:r>
+            <a:r>
+              <a:rPr b="0" lang="en-IE" sz="2000" spc="-1" strike="noStrike">
+                <a:latin typeface="Arial"/>
+              </a:rPr>
+              <a:t>you can </a:t>
+            </a:r>
+            <a:r>
+              <a:rPr b="0" lang="en-IE" sz="2000" spc="-1" strike="noStrike">
+                <a:latin typeface="Arial"/>
+              </a:rPr>
+              <a:t>just </a:t>
+            </a:r>
+            <a:r>
+              <a:rPr b="0" lang="en-IE" sz="2000" spc="-1" strike="noStrike">
+                <a:latin typeface="Arial"/>
+              </a:rPr>
+              <a:t>program</a:t>
+            </a:r>
+            <a:r>
+              <a:rPr b="0" lang="en-IE" sz="2000" spc="-1" strike="noStrike">
+                <a:latin typeface="Arial"/>
+              </a:rPr>
+              <a:t>me it up </a:t>
+            </a:r>
+            <a:r>
+              <a:rPr b="0" lang="en-IE" sz="2000" spc="-1" strike="noStrike">
+                <a:latin typeface="Arial"/>
+              </a:rPr>
+              <a:t>with </a:t>
+            </a:r>
+            <a:r>
+              <a:rPr b="0" lang="en-IE" sz="2000" spc="-1" strike="noStrike">
+                <a:latin typeface="Arial"/>
+              </a:rPr>
+              <a:t>Python </a:t>
+            </a:r>
+            <a:r>
+              <a:rPr b="0" lang="en-IE" sz="2000" spc="-1" strike="noStrike">
+                <a:latin typeface="Arial"/>
+              </a:rPr>
+              <a:t>And </a:t>
+            </a:r>
+            <a:r>
+              <a:rPr b="0" lang="en-IE" sz="2000" spc="-1" strike="noStrike">
+                <a:latin typeface="Arial"/>
+              </a:rPr>
+              <a:t>debug it </a:t>
+            </a:r>
+            <a:r>
+              <a:rPr b="0" lang="en-IE" sz="2000" spc="-1" strike="noStrike">
+                <a:latin typeface="Arial"/>
+              </a:rPr>
+              <a:t>your API </a:t>
+            </a:r>
+            <a:r>
+              <a:rPr b="0" lang="en-IE" sz="2000" spc="-1" strike="noStrike">
+                <a:latin typeface="Arial"/>
+              </a:rPr>
+              <a:t>through </a:t>
+            </a:r>
+            <a:r>
+              <a:rPr b="0" lang="en-IE" sz="2000" spc="-1" strike="noStrike">
+                <a:latin typeface="Arial"/>
+              </a:rPr>
+              <a:t>Python. </a:t>
             </a:r>
             <a:endParaRPr b="0" lang="en-IE" sz="2000" spc="-1" strike="noStrike">
               <a:latin typeface="Arial"/>
@@ -448,7 +1096,7 @@
         <p:spPr>
           <a:xfrm>
             <a:off x="216000" y="812520"/>
-            <a:ext cx="7127280" cy="4008960"/>
+            <a:ext cx="7126920" cy="4008600"/>
           </a:xfrm>
           <a:prstGeom prst="rect">
             <a:avLst/>
@@ -471,7 +1119,7 @@
         <p:spPr>
           <a:xfrm>
             <a:off x="756000" y="5078520"/>
-            <a:ext cx="6047640" cy="4811040"/>
+            <a:ext cx="6047280" cy="4810680"/>
           </a:xfrm>
           <a:prstGeom prst="rect">
             <a:avLst/>
@@ -486,6 +1134,12 @@
             <a:noAutofit/>
           </a:bodyPr>
           <a:p>
+            <a:pPr marL="216000" indent="-216000">
+              <a:lnSpc>
+                <a:spcPct val="100000"/>
+              </a:lnSpc>
+              <a:buNone/>
+            </a:pPr>
             <a:r>
               <a:rPr b="0" lang="en-IE" sz="2000" spc="-1" strike="noStrike">
                 <a:solidFill>
@@ -506,11 +1160,7 @@
               <a:t>Web scraping is a lot more difficult. Web scraping is where you get data out of people's web pages, so instead of going through their APIs, you extract data out of the web pages. I've done it for useful for property. Certain property company wanted me to get a list of properties from their competitors so they could populate their own one and make it look like they had a much more populous property site than than they did. Uh. So the simple way to use curl is say curl space and URL. Whether it's much more difficult to do it webscraping on websites nowadays</a:t>
             </a:r>
             <a:endParaRPr b="0" lang="en-IE" sz="2000" spc="-1" strike="noStrike">
-              <a:solidFill>
-                <a:srgbClr val="323130"/>
-              </a:solidFill>
-              <a:latin typeface="Segoe UI"/>
-              <a:ea typeface="Segoe UI"/>
+              <a:latin typeface="Arial"/>
             </a:endParaRPr>
           </a:p>
         </p:txBody>
@@ -550,7 +1200,7 @@
         <p:spPr>
           <a:xfrm>
             <a:off x="216000" y="812520"/>
-            <a:ext cx="7127280" cy="4008960"/>
+            <a:ext cx="7126920" cy="4008600"/>
           </a:xfrm>
           <a:prstGeom prst="rect">
             <a:avLst/>
@@ -573,7 +1223,7 @@
         <p:spPr>
           <a:xfrm>
             <a:off x="225000" y="5078520"/>
-            <a:ext cx="7245000" cy="5541480"/>
+            <a:ext cx="7244640" cy="5541120"/>
           </a:xfrm>
           <a:prstGeom prst="rect">
             <a:avLst/>
@@ -588,6 +1238,12 @@
             <a:noAutofit/>
           </a:bodyPr>
           <a:p>
+            <a:pPr marL="216000" indent="-216000">
+              <a:lnSpc>
+                <a:spcPct val="100000"/>
+              </a:lnSpc>
+              <a:buNone/>
+            </a:pPr>
             <a:r>
               <a:rPr b="0" lang="en-IE" sz="1300" spc="-1" strike="noStrike">
                 <a:solidFill>
@@ -598,10 +1254,11 @@
               <a:t>So for example to get all the books you go for the resource/ books that host the method is GET. You don't need to pass any parameters and return back all the books. So to do that in curl you just say curl and the URL. Simple enough curl </a:t>
             </a:r>
             <a:r>
-              <a:rPr b="0" lang="en-IE" sz="1300" spc="-1" strike="noStrike">
+              <a:rPr b="0" lang="en-IE" sz="1300" spc="-1" strike="noStrike" u="sng">
                 <a:solidFill>
-                  <a:srgbClr val="323130"/>
+                  <a:srgbClr val="000000"/>
                 </a:solidFill>
+                <a:uFillTx/>
                 <a:latin typeface="Segoe UI"/>
                 <a:hlinkClick r:id="rId1"/>
               </a:rPr>
@@ -640,14 +1297,16 @@
               <a:t>And again because these two are both gets you don't need to worry about having to set the method or the head or anything else. Now create is slightly more complicated.</a:t>
             </a:r>
             <a:endParaRPr b="0" lang="en-IE" sz="1300" spc="-1" strike="noStrike">
-              <a:solidFill>
-                <a:srgbClr val="323130"/>
-              </a:solidFill>
-              <a:latin typeface="Segoe UI"/>
-              <a:ea typeface="Segoe UI"/>
-            </a:endParaRPr>
-          </a:p>
-          <a:p>
+              <a:latin typeface="Arial"/>
+            </a:endParaRPr>
+          </a:p>
+          <a:p>
+            <a:pPr marL="216000" indent="-216000">
+              <a:lnSpc>
+                <a:spcPct val="100000"/>
+              </a:lnSpc>
+              <a:buNone/>
+            </a:pPr>
             <a:r>
               <a:rPr b="0" lang="en-IE" sz="1300" spc="-1" strike="noStrike">
                 <a:solidFill>
@@ -672,11 +1331,16 @@
               <a:t>data in JSON format, so open squarely, Brackets open inverted commas. Title, author, and price. They all start with capital letters.Now to do that we need to tell the server that what it's receiving, the content type of our request is going to be application JSON.So if you look at the curl for this, it will be curl minus CAPITAL HH CONTENT type and the content type is going to be application/ JSON. That tells itself it's going to be receiving JSON.Minus X then is the method, and that's posting, and minus D is the data. If you're doing this in Windows, you've got to escape all the inverted commas. It's a real pain in the neck and just let you know. In the lab sheet, Microsoft kept changing the inverted commas into their own inverted commas, so therefore you can't just copy and paste this onto the command line. You need to make sure you change those inverted commas.</a:t>
             </a:r>
             <a:endParaRPr b="0" lang="en-IE" sz="1300" spc="-1" strike="noStrike">
-              <a:latin typeface="Segoe UI"/>
-              <a:ea typeface="Segoe UI"/>
-            </a:endParaRPr>
-          </a:p>
-          <a:p>
+              <a:latin typeface="Arial"/>
+            </a:endParaRPr>
+          </a:p>
+          <a:p>
+            <a:pPr marL="216000" indent="-216000">
+              <a:lnSpc>
+                <a:spcPct val="100000"/>
+              </a:lnSpc>
+              <a:buNone/>
+            </a:pPr>
             <a:r>
               <a:rPr b="0" lang="en-IE" sz="1300" spc="-1" strike="noStrike">
                 <a:solidFill>
@@ -688,8 +1352,7 @@
               <a:t>The PUT is pretty much the same as the curl. Set the content type to the application. The content type is going to be Jason, so application JSON minus X. The method is PUT, the data is just the price, we don't need to send the whole thing. And then we send it to the URL, the appropriate URL which is books based on the ID. And same with DELETE. </a:t>
             </a:r>
             <a:endParaRPr b="0" lang="en-IE" sz="1300" spc="-1" strike="noStrike">
-              <a:latin typeface="Segoe UI"/>
-              <a:ea typeface="Segoe UI"/>
+              <a:latin typeface="Arial"/>
             </a:endParaRPr>
           </a:p>
         </p:txBody>
@@ -729,7 +1392,7 @@
         <p:spPr>
           <a:xfrm>
             <a:off x="216000" y="812520"/>
-            <a:ext cx="7127280" cy="4008960"/>
+            <a:ext cx="7126920" cy="4008600"/>
           </a:xfrm>
           <a:prstGeom prst="rect">
             <a:avLst/>
@@ -752,7 +1415,7 @@
         <p:spPr>
           <a:xfrm>
             <a:off x="756000" y="812520"/>
-            <a:ext cx="6047640" cy="9879480"/>
+            <a:ext cx="6047280" cy="9879120"/>
           </a:xfrm>
           <a:prstGeom prst="rect">
             <a:avLst/>
@@ -767,17 +1430,41 @@
             <a:noAutofit/>
           </a:bodyPr>
           <a:p>
-            <a:r>
-              <a:rPr b="0" lang="en-IE" sz="2000" spc="-1" strike="noStrike">
-                <a:latin typeface="Arial"/>
-              </a:rPr>
-              <a:t>On linux TERMINAL:</a:t>
+            <a:pPr marL="216000" indent="-216000">
+              <a:lnSpc>
+                <a:spcPct val="100000"/>
+              </a:lnSpc>
+              <a:buNone/>
+            </a:pPr>
+            <a:r>
+              <a:rPr b="0" lang="en-IE" sz="2000" spc="-1" strike="noStrike">
+                <a:latin typeface="Arial"/>
+              </a:rPr>
+              <a:t>On linux </a:t>
+            </a:r>
+            <a:r>
+              <a:rPr b="0" lang="en-IE" sz="2000" spc="-1" strike="noStrike">
+                <a:latin typeface="Arial"/>
+              </a:rPr>
+              <a:t>TERMIN</a:t>
+            </a:r>
+            <a:r>
+              <a:rPr b="0" lang="en-IE" sz="2000" spc="-1" strike="noStrike">
+                <a:latin typeface="Arial"/>
+              </a:rPr>
+              <a:t>AL:</a:t>
             </a:r>
             <a:endParaRPr b="0" lang="en-IE" sz="2000" spc="-1" strike="noStrike">
               <a:latin typeface="Arial"/>
             </a:endParaRPr>
           </a:p>
           <a:p>
+            <a:pPr marL="216000" indent="-216000">
+              <a:lnSpc>
+                <a:spcPct val="100000"/>
+              </a:lnSpc>
+              <a:buNone/>
+            </a:pPr>
             <a:r>
               <a:rPr b="0" lang="en-IE" sz="2000" spc="-1" strike="noStrike">
                 <a:latin typeface="Arial"/>
@@ -789,14 +1476,108 @@
             </a:endParaRPr>
           </a:p>
           <a:p>
-            <a:r>
-              <a:rPr b="0" lang="en-IE" sz="2000" spc="-1" strike="noStrike">
-                <a:latin typeface="Arial"/>
-              </a:rPr>
-              <a:t>curl -H "Content-Type:application/json" -X POST -d "{\"Title\":\"xxx\",\"Author\":\"xxx\",\"Price\":3000}" </a:t>
-            </a:r>
-            <a:r>
-              <a:rPr b="0" lang="en-IE" sz="2000" spc="-1" strike="noStrike">
+            <a:pPr marL="216000" indent="-216000">
+              <a:lnSpc>
+                <a:spcPct val="100000"/>
+              </a:lnSpc>
+              <a:buNone/>
+            </a:pPr>
+            <a:r>
+              <a:rPr b="0" lang="en-IE" sz="2000" spc="-1" strike="noStrike">
+                <a:latin typeface="Arial"/>
+              </a:rPr>
+              <a:t>curl -H </a:t>
+            </a:r>
+            <a:r>
+              <a:rPr b="0" lang="en-IE" sz="2000" spc="-1" strike="noStrike">
+                <a:latin typeface="Arial"/>
+              </a:rPr>
+              <a:t>"Conten</a:t>
+            </a:r>
+            <a:r>
+              <a:rPr b="0" lang="en-IE" sz="2000" spc="-1" strike="noStrike">
+                <a:latin typeface="Arial"/>
+              </a:rPr>
+              <a:t>t-</a:t>
+            </a:r>
+            <a:r>
+              <a:rPr b="0" lang="en-IE" sz="2000" spc="-1" strike="noStrike">
+                <a:latin typeface="Arial"/>
+              </a:rPr>
+              <a:t>Type:ap</a:t>
+            </a:r>
+            <a:r>
+              <a:rPr b="0" lang="en-IE" sz="2000" spc="-1" strike="noStrike">
+                <a:latin typeface="Arial"/>
+              </a:rPr>
+              <a:t>plication</a:t>
+            </a:r>
+            <a:r>
+              <a:rPr b="0" lang="en-IE" sz="2000" spc="-1" strike="noStrike">
+                <a:latin typeface="Arial"/>
+              </a:rPr>
+              <a:t>/json" -X </a:t>
+            </a:r>
+            <a:r>
+              <a:rPr b="0" lang="en-IE" sz="2000" spc="-1" strike="noStrike">
+                <a:latin typeface="Arial"/>
+              </a:rPr>
+              <a:t>POST -</a:t>
+            </a:r>
+            <a:r>
+              <a:rPr b="0" lang="en-IE" sz="2000" spc="-1" strike="noStrike">
+                <a:latin typeface="Arial"/>
+              </a:rPr>
+              <a:t>d </a:t>
+            </a:r>
+            <a:r>
+              <a:rPr b="0" lang="en-IE" sz="2000" spc="-1" strike="noStrike">
+                <a:latin typeface="Arial"/>
+              </a:rPr>
+              <a:t>"{\"Title\</a:t>
+            </a:r>
+            <a:r>
+              <a:rPr b="0" lang="en-IE" sz="2000" spc="-1" strike="noStrike">
+                <a:latin typeface="Arial"/>
+              </a:rPr>
+              <a:t>":\"xxx\"</a:t>
+            </a:r>
+            <a:r>
+              <a:rPr b="0" lang="en-IE" sz="2000" spc="-1" strike="noStrike">
+                <a:latin typeface="Arial"/>
+              </a:rPr>
+              <a:t>,\"Autho</a:t>
+            </a:r>
+            <a:r>
+              <a:rPr b="0" lang="en-IE" sz="2000" spc="-1" strike="noStrike">
+                <a:latin typeface="Arial"/>
+              </a:rPr>
+              <a:t>r\":\"xxx\</a:t>
+            </a:r>
+            <a:r>
+              <a:rPr b="0" lang="en-IE" sz="2000" spc="-1" strike="noStrike">
+                <a:latin typeface="Arial"/>
+              </a:rPr>
+              <a:t>",\"Price</a:t>
+            </a:r>
+            <a:r>
+              <a:rPr b="0" lang="en-IE" sz="2000" spc="-1" strike="noStrike">
+                <a:latin typeface="Arial"/>
+              </a:rPr>
+              <a:t>\":3000}</a:t>
+            </a:r>
+            <a:r>
+              <a:rPr b="0" lang="en-IE" sz="2000" spc="-1" strike="noStrike">
+                <a:latin typeface="Arial"/>
+              </a:rPr>
+              <a:t>" </a:t>
+            </a:r>
+            <a:r>
+              <a:rPr b="0" lang="en-IE" sz="2000" spc="-1" strike="noStrike" u="sng">
+                <a:solidFill>
+                  <a:srgbClr val="000000"/>
+                </a:solidFill>
+                <a:uFillTx/>
                 <a:latin typeface="Arial"/>
                 <a:hlinkClick r:id="rId1"/>
               </a:rPr>
@@ -807,19 +1588,119 @@
             </a:endParaRPr>
           </a:p>
           <a:p>
+            <a:pPr marL="216000" indent="-216000">
+              <a:lnSpc>
+                <a:spcPct val="100000"/>
+              </a:lnSpc>
+              <a:buNone/>
+            </a:pPr>
             <a:endParaRPr b="0" lang="en-IE" sz="2000" spc="-1" strike="noStrike">
               <a:latin typeface="Arial"/>
             </a:endParaRPr>
           </a:p>
           <a:p>
-            <a:r>
-              <a:rPr b="0" lang="en-IE" sz="2000" spc="-1" strike="noStrike">
-                <a:latin typeface="Arial"/>
-              </a:rPr>
-              <a:t>curl -H "Content-Type:application/json" -X POST -d "{\"Title\":\"delme\",\"Author\":\"and\",\"Price\":5000}" </a:t>
-            </a:r>
-            <a:r>
-              <a:rPr b="0" lang="en-IE" sz="2000" spc="-1" strike="noStrike">
+            <a:pPr marL="216000" indent="-216000">
+              <a:lnSpc>
+                <a:spcPct val="100000"/>
+              </a:lnSpc>
+              <a:buNone/>
+            </a:pPr>
+            <a:r>
+              <a:rPr b="0" lang="en-IE" sz="2000" spc="-1" strike="noStrike">
+                <a:latin typeface="Arial"/>
+              </a:rPr>
+              <a:t>curl -H </a:t>
+            </a:r>
+            <a:r>
+              <a:rPr b="0" lang="en-IE" sz="2000" spc="-1" strike="noStrike">
+                <a:latin typeface="Arial"/>
+              </a:rPr>
+              <a:t>"Conten</a:t>
+            </a:r>
+            <a:r>
+              <a:rPr b="0" lang="en-IE" sz="2000" spc="-1" strike="noStrike">
+                <a:latin typeface="Arial"/>
+              </a:rPr>
+              <a:t>t-</a:t>
+            </a:r>
+            <a:r>
+              <a:rPr b="0" lang="en-IE" sz="2000" spc="-1" strike="noStrike">
+                <a:latin typeface="Arial"/>
+              </a:rPr>
+              <a:t>Type:ap</a:t>
+            </a:r>
+            <a:r>
+              <a:rPr b="0" lang="en-IE" sz="2000" spc="-1" strike="noStrike">
+                <a:latin typeface="Arial"/>
+              </a:rPr>
+              <a:t>plication</a:t>
+            </a:r>
+            <a:r>
+              <a:rPr b="0" lang="en-IE" sz="2000" spc="-1" strike="noStrike">
+                <a:latin typeface="Arial"/>
+              </a:rPr>
+              <a:t>/json" -X </a:t>
+            </a:r>
+            <a:r>
+              <a:rPr b="0" lang="en-IE" sz="2000" spc="-1" strike="noStrike">
+                <a:latin typeface="Arial"/>
+              </a:rPr>
+              <a:t>POST -</a:t>
+            </a:r>
+            <a:r>
+              <a:rPr b="0" lang="en-IE" sz="2000" spc="-1" strike="noStrike">
+                <a:latin typeface="Arial"/>
+              </a:rPr>
+              <a:t>d </a:t>
+            </a:r>
+            <a:r>
+              <a:rPr b="0" lang="en-IE" sz="2000" spc="-1" strike="noStrike">
+                <a:latin typeface="Arial"/>
+              </a:rPr>
+              <a:t>"{\"Title\</a:t>
+            </a:r>
+            <a:r>
+              <a:rPr b="0" lang="en-IE" sz="2000" spc="-1" strike="noStrike">
+                <a:latin typeface="Arial"/>
+              </a:rPr>
+              <a:t>":\"delm</a:t>
+            </a:r>
+            <a:r>
+              <a:rPr b="0" lang="en-IE" sz="2000" spc="-1" strike="noStrike">
+                <a:latin typeface="Arial"/>
+              </a:rPr>
+              <a:t>e\",\"Aut</a:t>
+            </a:r>
+            <a:r>
+              <a:rPr b="0" lang="en-IE" sz="2000" spc="-1" strike="noStrike">
+                <a:latin typeface="Arial"/>
+              </a:rPr>
+              <a:t>hor\":\"a</a:t>
+            </a:r>
+            <a:r>
+              <a:rPr b="0" lang="en-IE" sz="2000" spc="-1" strike="noStrike">
+                <a:latin typeface="Arial"/>
+              </a:rPr>
+              <a:t>nd\",\"Pr</a:t>
+            </a:r>
+            <a:r>
+              <a:rPr b="0" lang="en-IE" sz="2000" spc="-1" strike="noStrike">
+                <a:latin typeface="Arial"/>
+              </a:rPr>
+              <a:t>ice\":50</a:t>
+            </a:r>
+            <a:r>
+              <a:rPr b="0" lang="en-IE" sz="2000" spc="-1" strike="noStrike">
+                <a:latin typeface="Arial"/>
+              </a:rPr>
+              <a:t>00}" </a:t>
+            </a:r>
+            <a:r>
+              <a:rPr b="0" lang="en-IE" sz="2000" spc="-1" strike="noStrike" u="sng">
+                <a:solidFill>
+                  <a:srgbClr val="000000"/>
+                </a:solidFill>
+                <a:uFillTx/>
                 <a:latin typeface="Arial"/>
                 <a:hlinkClick r:id="rId2"/>
               </a:rPr>
@@ -830,30 +1711,112 @@
             </a:endParaRPr>
           </a:p>
           <a:p>
+            <a:pPr marL="216000" indent="-216000">
+              <a:lnSpc>
+                <a:spcPct val="100000"/>
+              </a:lnSpc>
+              <a:buNone/>
+            </a:pPr>
             <a:endParaRPr b="0" lang="en-IE" sz="2000" spc="-1" strike="noStrike">
               <a:latin typeface="Arial"/>
             </a:endParaRPr>
           </a:p>
           <a:p>
-            <a:r>
-              <a:rPr b="0" lang="en-IE" sz="2000" spc="-1" strike="noStrike">
-                <a:latin typeface="Arial"/>
-              </a:rPr>
-              <a:t>To update:</a:t>
+            <a:pPr marL="216000" indent="-216000">
+              <a:lnSpc>
+                <a:spcPct val="100000"/>
+              </a:lnSpc>
+              <a:buNone/>
+            </a:pPr>
+            <a:r>
+              <a:rPr b="0" lang="en-IE" sz="2000" spc="-1" strike="noStrike">
+                <a:latin typeface="Arial"/>
+              </a:rPr>
+              <a:t>To </a:t>
+            </a:r>
+            <a:r>
+              <a:rPr b="0" lang="en-IE" sz="2000" spc="-1" strike="noStrike">
+                <a:latin typeface="Arial"/>
+              </a:rPr>
+              <a:t>update:</a:t>
             </a:r>
             <a:endParaRPr b="0" lang="en-IE" sz="2000" spc="-1" strike="noStrike">
               <a:latin typeface="Arial"/>
             </a:endParaRPr>
           </a:p>
           <a:p>
-            <a:r>
-              <a:rPr b="0" lang="en-IE" sz="2000" spc="-1" strike="noStrike">
-                <a:latin typeface="Arial"/>
-              </a:rPr>
-              <a:t>curl -H "Content-Type:application/json" -X PUT -d "{\"Price\":300000}" </a:t>
-            </a:r>
-            <a:r>
-              <a:rPr b="0" lang="en-IE" sz="2000" spc="-1" strike="noStrike">
+            <a:pPr marL="216000" indent="-216000">
+              <a:lnSpc>
+                <a:spcPct val="100000"/>
+              </a:lnSpc>
+              <a:buNone/>
+            </a:pPr>
+            <a:r>
+              <a:rPr b="0" lang="en-IE" sz="2000" spc="-1" strike="noStrike">
+                <a:latin typeface="Arial"/>
+              </a:rPr>
+              <a:t>curl -H </a:t>
+            </a:r>
+            <a:r>
+              <a:rPr b="0" lang="en-IE" sz="2000" spc="-1" strike="noStrike">
+                <a:latin typeface="Arial"/>
+              </a:rPr>
+              <a:t>"Conten</a:t>
+            </a:r>
+            <a:r>
+              <a:rPr b="0" lang="en-IE" sz="2000" spc="-1" strike="noStrike">
+                <a:latin typeface="Arial"/>
+              </a:rPr>
+              <a:t>t-</a:t>
+            </a:r>
+            <a:r>
+              <a:rPr b="0" lang="en-IE" sz="2000" spc="-1" strike="noStrike">
+                <a:latin typeface="Arial"/>
+              </a:rPr>
+              <a:t>Type:ap</a:t>
+            </a:r>
+            <a:r>
+              <a:rPr b="0" lang="en-IE" sz="2000" spc="-1" strike="noStrike">
+                <a:latin typeface="Arial"/>
+              </a:rPr>
+              <a:t>plication</a:t>
+            </a:r>
+            <a:r>
+              <a:rPr b="0" lang="en-IE" sz="2000" spc="-1" strike="noStrike">
+                <a:latin typeface="Arial"/>
+              </a:rPr>
+              <a:t>/json" -X </a:t>
+            </a:r>
+            <a:r>
+              <a:rPr b="0" lang="en-IE" sz="2000" spc="-1" strike="noStrike">
+                <a:latin typeface="Arial"/>
+              </a:rPr>
+              <a:t>PUT -d </a:t>
+            </a:r>
+            <a:r>
+              <a:rPr b="0" lang="en-IE" sz="2000" spc="-1" strike="noStrike">
+                <a:latin typeface="Arial"/>
+              </a:rPr>
+              <a:t>"{\"Price</a:t>
+            </a:r>
+            <a:r>
+              <a:rPr b="0" lang="en-IE" sz="2000" spc="-1" strike="noStrike">
+                <a:latin typeface="Arial"/>
+              </a:rPr>
+              <a:t>\":30000</a:t>
+            </a:r>
+            <a:r>
+              <a:rPr b="0" lang="en-IE" sz="2000" spc="-1" strike="noStrike">
+                <a:latin typeface="Arial"/>
+              </a:rPr>
+              <a:t>0}" </a:t>
+            </a:r>
+            <a:r>
+              <a:rPr b="0" lang="en-IE" sz="2000" spc="-1" strike="noStrike" u="sng">
+                <a:solidFill>
+                  <a:srgbClr val="000000"/>
+                </a:solidFill>
+                <a:uFillTx/>
                 <a:latin typeface="Arial"/>
                 <a:hlinkClick r:id="rId3"/>
               </a:rPr>
@@ -864,11 +1827,23 @@
             </a:endParaRPr>
           </a:p>
           <a:p>
+            <a:pPr marL="216000" indent="-216000">
+              <a:lnSpc>
+                <a:spcPct val="100000"/>
+              </a:lnSpc>
+              <a:buNone/>
+            </a:pPr>
             <a:endParaRPr b="0" lang="en-IE" sz="2000" spc="-1" strike="noStrike">
               <a:latin typeface="Arial"/>
             </a:endParaRPr>
           </a:p>
           <a:p>
+            <a:pPr marL="216000" indent="-216000">
+              <a:lnSpc>
+                <a:spcPct val="100000"/>
+              </a:lnSpc>
+              <a:buNone/>
+            </a:pPr>
             <a:r>
               <a:rPr b="0" lang="en-IE" sz="2000" spc="-1" strike="noStrike">
                 <a:latin typeface="Arial"/>
@@ -880,14 +1855,66 @@
             </a:endParaRPr>
           </a:p>
           <a:p>
-            <a:r>
-              <a:rPr b="0" lang="en-IE" sz="2000" spc="-1" strike="noStrike">
-                <a:latin typeface="Arial"/>
-              </a:rPr>
-              <a:t>curl -H "Content-Type:application/json" -X DELETE </a:t>
-            </a:r>
-            <a:r>
-              <a:rPr b="0" lang="en-IE" sz="2000" spc="-1" strike="noStrike">
+            <a:pPr marL="216000" indent="-216000">
+              <a:lnSpc>
+                <a:spcPct val="100000"/>
+              </a:lnSpc>
+              <a:buNone/>
+            </a:pPr>
+            <a:r>
+              <a:rPr b="0" lang="en-IE" sz="2000" spc="-1" strike="noStrike">
+                <a:latin typeface="Arial"/>
+              </a:rPr>
+              <a:t>curl -H </a:t>
+            </a:r>
+            <a:r>
+              <a:rPr b="0" lang="en-IE" sz="2000" spc="-1" strike="noStrike">
+                <a:latin typeface="Arial"/>
+              </a:rPr>
+              <a:t>"Conten</a:t>
+            </a:r>
+            <a:r>
+              <a:rPr b="0" lang="en-IE" sz="2000" spc="-1" strike="noStrike">
+                <a:latin typeface="Arial"/>
+              </a:rPr>
+              <a:t>t-</a:t>
+            </a:r>
+            <a:r>
+              <a:rPr b="0" lang="en-IE" sz="2000" spc="-1" strike="noStrike">
+                <a:latin typeface="Arial"/>
+              </a:rPr>
+              <a:t>Type:ap</a:t>
+            </a:r>
+            <a:r>
+              <a:rPr b="0" lang="en-IE" sz="2000" spc="-1" strike="noStrike">
+                <a:latin typeface="Arial"/>
+              </a:rPr>
+              <a:t>plication</a:t>
+            </a:r>
+            <a:r>
+              <a:rPr b="0" lang="en-IE" sz="2000" spc="-1" strike="noStrike">
+                <a:latin typeface="Arial"/>
+              </a:rPr>
+              <a:t>/json" -X </a:t>
+            </a:r>
+            <a:r>
+              <a:rPr b="0" lang="en-IE" sz="2000" spc="-1" strike="noStrike">
+                <a:latin typeface="Arial"/>
+              </a:rPr>
+              <a:t>DELET</a:t>
+            </a:r>
+            <a:r>
+              <a:rPr b="0" lang="en-IE" sz="2000" spc="-1" strike="noStrike">
+                <a:latin typeface="Arial"/>
+              </a:rPr>
+              <a:t>E </a:t>
+            </a:r>
+            <a:r>
+              <a:rPr b="0" lang="en-IE" sz="2000" spc="-1" strike="noStrike" u="sng">
+                <a:solidFill>
+                  <a:srgbClr val="000000"/>
+                </a:solidFill>
+                <a:uFillTx/>
                 <a:latin typeface="Arial"/>
                 <a:hlinkClick r:id="rId4"/>
               </a:rPr>
@@ -898,16 +1925,245 @@
             </a:endParaRPr>
           </a:p>
           <a:p>
+            <a:pPr marL="216000" indent="-216000">
+              <a:lnSpc>
+                <a:spcPct val="100000"/>
+              </a:lnSpc>
+              <a:buNone/>
+            </a:pPr>
             <a:endParaRPr b="0" lang="en-IE" sz="2000" spc="-1" strike="noStrike">
               <a:latin typeface="Arial"/>
             </a:endParaRPr>
           </a:p>
           <a:p>
+            <a:pPr marL="216000" indent="-216000">
+              <a:lnSpc>
+                <a:spcPct val="100000"/>
+              </a:lnSpc>
+              <a:buNone/>
+            </a:pPr>
+            <a:r>
+              <a:rPr b="0" lang="en-IE" sz="2000" spc="-1" strike="noStrike">
+                <a:solidFill>
+                  <a:srgbClr val="000000"/>
+                </a:solidFill>
+                <a:latin typeface="Arial"/>
+              </a:rPr>
+              <a:t>POSTMA</a:t>
+            </a:r>
+            <a:r>
+              <a:rPr b="0" lang="en-IE" sz="2000" spc="-1" strike="noStrike">
+                <a:solidFill>
+                  <a:srgbClr val="000000"/>
+                </a:solidFill>
+                <a:latin typeface="Arial"/>
+              </a:rPr>
+              <a:t>N: </a:t>
+            </a:r>
             <a:endParaRPr b="0" lang="en-IE" sz="2000" spc="-1" strike="noStrike">
               <a:latin typeface="Arial"/>
             </a:endParaRPr>
           </a:p>
           <a:p>
+            <a:pPr marL="216000" indent="-216000">
+              <a:lnSpc>
+                <a:spcPct val="100000"/>
+              </a:lnSpc>
+              <a:buNone/>
+            </a:pPr>
+            <a:r>
+              <a:rPr b="0" lang="en-IE" sz="2000" spc="-1" strike="noStrike">
+                <a:solidFill>
+                  <a:srgbClr val="000000"/>
+                </a:solidFill>
+                <a:latin typeface="Arial"/>
+              </a:rPr>
+              <a:t>+</a:t>
+            </a:r>
+            <a:endParaRPr b="0" lang="en-IE" sz="2000" spc="-1" strike="noStrike">
+              <a:latin typeface="Arial"/>
+            </a:endParaRPr>
+          </a:p>
+          <a:p>
+            <a:pPr marL="216000" indent="-216000">
+              <a:lnSpc>
+                <a:spcPct val="100000"/>
+              </a:lnSpc>
+              <a:buNone/>
+            </a:pPr>
+            <a:r>
+              <a:rPr b="0" lang="en-IE" sz="2000" spc="-1" strike="noStrike">
+                <a:solidFill>
+                  <a:srgbClr val="000000"/>
+                </a:solidFill>
+                <a:latin typeface="Arial"/>
+              </a:rPr>
+              <a:t>Post &gt; </a:t>
+            </a:r>
+            <a:r>
+              <a:rPr b="0" lang="en-IE" sz="2000" spc="-1" strike="noStrike">
+                <a:solidFill>
+                  <a:srgbClr val="000000"/>
+                </a:solidFill>
+                <a:latin typeface="Arial"/>
+              </a:rPr>
+              <a:t>body &gt; </a:t>
+            </a:r>
+            <a:r>
+              <a:rPr b="0" lang="en-IE" sz="2000" spc="-1" strike="noStrike">
+                <a:solidFill>
+                  <a:srgbClr val="000000"/>
+                </a:solidFill>
+                <a:latin typeface="Arial"/>
+              </a:rPr>
+              <a:t>raw &gt; </a:t>
+            </a:r>
+            <a:r>
+              <a:rPr b="0" lang="en-IE" sz="2000" spc="-1" strike="noStrike">
+                <a:solidFill>
+                  <a:srgbClr val="000000"/>
+                </a:solidFill>
+                <a:latin typeface="Arial"/>
+              </a:rPr>
+              <a:t>JSON</a:t>
+            </a:r>
+            <a:endParaRPr b="0" lang="en-IE" sz="2000" spc="-1" strike="noStrike">
+              <a:latin typeface="Arial"/>
+            </a:endParaRPr>
+          </a:p>
+          <a:p>
+            <a:pPr marL="216000" indent="-216000">
+              <a:lnSpc>
+                <a:spcPct val="100000"/>
+              </a:lnSpc>
+              <a:buNone/>
+            </a:pPr>
+            <a:r>
+              <a:rPr b="0" lang="en-IE" sz="2000" spc="-1" strike="noStrike">
+                <a:solidFill>
+                  <a:srgbClr val="000000"/>
+                </a:solidFill>
+                <a:latin typeface="Arial"/>
+                <a:hlinkClick r:id="rId5"/>
+              </a:rPr>
+              <a:t>http://andrewbeatty1.pythonanywhere.com/books</a:t>
+            </a:r>
+            <a:endParaRPr b="0" lang="en-IE" sz="2000" spc="-1" strike="noStrike">
+              <a:latin typeface="Arial"/>
+            </a:endParaRPr>
+          </a:p>
+          <a:p>
+            <a:pPr marL="216000" indent="-216000">
+              <a:lnSpc>
+                <a:spcPct val="100000"/>
+              </a:lnSpc>
+              <a:buNone/>
+            </a:pPr>
+            <a:r>
+              <a:rPr b="0" lang="en-IE" sz="2000" spc="-1" strike="noStrike">
+                <a:solidFill>
+                  <a:srgbClr val="000000"/>
+                </a:solidFill>
+                <a:latin typeface="Arial"/>
+              </a:rPr>
+              <a:t>{"Title":"d</a:t>
+            </a:r>
+            <a:r>
+              <a:rPr b="0" lang="en-IE" sz="2000" spc="-1" strike="noStrike">
+                <a:solidFill>
+                  <a:srgbClr val="000000"/>
+                </a:solidFill>
+                <a:latin typeface="Arial"/>
+              </a:rPr>
+              <a:t>elme","</a:t>
+            </a:r>
+            <a:r>
+              <a:rPr b="0" lang="en-IE" sz="2000" spc="-1" strike="noStrike">
+                <a:solidFill>
+                  <a:srgbClr val="000000"/>
+                </a:solidFill>
+                <a:latin typeface="Arial"/>
+              </a:rPr>
+              <a:t>Author":</a:t>
+            </a:r>
+            <a:r>
+              <a:rPr b="0" lang="en-IE" sz="2000" spc="-1" strike="noStrike">
+                <a:solidFill>
+                  <a:srgbClr val="000000"/>
+                </a:solidFill>
+                <a:latin typeface="Arial"/>
+              </a:rPr>
+              <a:t>"xxx","P</a:t>
+            </a:r>
+            <a:r>
+              <a:rPr b="0" lang="en-IE" sz="2000" spc="-1" strike="noStrike">
+                <a:solidFill>
+                  <a:srgbClr val="000000"/>
+                </a:solidFill>
+                <a:latin typeface="Arial"/>
+              </a:rPr>
+              <a:t>rice":12</a:t>
+            </a:r>
+            <a:r>
+              <a:rPr b="0" lang="en-IE" sz="2000" spc="-1" strike="noStrike">
+                <a:solidFill>
+                  <a:srgbClr val="000000"/>
+                </a:solidFill>
+                <a:latin typeface="Arial"/>
+              </a:rPr>
+              <a:t>30}</a:t>
+            </a:r>
+            <a:endParaRPr b="0" lang="en-IE" sz="2000" spc="-1" strike="noStrike">
+              <a:latin typeface="Arial"/>
+            </a:endParaRPr>
+          </a:p>
+          <a:p>
+            <a:pPr marL="216000" indent="-216000">
+              <a:lnSpc>
+                <a:spcPct val="100000"/>
+              </a:lnSpc>
+              <a:buNone/>
+            </a:pPr>
+            <a:endParaRPr b="0" lang="en-IE" sz="2000" spc="-1" strike="noStrike">
+              <a:latin typeface="Arial"/>
+            </a:endParaRPr>
+          </a:p>
+          <a:p>
+            <a:pPr marL="216000" indent="-216000">
+              <a:lnSpc>
+                <a:spcPct val="100000"/>
+              </a:lnSpc>
+              <a:buNone/>
+            </a:pPr>
+            <a:r>
+              <a:rPr b="0" lang="en-IE" sz="2000" spc="-1" strike="noStrike">
+                <a:solidFill>
+                  <a:srgbClr val="000000"/>
+                </a:solidFill>
+                <a:latin typeface="Arial"/>
+              </a:rPr>
+              <a:t>Save as – </a:t>
+            </a:r>
+            <a:r>
+              <a:rPr b="0" lang="en-IE" sz="2000" spc="-1" strike="noStrike">
+                <a:solidFill>
+                  <a:srgbClr val="000000"/>
+                </a:solidFill>
+                <a:latin typeface="Arial"/>
+              </a:rPr>
+              <a:t>always!</a:t>
+            </a:r>
+            <a:endParaRPr b="0" lang="en-IE" sz="2000" spc="-1" strike="noStrike">
+              <a:latin typeface="Arial"/>
+            </a:endParaRPr>
+          </a:p>
+          <a:p>
+            <a:pPr marL="216000" indent="-216000">
+              <a:lnSpc>
+                <a:spcPct val="100000"/>
+              </a:lnSpc>
+              <a:buNone/>
+            </a:pPr>
             <a:endParaRPr b="0" lang="en-IE" sz="2000" spc="-1" strike="noStrike">
               <a:latin typeface="Arial"/>
             </a:endParaRPr>
@@ -970,7 +2226,7 @@
         <p:txBody>
           <a:bodyPr/>
           <a:p>
-            <a:fld id="{8033D80F-A59D-4A27-8D1D-EEA7DA73035A}" type="slidenum">
+            <a:fld id="{25631663-8981-41C2-BB54-1852A3E18CD9}" type="slidenum">
               <a:t>&lt;#&gt;</a:t>
             </a:fld>
           </a:p>
@@ -1158,7 +2414,7 @@
         <p:txBody>
           <a:bodyPr/>
           <a:p>
-            <a:fld id="{F9C9D85A-6432-4113-92C4-889E92BD01D2}" type="slidenum">
+            <a:fld id="{1AF70BCA-79F0-478A-92DD-08B5777363F1}" type="slidenum">
               <a:t>&lt;#&gt;</a:t>
             </a:fld>
           </a:p>
@@ -1414,7 +2670,7 @@
         <p:txBody>
           <a:bodyPr/>
           <a:p>
-            <a:fld id="{E2631F22-D22A-4288-B4C7-2A5A88128BFF}" type="slidenum">
+            <a:fld id="{74F6273A-097D-462D-93B4-192C40457218}" type="slidenum">
               <a:t>&lt;#&gt;</a:t>
             </a:fld>
           </a:p>
@@ -1738,7 +2994,7 @@
         <p:txBody>
           <a:bodyPr/>
           <a:p>
-            <a:fld id="{6E6744AB-5010-40B2-827D-C5599CF6E8A6}" type="slidenum">
+            <a:fld id="{CB999543-2EEC-4E4A-B87C-30329A678D5A}" type="slidenum">
               <a:t>&lt;#&gt;</a:t>
             </a:fld>
           </a:p>
@@ -1821,7 +3077,7 @@
         <p:txBody>
           <a:bodyPr/>
           <a:p>
-            <a:fld id="{2D701047-4D26-4B6C-B64B-D904643ADBAE}" type="slidenum">
+            <a:fld id="{E4EE0130-CD55-4F3F-8E46-ED11C5E2BF99}" type="slidenum">
               <a:t>&lt;#&gt;</a:t>
             </a:fld>
           </a:p>
@@ -1978,7 +3234,7 @@
         <p:txBody>
           <a:bodyPr/>
           <a:p>
-            <a:fld id="{FE3B57CC-720C-4FD6-8985-623197041D38}" type="slidenum">
+            <a:fld id="{F0BB5142-C26A-4061-B15C-D70EEB0290B5}" type="slidenum">
               <a:t>&lt;#&gt;</a:t>
             </a:fld>
           </a:p>
@@ -2132,7 +3388,7 @@
         <p:txBody>
           <a:bodyPr/>
           <a:p>
-            <a:fld id="{733FA5C6-7A46-4EB1-A75F-124B10E0213A}" type="slidenum">
+            <a:fld id="{F6E24901-8E27-43E3-BD89-90A8171C8817}" type="slidenum">
               <a:t>&lt;#&gt;</a:t>
             </a:fld>
           </a:p>
@@ -2320,7 +3576,7 @@
         <p:txBody>
           <a:bodyPr/>
           <a:p>
-            <a:fld id="{0AACEA61-051D-4E27-817A-FC30DBAB70B4}" type="slidenum">
+            <a:fld id="{5B003F55-3F3B-4254-8AA6-8959B686DEE5}" type="slidenum">
               <a:t>&lt;#&gt;</a:t>
             </a:fld>
           </a:p>
@@ -2440,7 +3696,7 @@
         <p:txBody>
           <a:bodyPr/>
           <a:p>
-            <a:fld id="{2B279620-7DB9-4F30-A412-3C88CD86B285}" type="slidenum">
+            <a:fld id="{2CCE248A-C798-4B15-ACE9-27CE234BDA35}" type="slidenum">
               <a:t>&lt;#&gt;</a:t>
             </a:fld>
           </a:p>
@@ -2560,7 +3816,7 @@
         <p:txBody>
           <a:bodyPr/>
           <a:p>
-            <a:fld id="{01D6988C-F27F-435E-8494-B3600A619AA2}" type="slidenum">
+            <a:fld id="{6F86193D-7A07-40E9-90DB-52B46221636F}" type="slidenum">
               <a:t>&lt;#&gt;</a:t>
             </a:fld>
           </a:p>
@@ -2782,7 +4038,7 @@
         <p:txBody>
           <a:bodyPr/>
           <a:p>
-            <a:fld id="{F8A88279-CB5C-43F9-BB83-7972D8A142E2}" type="slidenum">
+            <a:fld id="{149F7FDF-8A6F-44A5-9926-DA880425B0B6}" type="slidenum">
               <a:t>&lt;#&gt;</a:t>
             </a:fld>
           </a:p>
@@ -2939,7 +4195,7 @@
         <p:txBody>
           <a:bodyPr/>
           <a:p>
-            <a:fld id="{7C74C474-7996-467B-8F4C-A112CD573487}" type="slidenum">
+            <a:fld id="{D2BB4675-8848-41CA-B822-5F6CFD806118}" type="slidenum">
               <a:t>&lt;#&gt;</a:t>
             </a:fld>
           </a:p>
@@ -3161,7 +4417,7 @@
         <p:txBody>
           <a:bodyPr/>
           <a:p>
-            <a:fld id="{4A46C08E-2A40-4C65-A53B-B1CD4F2E7D67}" type="slidenum">
+            <a:fld id="{DED69FC2-19E9-4750-88F8-9A4A5CDC2DEE}" type="slidenum">
               <a:t>&lt;#&gt;</a:t>
             </a:fld>
           </a:p>
@@ -3383,7 +4639,7 @@
         <p:txBody>
           <a:bodyPr/>
           <a:p>
-            <a:fld id="{F9CE4AEE-48BE-4234-B7BF-CEAB1A91109E}" type="slidenum">
+            <a:fld id="{08834010-C93A-4623-A877-0282B664888A}" type="slidenum">
               <a:t>&lt;#&gt;</a:t>
             </a:fld>
           </a:p>
@@ -3571,7 +4827,7 @@
         <p:txBody>
           <a:bodyPr/>
           <a:p>
-            <a:fld id="{2D64496F-2E0E-4148-A208-0EB7C09C6810}" type="slidenum">
+            <a:fld id="{B3AACF2E-3757-4B04-9D18-627FC8F824D7}" type="slidenum">
               <a:t>&lt;#&gt;</a:t>
             </a:fld>
           </a:p>
@@ -3827,7 +5083,7 @@
         <p:txBody>
           <a:bodyPr/>
           <a:p>
-            <a:fld id="{C1996AA7-F6E2-4B6F-B427-CA2444ACE9A9}" type="slidenum">
+            <a:fld id="{76E3F4F4-9845-4971-B1B9-7A0A034DC0E1}" type="slidenum">
               <a:t>&lt;#&gt;</a:t>
             </a:fld>
           </a:p>
@@ -4151,7 +5407,7 @@
         <p:txBody>
           <a:bodyPr/>
           <a:p>
-            <a:fld id="{9C7BDA0E-C4E8-42CB-A3EA-DCAB1BCD631B}" type="slidenum">
+            <a:fld id="{CC037D38-3604-46B7-8964-174F981FBB36}" type="slidenum">
               <a:t>&lt;#&gt;</a:t>
             </a:fld>
           </a:p>
@@ -4305,7 +5561,7 @@
         <p:txBody>
           <a:bodyPr/>
           <a:p>
-            <a:fld id="{FBF27F4D-EFF4-4720-AFB3-D8EE7B5594B0}" type="slidenum">
+            <a:fld id="{C344AB7B-03D5-4E52-B864-CD6790BA2A21}" type="slidenum">
               <a:t>&lt;#&gt;</a:t>
             </a:fld>
           </a:p>
@@ -4493,7 +5749,7 @@
         <p:txBody>
           <a:bodyPr/>
           <a:p>
-            <a:fld id="{739BDF78-817F-487C-BE83-80000BB557D2}" type="slidenum">
+            <a:fld id="{13C6F126-DFB8-456E-B937-558B965B1E8E}" type="slidenum">
               <a:t>&lt;#&gt;</a:t>
             </a:fld>
           </a:p>
@@ -4613,7 +5869,7 @@
         <p:txBody>
           <a:bodyPr/>
           <a:p>
-            <a:fld id="{A7CAD7B3-28AD-481A-8CC8-F95069E50B0A}" type="slidenum">
+            <a:fld id="{82619F88-2524-4E76-A8AF-F9BF8135CB4F}" type="slidenum">
               <a:t>&lt;#&gt;</a:t>
             </a:fld>
           </a:p>
@@ -4733,7 +5989,7 @@
         <p:txBody>
           <a:bodyPr/>
           <a:p>
-            <a:fld id="{CF721EC9-F6FA-499E-A9AE-BF435FAC1B41}" type="slidenum">
+            <a:fld id="{6A5E103A-0692-42E9-80FE-47A76C99487F}" type="slidenum">
               <a:t>&lt;#&gt;</a:t>
             </a:fld>
           </a:p>
@@ -4955,7 +6211,7 @@
         <p:txBody>
           <a:bodyPr/>
           <a:p>
-            <a:fld id="{78E7E6D9-440D-4CA7-8518-CBA6FB193842}" type="slidenum">
+            <a:fld id="{AA4BBA7F-4354-4BD4-8434-4F9844F49202}" type="slidenum">
               <a:t>&lt;#&gt;</a:t>
             </a:fld>
           </a:p>
@@ -5177,7 +6433,7 @@
         <p:txBody>
           <a:bodyPr/>
           <a:p>
-            <a:fld id="{B611A800-8A76-4560-A9E8-9CF3959B5A10}" type="slidenum">
+            <a:fld id="{DFAB88A9-741E-469E-B51C-EF5C48924C1A}" type="slidenum">
               <a:t>&lt;#&gt;</a:t>
             </a:fld>
           </a:p>
@@ -5399,7 +6655,7 @@
         <p:txBody>
           <a:bodyPr/>
           <a:p>
-            <a:fld id="{9EE2EB79-D467-47EA-B626-FA1EDBC5A86B}" type="slidenum">
+            <a:fld id="{42742D8F-359A-47A2-B5B1-CF35EB616646}" type="slidenum">
               <a:t>&lt;#&gt;</a:t>
             </a:fld>
           </a:p>
@@ -5464,9 +6720,9 @@
         <p:grpSpPr>
           <a:xfrm>
             <a:off x="11401560" y="6229800"/>
-            <a:ext cx="456480" cy="456480"/>
+            <a:ext cx="456120" cy="456120"/>
             <a:chOff x="11401560" y="6229800"/>
-            <a:chExt cx="456480" cy="456480"/>
+            <a:chExt cx="456120" cy="456120"/>
           </a:xfrm>
         </p:grpSpPr>
         <p:sp>
@@ -5478,7 +6734,7 @@
           <p:spPr>
             <a:xfrm>
               <a:off x="11401560" y="6229800"/>
-              <a:ext cx="456480" cy="456480"/>
+              <a:ext cx="456120" cy="456120"/>
             </a:xfrm>
             <a:prstGeom prst="ellipse">
               <a:avLst/>
@@ -5508,7 +6764,7 @@
           <p:spPr>
             <a:xfrm>
               <a:off x="11431080" y="6258960"/>
-              <a:ext cx="398160" cy="398160"/>
+              <a:ext cx="397800" cy="397800"/>
             </a:xfrm>
             <a:prstGeom prst="ellipse">
               <a:avLst/>
@@ -5538,7 +6794,7 @@
         <p:spPr>
           <a:xfrm>
             <a:off x="920880" y="1347120"/>
-            <a:ext cx="10222200" cy="79920"/>
+            <a:ext cx="10221840" cy="79560"/>
           </a:xfrm>
           <a:prstGeom prst="rect">
             <a:avLst/>
@@ -5578,7 +6834,7 @@
         <p:spPr>
           <a:xfrm>
             <a:off x="920880" y="4299840"/>
-            <a:ext cx="10222200" cy="79920"/>
+            <a:ext cx="10221840" cy="79560"/>
           </a:xfrm>
           <a:prstGeom prst="rect">
             <a:avLst/>
@@ -5618,7 +6874,7 @@
         <p:spPr>
           <a:xfrm>
             <a:off x="920880" y="1484640"/>
-            <a:ext cx="10222200" cy="2742480"/>
+            <a:ext cx="10221840" cy="2742120"/>
           </a:xfrm>
           <a:prstGeom prst="rect">
             <a:avLst/>
@@ -5658,9 +6914,9 @@
         <p:grpSpPr>
           <a:xfrm>
             <a:off x="9649080" y="4069080"/>
-            <a:ext cx="1080360" cy="1080360"/>
+            <a:ext cx="1080000" cy="1080000"/>
             <a:chOff x="9649080" y="4069080"/>
-            <a:chExt cx="1080360" cy="1080360"/>
+            <a:chExt cx="1080000" cy="1080000"/>
           </a:xfrm>
         </p:grpSpPr>
         <p:sp>
@@ -5672,7 +6928,7 @@
           <p:spPr>
             <a:xfrm>
               <a:off x="9649080" y="4069080"/>
-              <a:ext cx="1080360" cy="1080360"/>
+              <a:ext cx="1080000" cy="1080000"/>
             </a:xfrm>
             <a:prstGeom prst="ellipse">
               <a:avLst/>
@@ -5702,7 +6958,7 @@
           <p:spPr>
             <a:xfrm>
               <a:off x="9757440" y="4177080"/>
-              <a:ext cx="864000" cy="864000"/>
+              <a:ext cx="863640" cy="863640"/>
             </a:xfrm>
             <a:prstGeom prst="ellipse">
               <a:avLst/>
@@ -5735,8 +6991,8 @@
         </p:nvSpPr>
         <p:spPr>
           <a:xfrm>
-            <a:off x="1069920" y="484560"/>
-            <a:ext cx="10057680" cy="1608480"/>
+            <a:off x="609480" y="273600"/>
+            <a:ext cx="10972080" cy="1144440"/>
           </a:xfrm>
           <a:prstGeom prst="rect">
             <a:avLst/>
@@ -5770,13 +7026,196 @@
             <a:spLocks noGrp="1"/>
           </p:cNvSpPr>
           <p:nvPr>
+            <p:ph type="body"/>
+          </p:nvPr>
+        </p:nvSpPr>
+        <p:spPr>
+          <a:xfrm>
+            <a:off x="609480" y="1604520"/>
+            <a:ext cx="10972080" cy="3976920"/>
+          </a:xfrm>
+          <a:prstGeom prst="rect">
+            <a:avLst/>
+          </a:prstGeom>
+          <a:noFill/>
+          <a:ln w="0">
+            <a:noFill/>
+          </a:ln>
+        </p:spPr>
+        <p:txBody>
+          <a:bodyPr lIns="0" rIns="0" tIns="0" bIns="0" anchor="t">
+            <a:normAutofit/>
+          </a:bodyPr>
+          <a:p>
+            <a:pPr marL="432000" indent="-324000">
+              <a:spcBef>
+                <a:spcPts val="1417"/>
+              </a:spcBef>
+              <a:buClr>
+                <a:srgbClr val="000000"/>
+              </a:buClr>
+              <a:buSzPct val="45000"/>
+              <a:buFont typeface="Wingdings" charset="2"/>
+              <a:buChar char=""/>
+            </a:pPr>
+            <a:r>
+              <a:rPr b="0" lang="en-IE" sz="1800" spc="-1" strike="noStrike">
+                <a:latin typeface="Arial"/>
+              </a:rPr>
+              <a:t>Click to edit the outline text format</a:t>
+            </a:r>
+            <a:endParaRPr b="0" lang="en-IE" sz="1800" spc="-1" strike="noStrike">
+              <a:latin typeface="Arial"/>
+            </a:endParaRPr>
+          </a:p>
+          <a:p>
+            <a:pPr lvl="1" marL="864000" indent="-324000">
+              <a:spcBef>
+                <a:spcPts val="1134"/>
+              </a:spcBef>
+              <a:buClr>
+                <a:srgbClr val="000000"/>
+              </a:buClr>
+              <a:buSzPct val="75000"/>
+              <a:buFont typeface="Symbol" charset="2"/>
+              <a:buChar char=""/>
+            </a:pPr>
+            <a:r>
+              <a:rPr b="0" lang="en-IE" sz="1800" spc="-1" strike="noStrike">
+                <a:latin typeface="Arial"/>
+              </a:rPr>
+              <a:t>Second Outline Level</a:t>
+            </a:r>
+            <a:endParaRPr b="0" lang="en-IE" sz="1800" spc="-1" strike="noStrike">
+              <a:latin typeface="Arial"/>
+            </a:endParaRPr>
+          </a:p>
+          <a:p>
+            <a:pPr lvl="2" marL="1296000" indent="-288000">
+              <a:spcBef>
+                <a:spcPts val="850"/>
+              </a:spcBef>
+              <a:buClr>
+                <a:srgbClr val="000000"/>
+              </a:buClr>
+              <a:buSzPct val="45000"/>
+              <a:buFont typeface="Wingdings" charset="2"/>
+              <a:buChar char=""/>
+            </a:pPr>
+            <a:r>
+              <a:rPr b="0" lang="en-IE" sz="1800" spc="-1" strike="noStrike">
+                <a:latin typeface="Arial"/>
+              </a:rPr>
+              <a:t>Third Outline Level</a:t>
+            </a:r>
+            <a:endParaRPr b="0" lang="en-IE" sz="1800" spc="-1" strike="noStrike">
+              <a:latin typeface="Arial"/>
+            </a:endParaRPr>
+          </a:p>
+          <a:p>
+            <a:pPr lvl="3" marL="1728000" indent="-216000">
+              <a:spcBef>
+                <a:spcPts val="567"/>
+              </a:spcBef>
+              <a:buClr>
+                <a:srgbClr val="000000"/>
+              </a:buClr>
+              <a:buSzPct val="75000"/>
+              <a:buFont typeface="Symbol" charset="2"/>
+              <a:buChar char=""/>
+            </a:pPr>
+            <a:r>
+              <a:rPr b="0" lang="en-IE" sz="1800" spc="-1" strike="noStrike">
+                <a:latin typeface="Arial"/>
+              </a:rPr>
+              <a:t>Fourth Outline Level</a:t>
+            </a:r>
+            <a:endParaRPr b="0" lang="en-IE" sz="1800" spc="-1" strike="noStrike">
+              <a:latin typeface="Arial"/>
+            </a:endParaRPr>
+          </a:p>
+          <a:p>
+            <a:pPr lvl="4" marL="2160000" indent="-216000">
+              <a:spcBef>
+                <a:spcPts val="283"/>
+              </a:spcBef>
+              <a:buClr>
+                <a:srgbClr val="000000"/>
+              </a:buClr>
+              <a:buSzPct val="45000"/>
+              <a:buFont typeface="Wingdings" charset="2"/>
+              <a:buChar char=""/>
+            </a:pPr>
+            <a:r>
+              <a:rPr b="0" lang="en-IE" sz="1800" spc="-1" strike="noStrike">
+                <a:latin typeface="Arial"/>
+              </a:rPr>
+              <a:t>Fifth Outline Level</a:t>
+            </a:r>
+            <a:endParaRPr b="0" lang="en-IE" sz="1800" spc="-1" strike="noStrike">
+              <a:latin typeface="Arial"/>
+            </a:endParaRPr>
+          </a:p>
+          <a:p>
+            <a:pPr lvl="5" marL="2592000" indent="-216000">
+              <a:spcBef>
+                <a:spcPts val="283"/>
+              </a:spcBef>
+              <a:buClr>
+                <a:srgbClr val="000000"/>
+              </a:buClr>
+              <a:buSzPct val="45000"/>
+              <a:buFont typeface="Wingdings" charset="2"/>
+              <a:buChar char=""/>
+            </a:pPr>
+            <a:r>
+              <a:rPr b="0" lang="en-IE" sz="1800" spc="-1" strike="noStrike">
+                <a:latin typeface="Arial"/>
+              </a:rPr>
+              <a:t>Sixth Outline Level</a:t>
+            </a:r>
+            <a:endParaRPr b="0" lang="en-IE" sz="1800" spc="-1" strike="noStrike">
+              <a:latin typeface="Arial"/>
+            </a:endParaRPr>
+          </a:p>
+          <a:p>
+            <a:pPr lvl="6" marL="3024000" indent="-216000">
+              <a:spcBef>
+                <a:spcPts val="283"/>
+              </a:spcBef>
+              <a:buClr>
+                <a:srgbClr val="000000"/>
+              </a:buClr>
+              <a:buSzPct val="45000"/>
+              <a:buFont typeface="Wingdings" charset="2"/>
+              <a:buChar char=""/>
+            </a:pPr>
+            <a:r>
+              <a:rPr b="0" lang="en-IE" sz="1800" spc="-1" strike="noStrike">
+                <a:latin typeface="Arial"/>
+              </a:rPr>
+              <a:t>Seventh Outline Level</a:t>
+            </a:r>
+            <a:endParaRPr b="0" lang="en-IE" sz="1800" spc="-1" strike="noStrike">
+              <a:latin typeface="Arial"/>
+            </a:endParaRPr>
+          </a:p>
+        </p:txBody>
+      </p:sp>
+      <p:sp>
+        <p:nvSpPr>
+          <p:cNvPr id="11" name="PlaceHolder 3"/>
+          <p:cNvSpPr>
+            <a:spLocks noGrp="1"/>
+          </p:cNvSpPr>
+          <p:nvPr>
             <p:ph type="ftr" idx="1"/>
           </p:nvPr>
         </p:nvSpPr>
         <p:spPr>
           <a:xfrm>
             <a:off x="1088280" y="6272640"/>
-            <a:ext cx="6327000" cy="364320"/>
+            <a:ext cx="6326640" cy="363960"/>
           </a:xfrm>
           <a:prstGeom prst="rect">
             <a:avLst/>
@@ -5822,7 +7261,7 @@
       </p:sp>
       <p:sp>
         <p:nvSpPr>
-          <p:cNvPr id="11" name="PlaceHolder 3"/>
+          <p:cNvPr id="12" name="PlaceHolder 4"/>
           <p:cNvSpPr>
             <a:spLocks noGrp="1"/>
           </p:cNvSpPr>
@@ -5833,7 +7272,7 @@
         <p:spPr>
           <a:xfrm>
             <a:off x="9592560" y="4289400"/>
-            <a:ext cx="1193040" cy="639360"/>
+            <a:ext cx="1192680" cy="639000"/>
           </a:xfrm>
           <a:prstGeom prst="rect">
             <a:avLst/>
@@ -5868,7 +7307,7 @@
               </a:lnSpc>
               <a:buNone/>
             </a:pPr>
-            <a:fld id="{CAEA0086-FDEE-4FD0-8442-F04927FA2FA6}" type="slidenum">
+            <a:fld id="{879DD017-9E81-469E-8343-27018B50D2EA}" type="slidenum">
               <a:rPr b="1" lang="en-US" sz="2800" spc="-1" strike="noStrike">
                 <a:solidFill>
                   <a:srgbClr val="ffffff"/>
@@ -5885,7 +7324,7 @@
       </p:sp>
       <p:sp>
         <p:nvSpPr>
-          <p:cNvPr id="12" name="PlaceHolder 4"/>
+          <p:cNvPr id="13" name="PlaceHolder 5"/>
           <p:cNvSpPr>
             <a:spLocks noGrp="1"/>
           </p:cNvSpPr>
@@ -5896,7 +7335,7 @@
         <p:spPr>
           <a:xfrm>
             <a:off x="7964280" y="6272640"/>
-            <a:ext cx="3272760" cy="364320"/>
+            <a:ext cx="3272400" cy="363960"/>
           </a:xfrm>
           <a:prstGeom prst="rect">
             <a:avLst/>
@@ -5926,189 +7365,6 @@
             </a:r>
             <a:endParaRPr b="0" lang="en-IE" sz="1400" spc="-1" strike="noStrike">
               <a:latin typeface="Times New Roman"/>
-            </a:endParaRPr>
-          </a:p>
-        </p:txBody>
-      </p:sp>
-      <p:sp>
-        <p:nvSpPr>
-          <p:cNvPr id="13" name="PlaceHolder 5"/>
-          <p:cNvSpPr>
-            <a:spLocks noGrp="1"/>
-          </p:cNvSpPr>
-          <p:nvPr>
-            <p:ph type="body"/>
-          </p:nvPr>
-        </p:nvSpPr>
-        <p:spPr>
-          <a:xfrm>
-            <a:off x="609480" y="1604520"/>
-            <a:ext cx="10972440" cy="3977280"/>
-          </a:xfrm>
-          <a:prstGeom prst="rect">
-            <a:avLst/>
-          </a:prstGeom>
-          <a:noFill/>
-          <a:ln w="0">
-            <a:noFill/>
-          </a:ln>
-        </p:spPr>
-        <p:txBody>
-          <a:bodyPr lIns="0" rIns="0" tIns="0" bIns="0" anchor="t">
-            <a:normAutofit/>
-          </a:bodyPr>
-          <a:p>
-            <a:pPr marL="432000" indent="-324000">
-              <a:spcBef>
-                <a:spcPts val="1417"/>
-              </a:spcBef>
-              <a:buClr>
-                <a:srgbClr val="000000"/>
-              </a:buClr>
-              <a:buSzPct val="45000"/>
-              <a:buFont typeface="Wingdings" charset="2"/>
-              <a:buChar char=""/>
-            </a:pPr>
-            <a:r>
-              <a:rPr b="0" lang="en-IE" sz="3200" spc="-1" strike="noStrike">
-                <a:latin typeface="Arial"/>
-              </a:rPr>
-              <a:t>Click to edit the outline text format</a:t>
-            </a:r>
-            <a:endParaRPr b="0" lang="en-IE" sz="3200" spc="-1" strike="noStrike">
-              <a:latin typeface="Arial"/>
-            </a:endParaRPr>
-          </a:p>
-          <a:p>
-            <a:pPr lvl="1" marL="864000" indent="-324000">
-              <a:spcBef>
-                <a:spcPts val="1134"/>
-              </a:spcBef>
-              <a:buClr>
-                <a:srgbClr val="000000"/>
-              </a:buClr>
-              <a:buSzPct val="75000"/>
-              <a:buFont typeface="Symbol" charset="2"/>
-              <a:buChar char=""/>
-            </a:pPr>
-            <a:r>
-              <a:rPr b="0" lang="en-IE" sz="2800" spc="-1" strike="noStrike">
-                <a:latin typeface="Arial"/>
-              </a:rPr>
-              <a:t>Second Outline Level</a:t>
-            </a:r>
-            <a:endParaRPr b="0" lang="en-IE" sz="2800" spc="-1" strike="noStrike">
-              <a:latin typeface="Arial"/>
-            </a:endParaRPr>
-          </a:p>
-          <a:p>
-            <a:pPr lvl="2" marL="1296000" indent="-288000">
-              <a:spcBef>
-                <a:spcPts val="850"/>
-              </a:spcBef>
-              <a:buClr>
-                <a:srgbClr val="000000"/>
-              </a:buClr>
-              <a:buSzPct val="45000"/>
-              <a:buFont typeface="Wingdings" charset="2"/>
-              <a:buChar char=""/>
-            </a:pPr>
-            <a:r>
-              <a:rPr b="0" lang="en-IE" sz="2400" spc="-1" strike="noStrike">
-                <a:latin typeface="Arial"/>
-              </a:rPr>
-              <a:t>Third Outline Level</a:t>
-            </a:r>
-            <a:endParaRPr b="0" lang="en-IE" sz="2400" spc="-1" strike="noStrike">
-              <a:latin typeface="Arial"/>
-            </a:endParaRPr>
-          </a:p>
-          <a:p>
-            <a:pPr lvl="3" marL="1728000" indent="-216000">
-              <a:spcBef>
-                <a:spcPts val="567"/>
-              </a:spcBef>
-              <a:buClr>
-                <a:srgbClr val="000000"/>
-              </a:buClr>
-              <a:buSzPct val="75000"/>
-              <a:buFont typeface="Symbol" charset="2"/>
-              <a:buChar char=""/>
-            </a:pPr>
-            <a:r>
-              <a:rPr b="0" lang="en-IE" sz="2000" spc="-1" strike="noStrike">
-                <a:latin typeface="Arial"/>
-              </a:rPr>
-              <a:t>Fourth Outline Level</a:t>
-            </a:r>
-            <a:endParaRPr b="0" lang="en-IE" sz="2000" spc="-1" strike="noStrike">
-              <a:latin typeface="Arial"/>
-            </a:endParaRPr>
-          </a:p>
-          <a:p>
-            <a:pPr lvl="4" marL="2160000" indent="-216000">
-              <a:spcBef>
-                <a:spcPts val="283"/>
-              </a:spcBef>
-              <a:buClr>
-                <a:srgbClr val="000000"/>
-              </a:buClr>
-              <a:buSzPct val="45000"/>
-              <a:buFont typeface="Wingdings" charset="2"/>
-              <a:buChar char=""/>
-            </a:pPr>
-            <a:r>
-              <a:rPr b="0" lang="en-IE" sz="2000" spc="-1" strike="noStrike">
-                <a:latin typeface="Arial"/>
-              </a:rPr>
-              <a:t>Fifth Outline Level</a:t>
-            </a:r>
-            <a:endParaRPr b="0" lang="en-IE" sz="2000" spc="-1" strike="noStrike">
-              <a:latin typeface="Arial"/>
-            </a:endParaRPr>
-          </a:p>
-          <a:p>
-            <a:pPr lvl="5" marL="2592000" indent="-216000">
-              <a:spcBef>
-                <a:spcPts val="283"/>
-              </a:spcBef>
-              <a:buClr>
-                <a:srgbClr val="000000"/>
-              </a:buClr>
-              <a:buSzPct val="45000"/>
-              <a:buFont typeface="Wingdings" charset="2"/>
-              <a:buChar char=""/>
-            </a:pPr>
-            <a:r>
-              <a:rPr b="0" lang="en-IE" sz="2000" spc="-1" strike="noStrike">
-                <a:latin typeface="Arial"/>
-              </a:rPr>
-              <a:t>Sixth Outline Level</a:t>
-            </a:r>
-            <a:endParaRPr b="0" lang="en-IE" sz="2000" spc="-1" strike="noStrike">
-              <a:latin typeface="Arial"/>
-            </a:endParaRPr>
-          </a:p>
-          <a:p>
-            <a:pPr lvl="6" marL="3024000" indent="-216000">
-              <a:spcBef>
-                <a:spcPts val="283"/>
-              </a:spcBef>
-              <a:buClr>
-                <a:srgbClr val="000000"/>
-              </a:buClr>
-              <a:buSzPct val="45000"/>
-              <a:buFont typeface="Wingdings" charset="2"/>
-              <a:buChar char=""/>
-            </a:pPr>
-            <a:r>
-              <a:rPr b="0" lang="en-IE" sz="2000" spc="-1" strike="noStrike">
-                <a:latin typeface="Arial"/>
-              </a:rPr>
-              <a:t>Seventh Outline Level</a:t>
-            </a:r>
-            <a:endParaRPr b="0" lang="en-IE" sz="2000" spc="-1" strike="noStrike">
-              <a:latin typeface="Arial"/>
             </a:endParaRPr>
           </a:p>
         </p:txBody>
@@ -6166,9 +7422,9 @@
         <p:grpSpPr>
           <a:xfrm>
             <a:off x="11401560" y="6229800"/>
-            <a:ext cx="456480" cy="456480"/>
+            <a:ext cx="456120" cy="456120"/>
             <a:chOff x="11401560" y="6229800"/>
-            <a:chExt cx="456480" cy="456480"/>
+            <a:chExt cx="456120" cy="456120"/>
           </a:xfrm>
         </p:grpSpPr>
         <p:sp>
@@ -6180,7 +7436,7 @@
           <p:spPr>
             <a:xfrm>
               <a:off x="11401560" y="6229800"/>
-              <a:ext cx="456480" cy="456480"/>
+              <a:ext cx="456120" cy="456120"/>
             </a:xfrm>
             <a:prstGeom prst="ellipse">
               <a:avLst/>
@@ -6210,7 +7466,7 @@
           <p:spPr>
             <a:xfrm>
               <a:off x="11431080" y="6258960"/>
-              <a:ext cx="398160" cy="398160"/>
+              <a:ext cx="397800" cy="397800"/>
             </a:xfrm>
             <a:prstGeom prst="ellipse">
               <a:avLst/>
@@ -6244,7 +7500,7 @@
         <p:spPr>
           <a:xfrm>
             <a:off x="1088280" y="6272640"/>
-            <a:ext cx="6327000" cy="364320"/>
+            <a:ext cx="6326640" cy="363960"/>
           </a:xfrm>
           <a:prstGeom prst="rect">
             <a:avLst/>
@@ -6301,7 +7557,7 @@
         <p:spPr>
           <a:xfrm>
             <a:off x="11311200" y="6272640"/>
-            <a:ext cx="639360" cy="364320"/>
+            <a:ext cx="639000" cy="363960"/>
           </a:xfrm>
           <a:prstGeom prst="rect">
             <a:avLst/>
@@ -6336,7 +7592,7 @@
               </a:lnSpc>
               <a:buNone/>
             </a:pPr>
-            <a:fld id="{CBE4DB8E-95DC-43D8-91B8-3C9BCEEC644D}" type="slidenum">
+            <a:fld id="{3C4AA846-F9A6-4A07-8D64-2BC28CA7F03D}" type="slidenum">
               <a:rPr b="1" lang="en-US" sz="1400" spc="-1" strike="noStrike">
                 <a:solidFill>
                   <a:srgbClr val="ffffff"/>
@@ -6364,7 +7620,7 @@
         <p:spPr>
           <a:xfrm>
             <a:off x="7964280" y="6272640"/>
-            <a:ext cx="3272760" cy="364320"/>
+            <a:ext cx="3272400" cy="363960"/>
           </a:xfrm>
           <a:prstGeom prst="rect">
             <a:avLst/>
@@ -6433,7 +7689,49 @@
               <a:rPr b="0" lang="en-IE" sz="4400" spc="-1" strike="noStrike">
                 <a:latin typeface="Arial"/>
               </a:rPr>
-              <a:t>Click to edit the title text format</a:t>
+              <a:t>Clic</a:t>
+            </a:r>
+            <a:r>
+              <a:rPr b="0" lang="en-IE" sz="4400" spc="-1" strike="noStrike">
+                <a:latin typeface="Arial"/>
+              </a:rPr>
+              <a:t>k to </a:t>
+            </a:r>
+            <a:r>
+              <a:rPr b="0" lang="en-IE" sz="4400" spc="-1" strike="noStrike">
+                <a:latin typeface="Arial"/>
+              </a:rPr>
+              <a:t>edit </a:t>
+            </a:r>
+            <a:r>
+              <a:rPr b="0" lang="en-IE" sz="4400" spc="-1" strike="noStrike">
+                <a:latin typeface="Arial"/>
+              </a:rPr>
+              <a:t>the </a:t>
+            </a:r>
+            <a:r>
+              <a:rPr b="0" lang="en-IE" sz="4400" spc="-1" strike="noStrike">
+                <a:latin typeface="Arial"/>
+              </a:rPr>
+              <a:t>title </a:t>
+            </a:r>
+            <a:r>
+              <a:rPr b="0" lang="en-IE" sz="4400" spc="-1" strike="noStrike">
+                <a:latin typeface="Arial"/>
+              </a:rPr>
+              <a:t>text </a:t>
+            </a:r>
+            <a:r>
+              <a:rPr b="0" lang="en-IE" sz="4400" spc="-1" strike="noStrike">
+                <a:latin typeface="Arial"/>
+              </a:rPr>
+              <a:t>form</a:t>
+            </a:r>
+            <a:r>
+              <a:rPr b="0" lang="en-IE" sz="4400" spc="-1" strike="noStrike">
+                <a:latin typeface="Arial"/>
+              </a:rPr>
+              <a:t>at</a:t>
             </a:r>
             <a:endParaRPr b="0" lang="en-IE" sz="4400" spc="-1" strike="noStrike">
               <a:latin typeface="Arial"/>
@@ -6674,7 +7972,7 @@
         <p:spPr>
           <a:xfrm>
             <a:off x="1051560" y="1432080"/>
-            <a:ext cx="9966240" cy="3035160"/>
+            <a:ext cx="9965880" cy="3034800"/>
           </a:xfrm>
           <a:prstGeom prst="rect">
             <a:avLst/>
@@ -6699,7 +7997,25 @@
               <a:rPr b="0" lang="en-IE" sz="9600" spc="-1" strike="noStrike" cap="all">
                 <a:latin typeface="Rockwell Condensed"/>
               </a:rPr>
-              <a:t>CURL</a:t>
+              <a:t>C</a:t>
+            </a:r>
+            <a:r>
+              <a:rPr b="0" lang="en-IE" sz="9600" spc="-1" strike="noStrike" cap="all">
+                <a:latin typeface="Rockwell Condensed"/>
+              </a:rPr>
+              <a:t>U</a:t>
+            </a:r>
+            <a:r>
+              <a:rPr b="0" lang="en-IE" sz="9600" spc="-1" strike="noStrike" cap="all">
+                <a:latin typeface="Rockwell Condensed"/>
+              </a:rPr>
+              <a:t>R</a:t>
+            </a:r>
+            <a:r>
+              <a:rPr b="0" lang="en-IE" sz="9600" spc="-1" strike="noStrike" cap="all">
+                <a:latin typeface="Rockwell Condensed"/>
+              </a:rPr>
+              <a:t>L</a:t>
             </a:r>
             <a:endParaRPr b="0" lang="en-IE" sz="9600" spc="-1" strike="noStrike">
               <a:latin typeface="Arial"/>
@@ -6720,7 +8036,7 @@
         <p:spPr>
           <a:xfrm>
             <a:off x="1069920" y="4389120"/>
-            <a:ext cx="7890480" cy="1069200"/>
+            <a:ext cx="7890120" cy="1068840"/>
           </a:xfrm>
           <a:prstGeom prst="rect">
             <a:avLst/>
@@ -6754,7 +8070,43 @@
                 </a:solidFill>
                 <a:latin typeface="Rockwell"/>
               </a:rPr>
-              <a:t>Web Services and Applications</a:t>
+              <a:t>Web </a:t>
+            </a:r>
+            <a:r>
+              <a:rPr b="0" lang="en-IE" sz="2200" spc="-1" strike="noStrike">
+                <a:solidFill>
+                  <a:srgbClr val="000000"/>
+                </a:solidFill>
+                <a:latin typeface="Rockwell"/>
+              </a:rPr>
+              <a:t>Services </a:t>
+            </a:r>
+            <a:r>
+              <a:rPr b="0" lang="en-IE" sz="2200" spc="-1" strike="noStrike">
+                <a:solidFill>
+                  <a:srgbClr val="000000"/>
+                </a:solidFill>
+                <a:latin typeface="Rockwell"/>
+              </a:rPr>
+              <a:t>and </a:t>
+            </a:r>
+            <a:r>
+              <a:rPr b="0" lang="en-IE" sz="2200" spc="-1" strike="noStrike">
+                <a:solidFill>
+                  <a:srgbClr val="000000"/>
+                </a:solidFill>
+                <a:latin typeface="Rockwell"/>
+              </a:rPr>
+              <a:t>Applicati</a:t>
+            </a:r>
+            <a:r>
+              <a:rPr b="0" lang="en-IE" sz="2200" spc="-1" strike="noStrike">
+                <a:solidFill>
+                  <a:srgbClr val="000000"/>
+                </a:solidFill>
+                <a:latin typeface="Rockwell"/>
+              </a:rPr>
+              <a:t>ons</a:t>
             </a:r>
             <a:endParaRPr b="0" lang="en-IE" sz="2200" spc="-1" strike="noStrike">
               <a:latin typeface="Arial"/>
@@ -6833,7 +8185,7 @@
         <p:spPr>
           <a:xfrm>
             <a:off x="1069920" y="484560"/>
-            <a:ext cx="10057680" cy="1608480"/>
+            <a:ext cx="10057320" cy="1608120"/>
           </a:xfrm>
           <a:prstGeom prst="rect">
             <a:avLst/>
@@ -6858,7 +8210,31 @@
               <a:rPr b="0" lang="en-IE" sz="5400" spc="-1" strike="noStrike" cap="all">
                 <a:latin typeface="Rockwell Condensed"/>
               </a:rPr>
-              <a:t>What is CURL</a:t>
+              <a:t>Wh</a:t>
+            </a:r>
+            <a:r>
+              <a:rPr b="0" lang="en-IE" sz="5400" spc="-1" strike="noStrike" cap="all">
+                <a:latin typeface="Rockwell Condensed"/>
+              </a:rPr>
+              <a:t>at </a:t>
+            </a:r>
+            <a:r>
+              <a:rPr b="0" lang="en-IE" sz="5400" spc="-1" strike="noStrike" cap="all">
+                <a:latin typeface="Rockwell Condensed"/>
+              </a:rPr>
+              <a:t>is </a:t>
+            </a:r>
+            <a:r>
+              <a:rPr b="0" lang="en-IE" sz="5400" spc="-1" strike="noStrike" cap="all">
+                <a:latin typeface="Rockwell Condensed"/>
+              </a:rPr>
+              <a:t>CU</a:t>
+            </a:r>
+            <a:r>
+              <a:rPr b="0" lang="en-IE" sz="5400" spc="-1" strike="noStrike" cap="all">
+                <a:latin typeface="Rockwell Condensed"/>
+              </a:rPr>
+              <a:t>RL</a:t>
             </a:r>
             <a:endParaRPr b="0" lang="en-IE" sz="5400" spc="-1" strike="noStrike">
               <a:latin typeface="Arial"/>
@@ -6879,7 +8255,7 @@
         <p:spPr>
           <a:xfrm>
             <a:off x="1069920" y="2121480"/>
-            <a:ext cx="10057680" cy="4050000"/>
+            <a:ext cx="10057320" cy="4049640"/>
           </a:xfrm>
           <a:prstGeom prst="rect">
             <a:avLst/>
@@ -7093,7 +8469,7 @@
         <p:spPr>
           <a:xfrm>
             <a:off x="1069920" y="484560"/>
-            <a:ext cx="10057680" cy="1608480"/>
+            <a:ext cx="10057320" cy="1608120"/>
           </a:xfrm>
           <a:prstGeom prst="rect">
             <a:avLst/>
@@ -7118,7 +8494,31 @@
               <a:rPr b="0" lang="en-IE" sz="5400" spc="-1" strike="noStrike" cap="all">
                 <a:latin typeface="Rockwell Condensed"/>
               </a:rPr>
-              <a:t>Installation</a:t>
+              <a:t>Ins</a:t>
+            </a:r>
+            <a:r>
+              <a:rPr b="0" lang="en-IE" sz="5400" spc="-1" strike="noStrike" cap="all">
+                <a:latin typeface="Rockwell Condensed"/>
+              </a:rPr>
+              <a:t>ta</a:t>
+            </a:r>
+            <a:r>
+              <a:rPr b="0" lang="en-IE" sz="5400" spc="-1" strike="noStrike" cap="all">
+                <a:latin typeface="Rockwell Condensed"/>
+              </a:rPr>
+              <a:t>lla</a:t>
+            </a:r>
+            <a:r>
+              <a:rPr b="0" lang="en-IE" sz="5400" spc="-1" strike="noStrike" cap="all">
+                <a:latin typeface="Rockwell Condensed"/>
+              </a:rPr>
+              <a:t>tio</a:t>
+            </a:r>
+            <a:r>
+              <a:rPr b="0" lang="en-IE" sz="5400" spc="-1" strike="noStrike" cap="all">
+                <a:latin typeface="Rockwell Condensed"/>
+              </a:rPr>
+              <a:t>n</a:t>
             </a:r>
             <a:endParaRPr b="0" lang="en-IE" sz="5400" spc="-1" strike="noStrike">
               <a:latin typeface="Arial"/>
@@ -7139,7 +8539,7 @@
         <p:spPr>
           <a:xfrm>
             <a:off x="1069920" y="2121480"/>
-            <a:ext cx="10057680" cy="4050000"/>
+            <a:ext cx="10057320" cy="4049640"/>
           </a:xfrm>
           <a:prstGeom prst="rect">
             <a:avLst/>
@@ -7285,7 +8685,7 @@
         <p:spPr>
           <a:xfrm>
             <a:off x="1069920" y="484560"/>
-            <a:ext cx="10057680" cy="1608480"/>
+            <a:ext cx="10057320" cy="1608120"/>
           </a:xfrm>
           <a:prstGeom prst="rect">
             <a:avLst/>
@@ -7310,7 +8710,31 @@
               <a:rPr b="0" lang="en-IE" sz="5400" spc="-1" strike="noStrike" cap="all">
                 <a:latin typeface="Rockwell Condensed"/>
               </a:rPr>
-              <a:t>Some options</a:t>
+              <a:t>So</a:t>
+            </a:r>
+            <a:r>
+              <a:rPr b="0" lang="en-IE" sz="5400" spc="-1" strike="noStrike" cap="all">
+                <a:latin typeface="Rockwell Condensed"/>
+              </a:rPr>
+              <a:t>me </a:t>
+            </a:r>
+            <a:r>
+              <a:rPr b="0" lang="en-IE" sz="5400" spc="-1" strike="noStrike" cap="all">
+                <a:latin typeface="Rockwell Condensed"/>
+              </a:rPr>
+              <a:t>op</a:t>
+            </a:r>
+            <a:r>
+              <a:rPr b="0" lang="en-IE" sz="5400" spc="-1" strike="noStrike" cap="all">
+                <a:latin typeface="Rockwell Condensed"/>
+              </a:rPr>
+              <a:t>tio</a:t>
+            </a:r>
+            <a:r>
+              <a:rPr b="0" lang="en-IE" sz="5400" spc="-1" strike="noStrike" cap="all">
+                <a:latin typeface="Rockwell Condensed"/>
+              </a:rPr>
+              <a:t>ns</a:t>
             </a:r>
             <a:endParaRPr b="0" lang="en-IE" sz="5400" spc="-1" strike="noStrike">
               <a:latin typeface="Arial"/>
@@ -7331,7 +8755,7 @@
         <p:spPr>
           <a:xfrm>
             <a:off x="1069920" y="2121480"/>
-            <a:ext cx="10057680" cy="4050000"/>
+            <a:ext cx="10057320" cy="4049640"/>
           </a:xfrm>
           <a:prstGeom prst="rect">
             <a:avLst/>
@@ -7653,7 +9077,7 @@
         <p:spPr>
           <a:xfrm>
             <a:off x="1069920" y="484560"/>
-            <a:ext cx="10057680" cy="1608480"/>
+            <a:ext cx="10057320" cy="1608120"/>
           </a:xfrm>
           <a:prstGeom prst="rect">
             <a:avLst/>
@@ -7678,7 +9102,31 @@
               <a:rPr b="0" lang="en-GB" sz="5400" spc="-1" strike="noStrike" cap="all">
                 <a:latin typeface="Rockwell Condensed"/>
               </a:rPr>
-              <a:t>The book API</a:t>
+              <a:t>Th</a:t>
+            </a:r>
+            <a:r>
+              <a:rPr b="0" lang="en-GB" sz="5400" spc="-1" strike="noStrike" cap="all">
+                <a:latin typeface="Rockwell Condensed"/>
+              </a:rPr>
+              <a:t>e </a:t>
+            </a:r>
+            <a:r>
+              <a:rPr b="0" lang="en-GB" sz="5400" spc="-1" strike="noStrike" cap="all">
+                <a:latin typeface="Rockwell Condensed"/>
+              </a:rPr>
+              <a:t>bo</a:t>
+            </a:r>
+            <a:r>
+              <a:rPr b="0" lang="en-GB" sz="5400" spc="-1" strike="noStrike" cap="all">
+                <a:latin typeface="Rockwell Condensed"/>
+              </a:rPr>
+              <a:t>ok </a:t>
+            </a:r>
+            <a:r>
+              <a:rPr b="0" lang="en-GB" sz="5400" spc="-1" strike="noStrike" cap="all">
+                <a:latin typeface="Rockwell Condensed"/>
+              </a:rPr>
+              <a:t>API</a:t>
             </a:r>
             <a:br>
               <a:rPr sz="5400"/>
@@ -7687,7 +9135,43 @@
               <a:rPr b="0" lang="en-GB" sz="2200" spc="-1" strike="noStrike" cap="all">
                 <a:latin typeface="Rockwell Condensed"/>
               </a:rPr>
-              <a:t>http://andrewbeatty1.pythonanywhere.com</a:t>
+              <a:t>http://a</a:t>
+            </a:r>
+            <a:r>
+              <a:rPr b="0" lang="en-GB" sz="2200" spc="-1" strike="noStrike" cap="all">
+                <a:latin typeface="Rockwell Condensed"/>
+              </a:rPr>
+              <a:t>ndrew</a:t>
+            </a:r>
+            <a:r>
+              <a:rPr b="0" lang="en-GB" sz="2200" spc="-1" strike="noStrike" cap="all">
+                <a:latin typeface="Rockwell Condensed"/>
+              </a:rPr>
+              <a:t>beatty</a:t>
+            </a:r>
+            <a:r>
+              <a:rPr b="0" lang="en-GB" sz="2200" spc="-1" strike="noStrike" cap="all">
+                <a:latin typeface="Rockwell Condensed"/>
+              </a:rPr>
+              <a:t>1.pytho</a:t>
+            </a:r>
+            <a:r>
+              <a:rPr b="0" lang="en-GB" sz="2200" spc="-1" strike="noStrike" cap="all">
+                <a:latin typeface="Rockwell Condensed"/>
+              </a:rPr>
+              <a:t>nanyw</a:t>
+            </a:r>
+            <a:r>
+              <a:rPr b="0" lang="en-GB" sz="2200" spc="-1" strike="noStrike" cap="all">
+                <a:latin typeface="Rockwell Condensed"/>
+              </a:rPr>
+              <a:t>here.c</a:t>
+            </a:r>
+            <a:r>
+              <a:rPr b="0" lang="en-GB" sz="2200" spc="-1" strike="noStrike" cap="all">
+                <a:latin typeface="Rockwell Condensed"/>
+              </a:rPr>
+              <a:t>om</a:t>
             </a:r>
             <a:endParaRPr b="0" lang="en-IE" sz="2200" spc="-1" strike="noStrike">
               <a:latin typeface="Arial"/>
@@ -10179,7 +11663,7 @@
         <p:spPr>
           <a:xfrm>
             <a:off x="1069920" y="484560"/>
-            <a:ext cx="10057680" cy="1608480"/>
+            <a:ext cx="10057320" cy="1608120"/>
           </a:xfrm>
           <a:prstGeom prst="rect">
             <a:avLst/>
@@ -10204,7 +11688,31 @@
               <a:rPr b="0" lang="en-IE" sz="5400" spc="-1" strike="noStrike" cap="all">
                 <a:latin typeface="Rockwell Condensed"/>
               </a:rPr>
-              <a:t>Conclusion</a:t>
+              <a:t>Co</a:t>
+            </a:r>
+            <a:r>
+              <a:rPr b="0" lang="en-IE" sz="5400" spc="-1" strike="noStrike" cap="all">
+                <a:latin typeface="Rockwell Condensed"/>
+              </a:rPr>
+              <a:t>nc</a:t>
+            </a:r>
+            <a:r>
+              <a:rPr b="0" lang="en-IE" sz="5400" spc="-1" strike="noStrike" cap="all">
+                <a:latin typeface="Rockwell Condensed"/>
+              </a:rPr>
+              <a:t>lu</a:t>
+            </a:r>
+            <a:r>
+              <a:rPr b="0" lang="en-IE" sz="5400" spc="-1" strike="noStrike" cap="all">
+                <a:latin typeface="Rockwell Condensed"/>
+              </a:rPr>
+              <a:t>sio</a:t>
+            </a:r>
+            <a:r>
+              <a:rPr b="0" lang="en-IE" sz="5400" spc="-1" strike="noStrike" cap="all">
+                <a:latin typeface="Rockwell Condensed"/>
+              </a:rPr>
+              <a:t>n</a:t>
             </a:r>
             <a:endParaRPr b="0" lang="en-IE" sz="5400" spc="-1" strike="noStrike">
               <a:latin typeface="Arial"/>
@@ -10225,7 +11733,7 @@
         <p:spPr>
           <a:xfrm>
             <a:off x="1069920" y="2121480"/>
-            <a:ext cx="10057680" cy="4050000"/>
+            <a:ext cx="10057320" cy="4049640"/>
           </a:xfrm>
           <a:prstGeom prst="rect">
             <a:avLst/>

--- a/labs/WSAA3.4 Curled.pptx
+++ b/labs/WSAA3.4 Curled.pptx
@@ -74,37 +74,7 @@
               <a:rPr b="0" lang="en-IE" sz="4400" spc="-1" strike="noStrike">
                 <a:latin typeface="Arial"/>
               </a:rPr>
-              <a:t>Clic</a:t>
-            </a:r>
-            <a:r>
-              <a:rPr b="0" lang="en-IE" sz="4400" spc="-1" strike="noStrike">
-                <a:latin typeface="Arial"/>
-              </a:rPr>
-              <a:t>k to </a:t>
-            </a:r>
-            <a:r>
-              <a:rPr b="0" lang="en-IE" sz="4400" spc="-1" strike="noStrike">
-                <a:latin typeface="Arial"/>
-              </a:rPr>
-              <a:t>mov</a:t>
-            </a:r>
-            <a:r>
-              <a:rPr b="0" lang="en-IE" sz="4400" spc="-1" strike="noStrike">
-                <a:latin typeface="Arial"/>
-              </a:rPr>
-              <a:t>e </a:t>
-            </a:r>
-            <a:r>
-              <a:rPr b="0" lang="en-IE" sz="4400" spc="-1" strike="noStrike">
-                <a:latin typeface="Arial"/>
-              </a:rPr>
-              <a:t>the </a:t>
-            </a:r>
-            <a:r>
-              <a:rPr b="0" lang="en-IE" sz="4400" spc="-1" strike="noStrike">
-                <a:latin typeface="Arial"/>
-              </a:rPr>
-              <a:t>slide</a:t>
+              <a:t>Click to move the slide</a:t>
             </a:r>
             <a:endParaRPr b="0" lang="en-IE" sz="4400" spc="-1" strike="noStrike">
               <a:latin typeface="Arial"/>
@@ -144,25 +114,7 @@
               <a:rPr b="0" lang="en-IE" sz="2000" spc="-1" strike="noStrike">
                 <a:latin typeface="Arial"/>
               </a:rPr>
-              <a:t>Click to </a:t>
-            </a:r>
-            <a:r>
-              <a:rPr b="0" lang="en-IE" sz="2000" spc="-1" strike="noStrike">
-                <a:latin typeface="Arial"/>
-              </a:rPr>
-              <a:t>edit the </a:t>
-            </a:r>
-            <a:r>
-              <a:rPr b="0" lang="en-IE" sz="2000" spc="-1" strike="noStrike">
-                <a:latin typeface="Arial"/>
-              </a:rPr>
-              <a:t>notes </a:t>
-            </a:r>
-            <a:r>
-              <a:rPr b="0" lang="en-IE" sz="2000" spc="-1" strike="noStrike">
-                <a:latin typeface="Arial"/>
-              </a:rPr>
-              <a:t>format</a:t>
+              <a:t>Click to edit the notes format</a:t>
             </a:r>
             <a:endParaRPr b="0" lang="en-IE" sz="2000" spc="-1" strike="noStrike">
               <a:latin typeface="Arial"/>
@@ -347,7 +299,7 @@
             <a:pPr algn="r">
               <a:buNone/>
             </a:pPr>
-            <a:fld id="{C1C6492F-D12D-4923-BCDC-04A5B4716026}" type="slidenum">
+            <a:fld id="{EA9F63FB-DA3B-49F7-8B87-5C48BC48D2D3}" type="slidenum">
               <a:rPr b="0" lang="en-IE" sz="1400" spc="-1" strike="noStrike">
                 <a:latin typeface="Times New Roman"/>
               </a:rPr>
@@ -395,7 +347,7 @@
         <p:spPr>
           <a:xfrm>
             <a:off x="216000" y="812520"/>
-            <a:ext cx="7126920" cy="4008600"/>
+            <a:ext cx="7126200" cy="4007880"/>
           </a:xfrm>
           <a:prstGeom prst="rect">
             <a:avLst/>
@@ -418,7 +370,7 @@
         <p:spPr>
           <a:xfrm>
             <a:off x="756000" y="5078520"/>
-            <a:ext cx="6047280" cy="4810680"/>
+            <a:ext cx="6046560" cy="4809960"/>
           </a:xfrm>
           <a:prstGeom prst="rect">
             <a:avLst/>
@@ -438,390 +390,15 @@
                 <a:spcPct val="100000"/>
               </a:lnSpc>
               <a:buNone/>
+              <a:tabLst>
+                <a:tab algn="l" pos="0"/>
+              </a:tabLst>
             </a:pPr>
             <a:r>
               <a:rPr b="0" lang="en-IE" sz="2000" spc="-1" strike="noStrike">
                 <a:latin typeface="Arial"/>
               </a:rPr>
-              <a:t>Curl is a </a:t>
-            </a:r>
-            <a:r>
-              <a:rPr b="0" lang="en-IE" sz="2000" spc="-1" strike="noStrike">
-                <a:latin typeface="Arial"/>
-              </a:rPr>
-              <a:t>built-in </a:t>
-            </a:r>
-            <a:r>
-              <a:rPr b="0" lang="en-IE" sz="2000" spc="-1" strike="noStrike">
-                <a:latin typeface="Arial"/>
-              </a:rPr>
-              <a:t>applicati</a:t>
-            </a:r>
-            <a:r>
-              <a:rPr b="0" lang="en-IE" sz="2000" spc="-1" strike="noStrike">
-                <a:latin typeface="Arial"/>
-              </a:rPr>
-              <a:t>on on </a:t>
-            </a:r>
-            <a:r>
-              <a:rPr b="0" lang="en-IE" sz="2000" spc="-1" strike="noStrike">
-                <a:latin typeface="Arial"/>
-              </a:rPr>
-              <a:t>your </a:t>
-            </a:r>
-            <a:r>
-              <a:rPr b="0" lang="en-IE" sz="2000" spc="-1" strike="noStrike">
-                <a:latin typeface="Arial"/>
-              </a:rPr>
-              <a:t>basic </a:t>
-            </a:r>
-            <a:r>
-              <a:rPr b="0" lang="en-IE" sz="2000" spc="-1" strike="noStrike">
-                <a:latin typeface="Arial"/>
-              </a:rPr>
-              <a:t>Window</a:t>
-            </a:r>
-            <a:r>
-              <a:rPr b="0" lang="en-IE" sz="2000" spc="-1" strike="noStrike">
-                <a:latin typeface="Arial"/>
-              </a:rPr>
-              <a:t>s 10 </a:t>
-            </a:r>
-            <a:r>
-              <a:rPr b="0" lang="en-IE" sz="2000" spc="-1" strike="noStrike">
-                <a:latin typeface="Arial"/>
-              </a:rPr>
-              <a:t>and </a:t>
-            </a:r>
-            <a:r>
-              <a:rPr b="0" lang="en-IE" sz="2000" spc="-1" strike="noStrike">
-                <a:latin typeface="Arial"/>
-              </a:rPr>
-              <a:t>Window</a:t>
-            </a:r>
-            <a:r>
-              <a:rPr b="0" lang="en-IE" sz="2000" spc="-1" strike="noStrike">
-                <a:latin typeface="Arial"/>
-              </a:rPr>
-              <a:t>s Live </a:t>
-            </a:r>
-            <a:r>
-              <a:rPr b="0" lang="en-IE" sz="2000" spc="-1" strike="noStrike">
-                <a:latin typeface="Arial"/>
-              </a:rPr>
-              <a:t>machine</a:t>
-            </a:r>
-            <a:r>
-              <a:rPr b="0" lang="en-IE" sz="2000" spc="-1" strike="noStrike">
-                <a:latin typeface="Arial"/>
-              </a:rPr>
-              <a:t>s, and </a:t>
-            </a:r>
-            <a:r>
-              <a:rPr b="0" lang="en-IE" sz="2000" spc="-1" strike="noStrike">
-                <a:latin typeface="Arial"/>
-              </a:rPr>
-              <a:t>it's built </a:t>
-            </a:r>
-            <a:r>
-              <a:rPr b="0" lang="en-IE" sz="2000" spc="-1" strike="noStrike">
-                <a:latin typeface="Arial"/>
-              </a:rPr>
-              <a:t>into </a:t>
-            </a:r>
-            <a:r>
-              <a:rPr b="0" lang="en-IE" sz="2000" spc="-1" strike="noStrike">
-                <a:latin typeface="Arial"/>
-              </a:rPr>
-              <a:t>Mac. </a:t>
-            </a:r>
-            <a:r>
-              <a:rPr b="0" lang="en-IE" sz="2000" spc="-1" strike="noStrike">
-                <a:latin typeface="Arial"/>
-              </a:rPr>
-              <a:t>You can </a:t>
-            </a:r>
-            <a:r>
-              <a:rPr b="0" lang="en-IE" sz="2000" spc="-1" strike="noStrike">
-                <a:latin typeface="Arial"/>
-              </a:rPr>
-              <a:t>downloa</a:t>
-            </a:r>
-            <a:r>
-              <a:rPr b="0" lang="en-IE" sz="2000" spc="-1" strike="noStrike">
-                <a:latin typeface="Arial"/>
-              </a:rPr>
-              <a:t>d it if </a:t>
-            </a:r>
-            <a:r>
-              <a:rPr b="0" lang="en-IE" sz="2000" spc="-1" strike="noStrike">
-                <a:latin typeface="Arial"/>
-              </a:rPr>
-              <a:t>you </a:t>
-            </a:r>
-            <a:r>
-              <a:rPr b="0" lang="en-IE" sz="2000" spc="-1" strike="noStrike">
-                <a:latin typeface="Arial"/>
-              </a:rPr>
-              <a:t>want. </a:t>
-            </a:r>
-            <a:r>
-              <a:rPr b="0" lang="en-IE" sz="2000" spc="-1" strike="noStrike">
-                <a:latin typeface="Arial"/>
-              </a:rPr>
-              <a:t>It's </a:t>
-            </a:r>
-            <a:r>
-              <a:rPr b="0" lang="en-IE" sz="2000" spc="-1" strike="noStrike">
-                <a:latin typeface="Arial"/>
-              </a:rPr>
-              <a:t>basicall</a:t>
-            </a:r>
-            <a:r>
-              <a:rPr b="0" lang="en-IE" sz="2000" spc="-1" strike="noStrike">
-                <a:latin typeface="Arial"/>
-              </a:rPr>
-              <a:t>y </a:t>
-            </a:r>
-            <a:r>
-              <a:rPr b="0" lang="en-IE" sz="2000" spc="-1" strike="noStrike">
-                <a:latin typeface="Arial"/>
-              </a:rPr>
-              <a:t>comman</a:t>
-            </a:r>
-            <a:r>
-              <a:rPr b="0" lang="en-IE" sz="2000" spc="-1" strike="noStrike">
-                <a:latin typeface="Arial"/>
-              </a:rPr>
-              <a:t>d line </a:t>
-            </a:r>
-            <a:r>
-              <a:rPr b="0" lang="en-IE" sz="2000" spc="-1" strike="noStrike">
-                <a:latin typeface="Arial"/>
-              </a:rPr>
-              <a:t>URLs. It </a:t>
-            </a:r>
-            <a:r>
-              <a:rPr b="0" lang="en-IE" sz="2000" spc="-1" strike="noStrike">
-                <a:latin typeface="Arial"/>
-              </a:rPr>
-              <a:t>allows </a:t>
-            </a:r>
-            <a:r>
-              <a:rPr b="0" lang="en-IE" sz="2000" spc="-1" strike="noStrike">
-                <a:latin typeface="Arial"/>
-              </a:rPr>
-              <a:t>you to </a:t>
-            </a:r>
-            <a:r>
-              <a:rPr b="0" lang="en-IE" sz="2000" spc="-1" strike="noStrike">
-                <a:latin typeface="Arial"/>
-              </a:rPr>
-              <a:t>send </a:t>
-            </a:r>
-            <a:r>
-              <a:rPr b="0" lang="en-IE" sz="2000" spc="-1" strike="noStrike">
-                <a:latin typeface="Arial"/>
-              </a:rPr>
-              <a:t>Gets </a:t>
-            </a:r>
-            <a:r>
-              <a:rPr b="0" lang="en-IE" sz="2000" spc="-1" strike="noStrike">
-                <a:latin typeface="Arial"/>
-              </a:rPr>
-              <a:t>and </a:t>
-            </a:r>
-            <a:r>
-              <a:rPr b="0" lang="en-IE" sz="2000" spc="-1" strike="noStrike">
-                <a:latin typeface="Arial"/>
-              </a:rPr>
-              <a:t>Posts </a:t>
-            </a:r>
-            <a:r>
-              <a:rPr b="0" lang="en-IE" sz="2000" spc="-1" strike="noStrike">
-                <a:latin typeface="Arial"/>
-              </a:rPr>
-              <a:t>up to </a:t>
-            </a:r>
-            <a:r>
-              <a:rPr b="0" lang="en-IE" sz="2000" spc="-1" strike="noStrike">
-                <a:latin typeface="Arial"/>
-              </a:rPr>
-              <a:t>URLs </a:t>
-            </a:r>
-            <a:r>
-              <a:rPr b="0" lang="en-IE" sz="2000" spc="-1" strike="noStrike">
-                <a:latin typeface="Arial"/>
-              </a:rPr>
-              <a:t>and see </a:t>
-            </a:r>
-            <a:r>
-              <a:rPr b="0" lang="en-IE" sz="2000" spc="-1" strike="noStrike">
-                <a:latin typeface="Arial"/>
-              </a:rPr>
-              <a:t>what the </a:t>
-            </a:r>
-            <a:r>
-              <a:rPr b="0" lang="en-IE" sz="2000" spc="-1" strike="noStrike">
-                <a:latin typeface="Arial"/>
-              </a:rPr>
-              <a:t>respons</a:t>
-            </a:r>
-            <a:r>
-              <a:rPr b="0" lang="en-IE" sz="2000" spc="-1" strike="noStrike">
-                <a:latin typeface="Arial"/>
-              </a:rPr>
-              <a:t>es are. </a:t>
-            </a:r>
-            <a:r>
-              <a:rPr b="0" lang="en-IE" sz="2000" spc="-1" strike="noStrike">
-                <a:latin typeface="Arial"/>
-              </a:rPr>
-              <a:t>This is </a:t>
-            </a:r>
-            <a:r>
-              <a:rPr b="0" lang="en-IE" sz="2000" spc="-1" strike="noStrike">
-                <a:latin typeface="Arial"/>
-              </a:rPr>
-              <a:t>handy </a:t>
-            </a:r>
-            <a:r>
-              <a:rPr b="0" lang="en-IE" sz="2000" spc="-1" strike="noStrike">
-                <a:latin typeface="Arial"/>
-              </a:rPr>
-              <a:t>for </a:t>
-            </a:r>
-            <a:r>
-              <a:rPr b="0" lang="en-IE" sz="2000" spc="-1" strike="noStrike">
-                <a:latin typeface="Arial"/>
-              </a:rPr>
-              <a:t>debuggi</a:t>
-            </a:r>
-            <a:r>
-              <a:rPr b="0" lang="en-IE" sz="2000" spc="-1" strike="noStrike">
-                <a:latin typeface="Arial"/>
-              </a:rPr>
-              <a:t>ng the </a:t>
-            </a:r>
-            <a:r>
-              <a:rPr b="0" lang="en-IE" sz="2000" spc="-1" strike="noStrike">
-                <a:latin typeface="Arial"/>
-              </a:rPr>
-              <a:t>Restful </a:t>
-            </a:r>
-            <a:r>
-              <a:rPr b="0" lang="en-IE" sz="2000" spc="-1" strike="noStrike">
-                <a:latin typeface="Arial"/>
-              </a:rPr>
-              <a:t>API. </a:t>
-            </a:r>
-            <a:r>
-              <a:rPr b="0" lang="en-IE" sz="2000" spc="-1" strike="noStrike">
-                <a:latin typeface="Arial"/>
-              </a:rPr>
-              <a:t>The way </a:t>
-            </a:r>
-            <a:r>
-              <a:rPr b="0" lang="en-IE" sz="2000" spc="-1" strike="noStrike">
-                <a:latin typeface="Arial"/>
-              </a:rPr>
-              <a:t>I would </a:t>
-            </a:r>
-            <a:r>
-              <a:rPr b="0" lang="en-IE" sz="2000" spc="-1" strike="noStrike">
-                <a:latin typeface="Arial"/>
-              </a:rPr>
-              <a:t>actually </a:t>
-            </a:r>
-            <a:r>
-              <a:rPr b="0" lang="en-IE" sz="2000" spc="-1" strike="noStrike">
-                <a:latin typeface="Arial"/>
-              </a:rPr>
-              <a:t>probabl</a:t>
-            </a:r>
-            <a:r>
-              <a:rPr b="0" lang="en-IE" sz="2000" spc="-1" strike="noStrike">
-                <a:latin typeface="Arial"/>
-              </a:rPr>
-              <a:t>y </a:t>
-            </a:r>
-            <a:r>
-              <a:rPr b="0" lang="en-IE" sz="2000" spc="-1" strike="noStrike">
-                <a:latin typeface="Arial"/>
-              </a:rPr>
-              <a:t>normally </a:t>
-            </a:r>
-            <a:r>
-              <a:rPr b="0" lang="en-IE" sz="2000" spc="-1" strike="noStrike">
-                <a:latin typeface="Arial"/>
-              </a:rPr>
-              <a:t>do it is </a:t>
-            </a:r>
-            <a:r>
-              <a:rPr b="0" lang="en-IE" sz="2000" spc="-1" strike="noStrike">
-                <a:latin typeface="Arial"/>
-              </a:rPr>
-              <a:t>with </a:t>
-            </a:r>
-            <a:r>
-              <a:rPr b="0" lang="en-IE" sz="2000" spc="-1" strike="noStrike">
-                <a:latin typeface="Arial"/>
-              </a:rPr>
-              <a:t>Postma</a:t>
-            </a:r>
-            <a:r>
-              <a:rPr b="0" lang="en-IE" sz="2000" spc="-1" strike="noStrike">
-                <a:latin typeface="Arial"/>
-              </a:rPr>
-              <a:t>n, and </a:t>
-            </a:r>
-            <a:r>
-              <a:rPr b="0" lang="en-IE" sz="2000" spc="-1" strike="noStrike">
-                <a:latin typeface="Arial"/>
-              </a:rPr>
-              <a:t>I'll show </a:t>
-            </a:r>
-            <a:r>
-              <a:rPr b="0" lang="en-IE" sz="2000" spc="-1" strike="noStrike">
-                <a:latin typeface="Arial"/>
-              </a:rPr>
-              <a:t>you in </a:t>
-            </a:r>
-            <a:r>
-              <a:rPr b="0" lang="en-IE" sz="2000" spc="-1" strike="noStrike">
-                <a:latin typeface="Arial"/>
-              </a:rPr>
-              <a:t>the </a:t>
-            </a:r>
-            <a:r>
-              <a:rPr b="0" lang="en-IE" sz="2000" spc="-1" strike="noStrike">
-                <a:latin typeface="Arial"/>
-              </a:rPr>
-              <a:t>practical </a:t>
-            </a:r>
-            <a:r>
-              <a:rPr b="0" lang="en-IE" sz="2000" spc="-1" strike="noStrike">
-                <a:latin typeface="Arial"/>
-              </a:rPr>
-              <a:t>bit how </a:t>
-            </a:r>
-            <a:r>
-              <a:rPr b="0" lang="en-IE" sz="2000" spc="-1" strike="noStrike">
-                <a:latin typeface="Arial"/>
-              </a:rPr>
-              <a:t>you do </a:t>
-            </a:r>
-            <a:r>
-              <a:rPr b="0" lang="en-IE" sz="2000" spc="-1" strike="noStrike">
-                <a:latin typeface="Arial"/>
-              </a:rPr>
-              <a:t>Postma</a:t>
-            </a:r>
-            <a:r>
-              <a:rPr b="0" lang="en-IE" sz="2000" spc="-1" strike="noStrike">
-                <a:latin typeface="Arial"/>
-              </a:rPr>
-              <a:t>n.</a:t>
+              <a:t>Curl is a built-in application on your basic Windows 10 and Windows Live machines, and it's built into Mac. You can download it if you want. It's basically command line URLs. It allows you to send Gets and Posts up to URLs and see what the responses are. This is handy for debugging the Restful API. The way I would actually probably normally do it is with Postman, and I'll show you in the practical bit how you do Postman.</a:t>
             </a:r>
             <a:endParaRPr b="0" lang="en-IE" sz="2000" spc="-1" strike="noStrike">
               <a:latin typeface="Arial"/>
@@ -833,6 +410,9 @@
                 <a:spcPct val="100000"/>
               </a:lnSpc>
               <a:buNone/>
+              <a:tabLst>
+                <a:tab algn="l" pos="0"/>
+              </a:tabLst>
             </a:pPr>
             <a:endParaRPr b="0" lang="en-IE" sz="2000" spc="-1" strike="noStrike">
               <a:latin typeface="Arial"/>
@@ -844,216 +424,15 @@
                 <a:spcPct val="100000"/>
               </a:lnSpc>
               <a:buNone/>
+              <a:tabLst>
+                <a:tab algn="l" pos="0"/>
+              </a:tabLst>
             </a:pPr>
             <a:r>
               <a:rPr b="0" lang="en-IE" sz="2000" spc="-1" strike="noStrike">
                 <a:latin typeface="Arial"/>
               </a:rPr>
-              <a:t>It means </a:t>
-            </a:r>
-            <a:r>
-              <a:rPr b="0" lang="en-IE" sz="2000" spc="-1" strike="noStrike">
-                <a:latin typeface="Arial"/>
-              </a:rPr>
-              <a:t>you can </a:t>
-            </a:r>
-            <a:r>
-              <a:rPr b="0" lang="en-IE" sz="2000" spc="-1" strike="noStrike">
-                <a:latin typeface="Arial"/>
-              </a:rPr>
-              <a:t>save </a:t>
-            </a:r>
-            <a:r>
-              <a:rPr b="0" lang="en-IE" sz="2000" spc="-1" strike="noStrike">
-                <a:latin typeface="Arial"/>
-              </a:rPr>
-              <a:t>some of </a:t>
-            </a:r>
-            <a:r>
-              <a:rPr b="0" lang="en-IE" sz="2000" spc="-1" strike="noStrike">
-                <a:latin typeface="Arial"/>
-              </a:rPr>
-              <a:t>the </a:t>
-            </a:r>
-            <a:r>
-              <a:rPr b="0" lang="en-IE" sz="2000" spc="-1" strike="noStrike">
-                <a:latin typeface="Arial"/>
-              </a:rPr>
-              <a:t>request</a:t>
-            </a:r>
-            <a:r>
-              <a:rPr b="0" lang="en-IE" sz="2000" spc="-1" strike="noStrike">
-                <a:latin typeface="Arial"/>
-              </a:rPr>
-              <a:t>s and </a:t>
-            </a:r>
-            <a:r>
-              <a:rPr b="0" lang="en-IE" sz="2000" spc="-1" strike="noStrike">
-                <a:latin typeface="Arial"/>
-              </a:rPr>
-              <a:t>you can </a:t>
-            </a:r>
-            <a:r>
-              <a:rPr b="0" lang="en-IE" sz="2000" spc="-1" strike="noStrike">
-                <a:latin typeface="Arial"/>
-              </a:rPr>
-              <a:t>then </a:t>
-            </a:r>
-            <a:r>
-              <a:rPr b="0" lang="en-IE" sz="2000" spc="-1" strike="noStrike">
-                <a:latin typeface="Arial"/>
-              </a:rPr>
-              <a:t>test </a:t>
-            </a:r>
-            <a:r>
-              <a:rPr b="0" lang="en-IE" sz="2000" spc="-1" strike="noStrike">
-                <a:latin typeface="Arial"/>
-              </a:rPr>
-              <a:t>your </a:t>
-            </a:r>
-            <a:r>
-              <a:rPr b="0" lang="en-IE" sz="2000" spc="-1" strike="noStrike">
-                <a:latin typeface="Arial"/>
-              </a:rPr>
-              <a:t>APIs to </a:t>
-            </a:r>
-            <a:r>
-              <a:rPr b="0" lang="en-IE" sz="2000" spc="-1" strike="noStrike">
-                <a:latin typeface="Arial"/>
-              </a:rPr>
-              <a:t>check </a:t>
-            </a:r>
-            <a:r>
-              <a:rPr b="0" lang="en-IE" sz="2000" spc="-1" strike="noStrike">
-                <a:latin typeface="Arial"/>
-              </a:rPr>
-              <a:t>that the </a:t>
-            </a:r>
-            <a:r>
-              <a:rPr b="0" lang="en-IE" sz="2000" spc="-1" strike="noStrike">
-                <a:latin typeface="Arial"/>
-              </a:rPr>
-              <a:t>APIs </a:t>
-            </a:r>
-            <a:r>
-              <a:rPr b="0" lang="en-IE" sz="2000" spc="-1" strike="noStrike">
-                <a:latin typeface="Arial"/>
-              </a:rPr>
-              <a:t>are </a:t>
-            </a:r>
-            <a:r>
-              <a:rPr b="0" lang="en-IE" sz="2000" spc="-1" strike="noStrike">
-                <a:latin typeface="Arial"/>
-              </a:rPr>
-              <a:t>doing </a:t>
-            </a:r>
-            <a:r>
-              <a:rPr b="0" lang="en-IE" sz="2000" spc="-1" strike="noStrike">
-                <a:latin typeface="Arial"/>
-              </a:rPr>
-              <a:t>what </a:t>
-            </a:r>
-            <a:r>
-              <a:rPr b="0" lang="en-IE" sz="2000" spc="-1" strike="noStrike">
-                <a:latin typeface="Arial"/>
-              </a:rPr>
-              <a:t>you </a:t>
-            </a:r>
-            <a:r>
-              <a:rPr b="0" lang="en-IE" sz="2000" spc="-1" strike="noStrike">
-                <a:latin typeface="Arial"/>
-              </a:rPr>
-              <a:t>expect </a:t>
-            </a:r>
-            <a:r>
-              <a:rPr b="0" lang="en-IE" sz="2000" spc="-1" strike="noStrike">
-                <a:latin typeface="Arial"/>
-              </a:rPr>
-              <a:t>them to </a:t>
-            </a:r>
-            <a:r>
-              <a:rPr b="0" lang="en-IE" sz="2000" spc="-1" strike="noStrike">
-                <a:latin typeface="Arial"/>
-              </a:rPr>
-              <a:t>do. </a:t>
-            </a:r>
-            <a:r>
-              <a:rPr b="0" lang="en-IE" sz="2000" spc="-1" strike="noStrike">
-                <a:latin typeface="Arial"/>
-              </a:rPr>
-              <a:t>Alternati</a:t>
-            </a:r>
-            <a:r>
-              <a:rPr b="0" lang="en-IE" sz="2000" spc="-1" strike="noStrike">
-                <a:latin typeface="Arial"/>
-              </a:rPr>
-              <a:t>vely, </a:t>
-            </a:r>
-            <a:r>
-              <a:rPr b="0" lang="en-IE" sz="2000" spc="-1" strike="noStrike">
-                <a:latin typeface="Arial"/>
-              </a:rPr>
-              <a:t>you can </a:t>
-            </a:r>
-            <a:r>
-              <a:rPr b="0" lang="en-IE" sz="2000" spc="-1" strike="noStrike">
-                <a:latin typeface="Arial"/>
-              </a:rPr>
-              <a:t>just </a:t>
-            </a:r>
-            <a:r>
-              <a:rPr b="0" lang="en-IE" sz="2000" spc="-1" strike="noStrike">
-                <a:latin typeface="Arial"/>
-              </a:rPr>
-              <a:t>program</a:t>
-            </a:r>
-            <a:r>
-              <a:rPr b="0" lang="en-IE" sz="2000" spc="-1" strike="noStrike">
-                <a:latin typeface="Arial"/>
-              </a:rPr>
-              <a:t>me it up </a:t>
-            </a:r>
-            <a:r>
-              <a:rPr b="0" lang="en-IE" sz="2000" spc="-1" strike="noStrike">
-                <a:latin typeface="Arial"/>
-              </a:rPr>
-              <a:t>with </a:t>
-            </a:r>
-            <a:r>
-              <a:rPr b="0" lang="en-IE" sz="2000" spc="-1" strike="noStrike">
-                <a:latin typeface="Arial"/>
-              </a:rPr>
-              <a:t>Python </a:t>
-            </a:r>
-            <a:r>
-              <a:rPr b="0" lang="en-IE" sz="2000" spc="-1" strike="noStrike">
-                <a:latin typeface="Arial"/>
-              </a:rPr>
-              <a:t>And </a:t>
-            </a:r>
-            <a:r>
-              <a:rPr b="0" lang="en-IE" sz="2000" spc="-1" strike="noStrike">
-                <a:latin typeface="Arial"/>
-              </a:rPr>
-              <a:t>debug it </a:t>
-            </a:r>
-            <a:r>
-              <a:rPr b="0" lang="en-IE" sz="2000" spc="-1" strike="noStrike">
-                <a:latin typeface="Arial"/>
-              </a:rPr>
-              <a:t>your API </a:t>
-            </a:r>
-            <a:r>
-              <a:rPr b="0" lang="en-IE" sz="2000" spc="-1" strike="noStrike">
-                <a:latin typeface="Arial"/>
-              </a:rPr>
-              <a:t>through </a:t>
-            </a:r>
-            <a:r>
-              <a:rPr b="0" lang="en-IE" sz="2000" spc="-1" strike="noStrike">
-                <a:latin typeface="Arial"/>
-              </a:rPr>
-              <a:t>Python. </a:t>
+              <a:t>It means you can save some of the requests and you can then test your APIs to check that the APIs are doing what you expect them to do. Alternatively, you can just programme it up with Python And debug it your API through Python. </a:t>
             </a:r>
             <a:endParaRPr b="0" lang="en-IE" sz="2000" spc="-1" strike="noStrike">
               <a:latin typeface="Arial"/>
@@ -1096,7 +475,7 @@
         <p:spPr>
           <a:xfrm>
             <a:off x="216000" y="812520"/>
-            <a:ext cx="7126920" cy="4008600"/>
+            <a:ext cx="7126200" cy="4007880"/>
           </a:xfrm>
           <a:prstGeom prst="rect">
             <a:avLst/>
@@ -1119,7 +498,7 @@
         <p:spPr>
           <a:xfrm>
             <a:off x="756000" y="5078520"/>
-            <a:ext cx="6047280" cy="4810680"/>
+            <a:ext cx="6046560" cy="4809960"/>
           </a:xfrm>
           <a:prstGeom prst="rect">
             <a:avLst/>
@@ -1139,6 +518,9 @@
                 <a:spcPct val="100000"/>
               </a:lnSpc>
               <a:buNone/>
+              <a:tabLst>
+                <a:tab algn="l" pos="0"/>
+              </a:tabLst>
             </a:pPr>
             <a:r>
               <a:rPr b="0" lang="en-IE" sz="2000" spc="-1" strike="noStrike">
@@ -1200,7 +582,7 @@
         <p:spPr>
           <a:xfrm>
             <a:off x="216000" y="812520"/>
-            <a:ext cx="7126920" cy="4008600"/>
+            <a:ext cx="7126200" cy="4007880"/>
           </a:xfrm>
           <a:prstGeom prst="rect">
             <a:avLst/>
@@ -1223,7 +605,7 @@
         <p:spPr>
           <a:xfrm>
             <a:off x="225000" y="5078520"/>
-            <a:ext cx="7244640" cy="5541120"/>
+            <a:ext cx="7243920" cy="5540400"/>
           </a:xfrm>
           <a:prstGeom prst="rect">
             <a:avLst/>
@@ -1243,6 +625,9 @@
                 <a:spcPct val="100000"/>
               </a:lnSpc>
               <a:buNone/>
+              <a:tabLst>
+                <a:tab algn="l" pos="0"/>
+              </a:tabLst>
             </a:pPr>
             <a:r>
               <a:rPr b="0" lang="en-IE" sz="1300" spc="-1" strike="noStrike">
@@ -1306,6 +691,9 @@
                 <a:spcPct val="100000"/>
               </a:lnSpc>
               <a:buNone/>
+              <a:tabLst>
+                <a:tab algn="l" pos="0"/>
+              </a:tabLst>
             </a:pPr>
             <a:r>
               <a:rPr b="0" lang="en-IE" sz="1300" spc="-1" strike="noStrike">
@@ -1340,6 +728,9 @@
                 <a:spcPct val="100000"/>
               </a:lnSpc>
               <a:buNone/>
+              <a:tabLst>
+                <a:tab algn="l" pos="0"/>
+              </a:tabLst>
             </a:pPr>
             <a:r>
               <a:rPr b="0" lang="en-IE" sz="1300" spc="-1" strike="noStrike">
@@ -1392,6 +783,508 @@
         <p:spPr>
           <a:xfrm>
             <a:off x="216000" y="812520"/>
+            <a:ext cx="7126200" cy="4007880"/>
+          </a:xfrm>
+          <a:prstGeom prst="rect">
+            <a:avLst/>
+          </a:prstGeom>
+          <a:ln w="0">
+            <a:noFill/>
+          </a:ln>
+        </p:spPr>
+      </p:sp>
+      <p:sp>
+        <p:nvSpPr>
+          <p:cNvPr id="119" name="PlaceHolder 2"/>
+          <p:cNvSpPr>
+            <a:spLocks noGrp="1"/>
+          </p:cNvSpPr>
+          <p:nvPr>
+            <p:ph type="body"/>
+          </p:nvPr>
+        </p:nvSpPr>
+        <p:spPr>
+          <a:xfrm>
+            <a:off x="756000" y="812520"/>
+            <a:ext cx="6046560" cy="9878400"/>
+          </a:xfrm>
+          <a:prstGeom prst="rect">
+            <a:avLst/>
+          </a:prstGeom>
+          <a:noFill/>
+          <a:ln w="0">
+            <a:noFill/>
+          </a:ln>
+        </p:spPr>
+        <p:txBody>
+          <a:bodyPr lIns="0" rIns="0" tIns="0" bIns="0" anchor="t">
+            <a:noAutofit/>
+          </a:bodyPr>
+          <a:p>
+            <a:pPr marL="216000" indent="-216000">
+              <a:lnSpc>
+                <a:spcPct val="100000"/>
+              </a:lnSpc>
+              <a:buNone/>
+              <a:tabLst>
+                <a:tab algn="l" pos="0"/>
+              </a:tabLst>
+            </a:pPr>
+            <a:r>
+              <a:rPr b="0" lang="en-IE" sz="2000" spc="-1" strike="noStrike">
+                <a:latin typeface="Arial"/>
+              </a:rPr>
+              <a:t>On linux TERMINAL:</a:t>
+            </a:r>
+            <a:endParaRPr b="0" lang="en-IE" sz="2000" spc="-1" strike="noStrike">
+              <a:latin typeface="Arial"/>
+            </a:endParaRPr>
+          </a:p>
+          <a:p>
+            <a:pPr marL="216000" indent="-216000">
+              <a:lnSpc>
+                <a:spcPct val="100000"/>
+              </a:lnSpc>
+              <a:buNone/>
+              <a:tabLst>
+                <a:tab algn="l" pos="0"/>
+              </a:tabLst>
+            </a:pPr>
+            <a:r>
+              <a:rPr b="0" lang="en-IE" sz="2000" spc="-1" strike="noStrike">
+                <a:latin typeface="Arial"/>
+              </a:rPr>
+              <a:t>To post:</a:t>
+            </a:r>
+            <a:endParaRPr b="0" lang="en-IE" sz="2000" spc="-1" strike="noStrike">
+              <a:latin typeface="Arial"/>
+            </a:endParaRPr>
+          </a:p>
+          <a:p>
+            <a:pPr marL="216000" indent="-216000">
+              <a:lnSpc>
+                <a:spcPct val="100000"/>
+              </a:lnSpc>
+              <a:buNone/>
+              <a:tabLst>
+                <a:tab algn="l" pos="0"/>
+              </a:tabLst>
+            </a:pPr>
+            <a:r>
+              <a:rPr b="0" lang="en-IE" sz="2000" spc="-1" strike="noStrike">
+                <a:latin typeface="Arial"/>
+              </a:rPr>
+              <a:t>curl -H "Content-Type:application/json" -X POST -d "{\"Title\":\"xxx\",\"Author\":\"xxx\",\"Price\":3000}" </a:t>
+            </a:r>
+            <a:r>
+              <a:rPr b="0" lang="en-IE" sz="2000" spc="-1" strike="noStrike" u="sng">
+                <a:solidFill>
+                  <a:srgbClr val="000000"/>
+                </a:solidFill>
+                <a:uFillTx/>
+                <a:latin typeface="Arial"/>
+                <a:hlinkClick r:id="rId1"/>
+              </a:rPr>
+              <a:t>http://andrewbeatty1.pythonanywhere.com/books</a:t>
+            </a:r>
+            <a:endParaRPr b="0" lang="en-IE" sz="2000" spc="-1" strike="noStrike">
+              <a:latin typeface="Arial"/>
+            </a:endParaRPr>
+          </a:p>
+          <a:p>
+            <a:pPr marL="216000" indent="-216000">
+              <a:lnSpc>
+                <a:spcPct val="100000"/>
+              </a:lnSpc>
+              <a:buNone/>
+              <a:tabLst>
+                <a:tab algn="l" pos="0"/>
+              </a:tabLst>
+            </a:pPr>
+            <a:endParaRPr b="0" lang="en-IE" sz="2000" spc="-1" strike="noStrike">
+              <a:latin typeface="Arial"/>
+            </a:endParaRPr>
+          </a:p>
+          <a:p>
+            <a:pPr marL="216000" indent="-216000">
+              <a:lnSpc>
+                <a:spcPct val="100000"/>
+              </a:lnSpc>
+              <a:buNone/>
+              <a:tabLst>
+                <a:tab algn="l" pos="0"/>
+              </a:tabLst>
+            </a:pPr>
+            <a:r>
+              <a:rPr b="0" lang="en-IE" sz="2000" spc="-1" strike="noStrike">
+                <a:latin typeface="Arial"/>
+              </a:rPr>
+              <a:t>curl -H "Content-Type:application/json" -X POST -d "{\"Title\":\"delme\",\"Author\":\"and\",\"Price\":5000}" </a:t>
+            </a:r>
+            <a:r>
+              <a:rPr b="0" lang="en-IE" sz="2000" spc="-1" strike="noStrike" u="sng">
+                <a:solidFill>
+                  <a:srgbClr val="000000"/>
+                </a:solidFill>
+                <a:uFillTx/>
+                <a:latin typeface="Arial"/>
+                <a:hlinkClick r:id="rId2"/>
+              </a:rPr>
+              <a:t>http://andrewbeatty1.pythonanywhere.com/books</a:t>
+            </a:r>
+            <a:endParaRPr b="0" lang="en-IE" sz="2000" spc="-1" strike="noStrike">
+              <a:latin typeface="Arial"/>
+            </a:endParaRPr>
+          </a:p>
+          <a:p>
+            <a:pPr marL="216000" indent="-216000">
+              <a:lnSpc>
+                <a:spcPct val="100000"/>
+              </a:lnSpc>
+              <a:buNone/>
+              <a:tabLst>
+                <a:tab algn="l" pos="0"/>
+              </a:tabLst>
+            </a:pPr>
+            <a:endParaRPr b="0" lang="en-IE" sz="2000" spc="-1" strike="noStrike">
+              <a:latin typeface="Arial"/>
+            </a:endParaRPr>
+          </a:p>
+          <a:p>
+            <a:pPr marL="216000" indent="-216000">
+              <a:lnSpc>
+                <a:spcPct val="100000"/>
+              </a:lnSpc>
+              <a:buNone/>
+              <a:tabLst>
+                <a:tab algn="l" pos="0"/>
+              </a:tabLst>
+            </a:pPr>
+            <a:r>
+              <a:rPr b="0" lang="en-IE" sz="2000" spc="-1" strike="noStrike">
+                <a:latin typeface="Arial"/>
+              </a:rPr>
+              <a:t>To update:</a:t>
+            </a:r>
+            <a:endParaRPr b="0" lang="en-IE" sz="2000" spc="-1" strike="noStrike">
+              <a:latin typeface="Arial"/>
+            </a:endParaRPr>
+          </a:p>
+          <a:p>
+            <a:pPr marL="216000" indent="-216000">
+              <a:lnSpc>
+                <a:spcPct val="100000"/>
+              </a:lnSpc>
+              <a:buNone/>
+              <a:tabLst>
+                <a:tab algn="l" pos="0"/>
+              </a:tabLst>
+            </a:pPr>
+            <a:r>
+              <a:rPr b="0" lang="en-IE" sz="2000" spc="-1" strike="noStrike">
+                <a:latin typeface="Arial"/>
+              </a:rPr>
+              <a:t>curl -H "Content-Type:application/json" -X PUT -d "{\"Price\":300000}" </a:t>
+            </a:r>
+            <a:r>
+              <a:rPr b="0" lang="en-IE" sz="2000" spc="-1" strike="noStrike" u="sng">
+                <a:solidFill>
+                  <a:srgbClr val="000000"/>
+                </a:solidFill>
+                <a:uFillTx/>
+                <a:latin typeface="Arial"/>
+                <a:hlinkClick r:id="rId3"/>
+              </a:rPr>
+              <a:t>http://andrewbeatty1.pythonanywhere.com/books/484</a:t>
+            </a:r>
+            <a:endParaRPr b="0" lang="en-IE" sz="2000" spc="-1" strike="noStrike">
+              <a:latin typeface="Arial"/>
+            </a:endParaRPr>
+          </a:p>
+          <a:p>
+            <a:pPr marL="216000" indent="-216000">
+              <a:lnSpc>
+                <a:spcPct val="100000"/>
+              </a:lnSpc>
+              <a:buNone/>
+              <a:tabLst>
+                <a:tab algn="l" pos="0"/>
+              </a:tabLst>
+            </a:pPr>
+            <a:endParaRPr b="0" lang="en-IE" sz="2000" spc="-1" strike="noStrike">
+              <a:latin typeface="Arial"/>
+            </a:endParaRPr>
+          </a:p>
+          <a:p>
+            <a:pPr marL="216000" indent="-216000">
+              <a:lnSpc>
+                <a:spcPct val="100000"/>
+              </a:lnSpc>
+              <a:buNone/>
+              <a:tabLst>
+                <a:tab algn="l" pos="0"/>
+              </a:tabLst>
+            </a:pPr>
+            <a:r>
+              <a:rPr b="0" lang="en-IE" sz="2000" spc="-1" strike="noStrike">
+                <a:latin typeface="Arial"/>
+              </a:rPr>
+              <a:t>To delete:</a:t>
+            </a:r>
+            <a:endParaRPr b="0" lang="en-IE" sz="2000" spc="-1" strike="noStrike">
+              <a:latin typeface="Arial"/>
+            </a:endParaRPr>
+          </a:p>
+          <a:p>
+            <a:pPr marL="216000" indent="-216000">
+              <a:lnSpc>
+                <a:spcPct val="100000"/>
+              </a:lnSpc>
+              <a:buNone/>
+              <a:tabLst>
+                <a:tab algn="l" pos="0"/>
+              </a:tabLst>
+            </a:pPr>
+            <a:r>
+              <a:rPr b="0" lang="en-IE" sz="2000" spc="-1" strike="noStrike">
+                <a:latin typeface="Arial"/>
+              </a:rPr>
+              <a:t>curl -H "Content-Type:application/json" -X DELETE </a:t>
+            </a:r>
+            <a:r>
+              <a:rPr b="0" lang="en-IE" sz="2000" spc="-1" strike="noStrike" u="sng">
+                <a:solidFill>
+                  <a:srgbClr val="000000"/>
+                </a:solidFill>
+                <a:uFillTx/>
+                <a:latin typeface="Arial"/>
+                <a:hlinkClick r:id="rId4"/>
+              </a:rPr>
+              <a:t>http://andrewbeatty1.pythonanywhere.com/books/484</a:t>
+            </a:r>
+            <a:endParaRPr b="0" lang="en-IE" sz="2000" spc="-1" strike="noStrike">
+              <a:latin typeface="Arial"/>
+            </a:endParaRPr>
+          </a:p>
+          <a:p>
+            <a:pPr marL="216000" indent="-216000">
+              <a:lnSpc>
+                <a:spcPct val="100000"/>
+              </a:lnSpc>
+              <a:buNone/>
+              <a:tabLst>
+                <a:tab algn="l" pos="0"/>
+              </a:tabLst>
+            </a:pPr>
+            <a:endParaRPr b="0" lang="en-IE" sz="2000" spc="-1" strike="noStrike">
+              <a:latin typeface="Arial"/>
+            </a:endParaRPr>
+          </a:p>
+          <a:p>
+            <a:pPr marL="216000" indent="-216000">
+              <a:lnSpc>
+                <a:spcPct val="100000"/>
+              </a:lnSpc>
+              <a:buNone/>
+              <a:tabLst>
+                <a:tab algn="l" pos="0"/>
+              </a:tabLst>
+            </a:pPr>
+            <a:r>
+              <a:rPr b="0" lang="en-IE" sz="2000" spc="-1" strike="noStrike">
+                <a:solidFill>
+                  <a:srgbClr val="000000"/>
+                </a:solidFill>
+                <a:latin typeface="Arial"/>
+              </a:rPr>
+              <a:t>POSTMAN: </a:t>
+            </a:r>
+            <a:endParaRPr b="0" lang="en-IE" sz="2000" spc="-1" strike="noStrike">
+              <a:latin typeface="Arial"/>
+            </a:endParaRPr>
+          </a:p>
+          <a:p>
+            <a:pPr marL="216000" indent="-216000">
+              <a:lnSpc>
+                <a:spcPct val="100000"/>
+              </a:lnSpc>
+              <a:buNone/>
+              <a:tabLst>
+                <a:tab algn="l" pos="0"/>
+              </a:tabLst>
+            </a:pPr>
+            <a:r>
+              <a:rPr b="0" lang="en-IE" sz="2000" spc="-1" strike="noStrike">
+                <a:solidFill>
+                  <a:srgbClr val="000000"/>
+                </a:solidFill>
+                <a:latin typeface="Arial"/>
+              </a:rPr>
+              <a:t>+</a:t>
+            </a:r>
+            <a:endParaRPr b="0" lang="en-IE" sz="2000" spc="-1" strike="noStrike">
+              <a:latin typeface="Arial"/>
+            </a:endParaRPr>
+          </a:p>
+          <a:p>
+            <a:pPr marL="216000" indent="-216000">
+              <a:lnSpc>
+                <a:spcPct val="100000"/>
+              </a:lnSpc>
+              <a:buNone/>
+              <a:tabLst>
+                <a:tab algn="l" pos="0"/>
+              </a:tabLst>
+            </a:pPr>
+            <a:r>
+              <a:rPr b="0" lang="en-IE" sz="2000" spc="-1" strike="noStrike">
+                <a:solidFill>
+                  <a:srgbClr val="000000"/>
+                </a:solidFill>
+                <a:latin typeface="Arial"/>
+              </a:rPr>
+              <a:t>Post &gt; body &gt; raw &gt; JSON</a:t>
+            </a:r>
+            <a:endParaRPr b="0" lang="en-IE" sz="2000" spc="-1" strike="noStrike">
+              <a:latin typeface="Arial"/>
+            </a:endParaRPr>
+          </a:p>
+          <a:p>
+            <a:pPr marL="216000" indent="-216000">
+              <a:lnSpc>
+                <a:spcPct val="100000"/>
+              </a:lnSpc>
+              <a:buNone/>
+              <a:tabLst>
+                <a:tab algn="l" pos="0"/>
+              </a:tabLst>
+            </a:pPr>
+            <a:r>
+              <a:rPr b="0" lang="en-IE" sz="2000" spc="-1" strike="noStrike" u="sng">
+                <a:solidFill>
+                  <a:srgbClr val="000000"/>
+                </a:solidFill>
+                <a:uFillTx/>
+                <a:latin typeface="Arial"/>
+                <a:hlinkClick r:id="rId5"/>
+              </a:rPr>
+              <a:t>http://andrewbeatty1.pythonanywhere.com/books</a:t>
+            </a:r>
+            <a:endParaRPr b="0" lang="en-IE" sz="2000" spc="-1" strike="noStrike">
+              <a:latin typeface="Arial"/>
+            </a:endParaRPr>
+          </a:p>
+          <a:p>
+            <a:pPr marL="216000" indent="-216000">
+              <a:lnSpc>
+                <a:spcPct val="100000"/>
+              </a:lnSpc>
+              <a:buNone/>
+              <a:tabLst>
+                <a:tab algn="l" pos="0"/>
+              </a:tabLst>
+            </a:pPr>
+            <a:r>
+              <a:rPr b="0" lang="en-IE" sz="2000" spc="-1" strike="noStrike">
+                <a:solidFill>
+                  <a:srgbClr val="000000"/>
+                </a:solidFill>
+                <a:latin typeface="Arial"/>
+              </a:rPr>
+              <a:t>{"Title":"delme","Author":"xxx","Price":1230}</a:t>
+            </a:r>
+            <a:endParaRPr b="0" lang="en-IE" sz="2000" spc="-1" strike="noStrike">
+              <a:latin typeface="Arial"/>
+            </a:endParaRPr>
+          </a:p>
+          <a:p>
+            <a:pPr marL="216000" indent="-216000">
+              <a:lnSpc>
+                <a:spcPct val="100000"/>
+              </a:lnSpc>
+              <a:buNone/>
+              <a:tabLst>
+                <a:tab algn="l" pos="0"/>
+              </a:tabLst>
+            </a:pPr>
+            <a:endParaRPr b="0" lang="en-IE" sz="2000" spc="-1" strike="noStrike">
+              <a:latin typeface="Arial"/>
+            </a:endParaRPr>
+          </a:p>
+          <a:p>
+            <a:pPr marL="216000" indent="-216000">
+              <a:lnSpc>
+                <a:spcPct val="100000"/>
+              </a:lnSpc>
+              <a:buNone/>
+              <a:tabLst>
+                <a:tab algn="l" pos="0"/>
+              </a:tabLst>
+            </a:pPr>
+            <a:r>
+              <a:rPr b="0" lang="en-IE" sz="2000" spc="-1" strike="noStrike">
+                <a:solidFill>
+                  <a:srgbClr val="000000"/>
+                </a:solidFill>
+                <a:latin typeface="Arial"/>
+              </a:rPr>
+              <a:t>Save as – always!</a:t>
+            </a:r>
+            <a:endParaRPr b="0" lang="en-IE" sz="2000" spc="-1" strike="noStrike">
+              <a:latin typeface="Arial"/>
+            </a:endParaRPr>
+          </a:p>
+          <a:p>
+            <a:pPr marL="216000" indent="-216000">
+              <a:lnSpc>
+                <a:spcPct val="100000"/>
+              </a:lnSpc>
+              <a:buNone/>
+              <a:tabLst>
+                <a:tab algn="l" pos="0"/>
+              </a:tabLst>
+            </a:pPr>
+            <a:endParaRPr b="0" lang="en-IE" sz="2000" spc="-1" strike="noStrike">
+              <a:latin typeface="Arial"/>
+            </a:endParaRPr>
+          </a:p>
+        </p:txBody>
+      </p:sp>
+    </p:spTree>
+  </p:cSld>
+</p:notes>
+</file>
+
+<file path=ppt/notesSlides/notesSlide7.xml><?xml version="1.0" encoding="utf-8"?>
+<p:notes xmlns:a="http://schemas.openxmlformats.org/drawingml/2006/main" xmlns:p="http://schemas.openxmlformats.org/presentationml/2006/main" xmlns:r="http://schemas.openxmlformats.org/officeDocument/2006/relationships" xmlns:p14="http://schemas.microsoft.com/office/powerpoint/2010/main" xmlns:p15="http://schemas.microsoft.com/office/powerpoint/2012/main" xmlns:mc="http://schemas.openxmlformats.org/markup-compatibility/2006">
+  <p:cSld>
+    <p:spTree>
+      <p:nvGrpSpPr>
+        <p:cNvPr id="1" name=""/>
+        <p:cNvGrpSpPr/>
+        <p:nvPr/>
+      </p:nvGrpSpPr>
+      <p:grpSpPr>
+        <a:xfrm>
+          <a:off x="0" y="0"/>
+          <a:ext cx="0" cy="0"/>
+          <a:chOff x="0" y="0"/>
+          <a:chExt cx="0" cy="0"/>
+        </a:xfrm>
+      </p:grpSpPr>
+      <p:sp>
+        <p:nvSpPr>
+          <p:cNvPr id="120" name="PlaceHolder 1"/>
+          <p:cNvSpPr>
+            <a:spLocks noGrp="1"/>
+          </p:cNvSpPr>
+          <p:nvPr>
+            <p:ph type="sldImg"/>
+          </p:nvPr>
+        </p:nvSpPr>
+        <p:spPr>
+          <a:xfrm>
+            <a:off x="216000" y="812520"/>
             <a:ext cx="7126920" cy="4008600"/>
           </a:xfrm>
           <a:prstGeom prst="rect">
@@ -1404,7 +1297,7 @@
       </p:sp>
       <p:sp>
         <p:nvSpPr>
-          <p:cNvPr id="119" name="PlaceHolder 2"/>
+          <p:cNvPr id="121" name="PlaceHolder 2"/>
           <p:cNvSpPr>
             <a:spLocks noGrp="1"/>
           </p:cNvSpPr>
@@ -1414,8 +1307,8 @@
         </p:nvSpPr>
         <p:spPr>
           <a:xfrm>
-            <a:off x="756000" y="812520"/>
-            <a:ext cx="6047280" cy="9879120"/>
+            <a:off x="90000" y="5078520"/>
+            <a:ext cx="7379640" cy="5612760"/>
           </a:xfrm>
           <a:prstGeom prst="rect">
             <a:avLst/>
@@ -1437,24 +1330,12 @@
               <a:buNone/>
             </a:pPr>
             <a:r>
-              <a:rPr b="0" lang="en-IE" sz="2000" spc="-1" strike="noStrike">
+              <a:rPr b="0" lang="en-IE" sz="1300" spc="-1" strike="noStrike">
                 <a:latin typeface="Arial"/>
               </a:rPr>
-              <a:t>On linux </a:t>
-            </a:r>
-            <a:r>
-              <a:rPr b="0" lang="en-IE" sz="2000" spc="-1" strike="noStrike">
-                <a:latin typeface="Arial"/>
-              </a:rPr>
-              <a:t>TERMIN</a:t>
-            </a:r>
-            <a:r>
-              <a:rPr b="0" lang="en-IE" sz="2000" spc="-1" strike="noStrike">
-                <a:latin typeface="Arial"/>
-              </a:rPr>
-              <a:t>AL:</a:t>
-            </a:r>
-            <a:endParaRPr b="0" lang="en-IE" sz="2000" spc="-1" strike="noStrike">
+              <a:t>Quiz:</a:t>
+            </a:r>
+            <a:endParaRPr b="0" lang="en-IE" sz="1300" spc="-1" strike="noStrike">
               <a:latin typeface="Arial"/>
             </a:endParaRPr>
           </a:p>
@@ -1466,114 +1347,13 @@
               <a:buNone/>
             </a:pPr>
             <a:r>
-              <a:rPr b="0" lang="en-IE" sz="2000" spc="-1" strike="noStrike">
+              <a:rPr b="0" lang="en-IE" sz="1300" spc="-1" strike="noStrike">
                 <a:latin typeface="Arial"/>
               </a:rPr>
-              <a:t>To post:</a:t>
-            </a:r>
-            <a:endParaRPr b="0" lang="en-IE" sz="2000" spc="-1" strike="noStrike">
-              <a:latin typeface="Arial"/>
-            </a:endParaRPr>
-          </a:p>
-          <a:p>
-            <a:pPr marL="216000" indent="-216000">
-              <a:lnSpc>
-                <a:spcPct val="100000"/>
-              </a:lnSpc>
-              <a:buNone/>
-            </a:pPr>
-            <a:r>
-              <a:rPr b="0" lang="en-IE" sz="2000" spc="-1" strike="noStrike">
-                <a:latin typeface="Arial"/>
-              </a:rPr>
-              <a:t>curl -H </a:t>
-            </a:r>
-            <a:r>
-              <a:rPr b="0" lang="en-IE" sz="2000" spc="-1" strike="noStrike">
-                <a:latin typeface="Arial"/>
-              </a:rPr>
-              <a:t>"Conten</a:t>
-            </a:r>
-            <a:r>
-              <a:rPr b="0" lang="en-IE" sz="2000" spc="-1" strike="noStrike">
-                <a:latin typeface="Arial"/>
-              </a:rPr>
-              <a:t>t-</a:t>
-            </a:r>
-            <a:r>
-              <a:rPr b="0" lang="en-IE" sz="2000" spc="-1" strike="noStrike">
-                <a:latin typeface="Arial"/>
-              </a:rPr>
-              <a:t>Type:ap</a:t>
-            </a:r>
-            <a:r>
-              <a:rPr b="0" lang="en-IE" sz="2000" spc="-1" strike="noStrike">
-                <a:latin typeface="Arial"/>
-              </a:rPr>
-              <a:t>plication</a:t>
-            </a:r>
-            <a:r>
-              <a:rPr b="0" lang="en-IE" sz="2000" spc="-1" strike="noStrike">
-                <a:latin typeface="Arial"/>
-              </a:rPr>
-              <a:t>/json" -X </a:t>
-            </a:r>
-            <a:r>
-              <a:rPr b="0" lang="en-IE" sz="2000" spc="-1" strike="noStrike">
-                <a:latin typeface="Arial"/>
-              </a:rPr>
-              <a:t>POST -</a:t>
-            </a:r>
-            <a:r>
-              <a:rPr b="0" lang="en-IE" sz="2000" spc="-1" strike="noStrike">
-                <a:latin typeface="Arial"/>
-              </a:rPr>
-              <a:t>d </a:t>
-            </a:r>
-            <a:r>
-              <a:rPr b="0" lang="en-IE" sz="2000" spc="-1" strike="noStrike">
-                <a:latin typeface="Arial"/>
-              </a:rPr>
-              <a:t>"{\"Title\</a:t>
-            </a:r>
-            <a:r>
-              <a:rPr b="0" lang="en-IE" sz="2000" spc="-1" strike="noStrike">
-                <a:latin typeface="Arial"/>
-              </a:rPr>
-              <a:t>":\"xxx\"</a:t>
-            </a:r>
-            <a:r>
-              <a:rPr b="0" lang="en-IE" sz="2000" spc="-1" strike="noStrike">
-                <a:latin typeface="Arial"/>
-              </a:rPr>
-              <a:t>,\"Autho</a:t>
-            </a:r>
-            <a:r>
-              <a:rPr b="0" lang="en-IE" sz="2000" spc="-1" strike="noStrike">
-                <a:latin typeface="Arial"/>
-              </a:rPr>
-              <a:t>r\":\"xxx\</a:t>
-            </a:r>
-            <a:r>
-              <a:rPr b="0" lang="en-IE" sz="2000" spc="-1" strike="noStrike">
-                <a:latin typeface="Arial"/>
-              </a:rPr>
-              <a:t>",\"Price</a:t>
-            </a:r>
-            <a:r>
-              <a:rPr b="0" lang="en-IE" sz="2000" spc="-1" strike="noStrike">
-                <a:latin typeface="Arial"/>
-              </a:rPr>
-              <a:t>\":3000}</a:t>
-            </a:r>
-            <a:r>
-              <a:rPr b="0" lang="en-IE" sz="2000" spc="-1" strike="noStrike">
-                <a:latin typeface="Arial"/>
-              </a:rPr>
-              <a:t>" </a:t>
-            </a:r>
-            <a:r>
-              <a:rPr b="0" lang="en-IE" sz="2000" spc="-1" strike="noStrike" u="sng">
+              <a:t>What is the status code that is returned from a GET request sent to </a:t>
+            </a:r>
+            <a:r>
+              <a:rPr b="0" lang="en-IE" sz="1300" spc="-1" strike="noStrike" u="sng">
                 <a:solidFill>
                   <a:srgbClr val="000000"/>
                 </a:solidFill>
@@ -1581,122 +1361,16 @@
                 <a:latin typeface="Arial"/>
                 <a:hlinkClick r:id="rId1"/>
               </a:rPr>
-              <a:t>http://andrewbeatty1.pythonanywhere.com/books</a:t>
-            </a:r>
-            <a:endParaRPr b="0" lang="en-IE" sz="2000" spc="-1" strike="noStrike">
-              <a:latin typeface="Arial"/>
-            </a:endParaRPr>
-          </a:p>
-          <a:p>
-            <a:pPr marL="216000" indent="-216000">
-              <a:lnSpc>
-                <a:spcPct val="100000"/>
-              </a:lnSpc>
-              <a:buNone/>
-            </a:pPr>
-            <a:endParaRPr b="0" lang="en-IE" sz="2000" spc="-1" strike="noStrike">
-              <a:latin typeface="Arial"/>
-            </a:endParaRPr>
-          </a:p>
-          <a:p>
-            <a:pPr marL="216000" indent="-216000">
-              <a:lnSpc>
-                <a:spcPct val="100000"/>
-              </a:lnSpc>
-              <a:buNone/>
-            </a:pPr>
-            <a:r>
-              <a:rPr b="0" lang="en-IE" sz="2000" spc="-1" strike="noStrike">
+              <a:t>www.githup.com</a:t>
+            </a:r>
+            <a:r>
+              <a:rPr b="0" lang="en-IE" sz="1300" spc="-1" strike="noStrike">
                 <a:latin typeface="Arial"/>
               </a:rPr>
-              <a:t>curl -H </a:t>
-            </a:r>
-            <a:r>
-              <a:rPr b="0" lang="en-IE" sz="2000" spc="-1" strike="noStrike">
-                <a:latin typeface="Arial"/>
-              </a:rPr>
-              <a:t>"Conten</a:t>
-            </a:r>
-            <a:r>
-              <a:rPr b="0" lang="en-IE" sz="2000" spc="-1" strike="noStrike">
-                <a:latin typeface="Arial"/>
-              </a:rPr>
-              <a:t>t-</a:t>
-            </a:r>
-            <a:r>
-              <a:rPr b="0" lang="en-IE" sz="2000" spc="-1" strike="noStrike">
-                <a:latin typeface="Arial"/>
-              </a:rPr>
-              <a:t>Type:ap</a:t>
-            </a:r>
-            <a:r>
-              <a:rPr b="0" lang="en-IE" sz="2000" spc="-1" strike="noStrike">
-                <a:latin typeface="Arial"/>
-              </a:rPr>
-              <a:t>plication</a:t>
-            </a:r>
-            <a:r>
-              <a:rPr b="0" lang="en-IE" sz="2000" spc="-1" strike="noStrike">
-                <a:latin typeface="Arial"/>
-              </a:rPr>
-              <a:t>/json" -X </a:t>
-            </a:r>
-            <a:r>
-              <a:rPr b="0" lang="en-IE" sz="2000" spc="-1" strike="noStrike">
-                <a:latin typeface="Arial"/>
-              </a:rPr>
-              <a:t>POST -</a:t>
-            </a:r>
-            <a:r>
-              <a:rPr b="0" lang="en-IE" sz="2000" spc="-1" strike="noStrike">
-                <a:latin typeface="Arial"/>
-              </a:rPr>
-              <a:t>d </a:t>
-            </a:r>
-            <a:r>
-              <a:rPr b="0" lang="en-IE" sz="2000" spc="-1" strike="noStrike">
-                <a:latin typeface="Arial"/>
-              </a:rPr>
-              <a:t>"{\"Title\</a:t>
-            </a:r>
-            <a:r>
-              <a:rPr b="0" lang="en-IE" sz="2000" spc="-1" strike="noStrike">
-                <a:latin typeface="Arial"/>
-              </a:rPr>
-              <a:t>":\"delm</a:t>
-            </a:r>
-            <a:r>
-              <a:rPr b="0" lang="en-IE" sz="2000" spc="-1" strike="noStrike">
-                <a:latin typeface="Arial"/>
-              </a:rPr>
-              <a:t>e\",\"Aut</a:t>
-            </a:r>
-            <a:r>
-              <a:rPr b="0" lang="en-IE" sz="2000" spc="-1" strike="noStrike">
-                <a:latin typeface="Arial"/>
-              </a:rPr>
-              <a:t>hor\":\"a</a:t>
-            </a:r>
-            <a:r>
-              <a:rPr b="0" lang="en-IE" sz="2000" spc="-1" strike="noStrike">
-                <a:latin typeface="Arial"/>
-              </a:rPr>
-              <a:t>nd\",\"Pr</a:t>
-            </a:r>
-            <a:r>
-              <a:rPr b="0" lang="en-IE" sz="2000" spc="-1" strike="noStrike">
-                <a:latin typeface="Arial"/>
-              </a:rPr>
-              <a:t>ice\":50</a:t>
-            </a:r>
-            <a:r>
-              <a:rPr b="0" lang="en-IE" sz="2000" spc="-1" strike="noStrike">
-                <a:latin typeface="Arial"/>
-              </a:rPr>
-              <a:t>00}" </a:t>
-            </a:r>
-            <a:r>
-              <a:rPr b="0" lang="en-IE" sz="2000" spc="-1" strike="noStrike" u="sng">
+              <a:t>, not </a:t>
+            </a:r>
+            <a:r>
+              <a:rPr b="0" lang="en-IE" sz="1300" spc="-1" strike="noStrike" u="sng">
                 <a:solidFill>
                   <a:srgbClr val="000000"/>
                 </a:solidFill>
@@ -1704,9 +1378,15 @@
                 <a:latin typeface="Arial"/>
                 <a:hlinkClick r:id="rId2"/>
               </a:rPr>
-              <a:t>http://andrewbeatty1.pythonanywhere.com/books</a:t>
-            </a:r>
-            <a:endParaRPr b="0" lang="en-IE" sz="2000" spc="-1" strike="noStrike">
+              <a:t>www.github.com</a:t>
+            </a:r>
+            <a:r>
+              <a:rPr b="0" lang="en-IE" sz="1300" spc="-1" strike="noStrike">
+                <a:latin typeface="Arial"/>
+              </a:rPr>
+              <a:t>, (three digit number), githup is a spam site that works on the fact that sometimes people misspell GitHub. I would not open up in your browser, you can see from the content of its response it it makes another request with a unique identifier.</a:t>
+            </a:r>
+            <a:endParaRPr b="0" lang="en-IE" sz="1300" spc="-1" strike="noStrike">
               <a:latin typeface="Arial"/>
             </a:endParaRPr>
           </a:p>
@@ -1717,7 +1397,13 @@
               </a:lnSpc>
               <a:buNone/>
             </a:pPr>
-            <a:endParaRPr b="0" lang="en-IE" sz="2000" spc="-1" strike="noStrike">
+            <a:r>
+              <a:rPr b="0" lang="en-IE" sz="1300" spc="-1" strike="noStrike">
+                <a:latin typeface="Arial"/>
+              </a:rPr>
+              <a:t>Not: 403, 503, 451, 201, 204, 400, 404, 300</a:t>
+            </a:r>
+            <a:endParaRPr b="0" lang="en-IE" sz="1300" spc="-1" strike="noStrike">
               <a:latin typeface="Arial"/>
             </a:endParaRPr>
           </a:p>
@@ -1729,18 +1415,12 @@
               <a:buNone/>
             </a:pPr>
             <a:r>
-              <a:rPr b="0" lang="en-IE" sz="2000" spc="-1" strike="noStrike">
+              <a:rPr b="0" lang="en-IE" sz="1300" spc="-1" strike="noStrike">
                 <a:latin typeface="Arial"/>
               </a:rPr>
-              <a:t>To </a:t>
-            </a:r>
-            <a:r>
-              <a:rPr b="0" lang="en-IE" sz="2000" spc="-1" strike="noStrike">
-                <a:latin typeface="Arial"/>
-              </a:rPr>
-              <a:t>update:</a:t>
-            </a:r>
-            <a:endParaRPr b="0" lang="en-IE" sz="2000" spc="-1" strike="noStrike">
+              <a:t>Correct:</a:t>
+            </a:r>
+            <a:endParaRPr b="0" lang="en-IE" sz="1300" spc="-1" strike="noStrike">
               <a:latin typeface="Arial"/>
             </a:endParaRPr>
           </a:p>
@@ -1751,68 +1431,36 @@
               </a:lnSpc>
               <a:buNone/>
             </a:pPr>
-            <a:r>
-              <a:rPr b="0" lang="en-IE" sz="2000" spc="-1" strike="noStrike">
+            <a:endParaRPr b="0" lang="en-IE" sz="1300" spc="-1" strike="noStrike">
+              <a:latin typeface="Arial"/>
+            </a:endParaRPr>
+          </a:p>
+          <a:p>
+            <a:pPr marL="216000" indent="-216000">
+              <a:lnSpc>
+                <a:spcPct val="100000"/>
+              </a:lnSpc>
+              <a:buNone/>
+            </a:pPr>
+            <a:r>
+              <a:rPr b="0" lang="en-IE" sz="1300" spc="-1" strike="noStrike">
                 <a:latin typeface="Arial"/>
               </a:rPr>
-              <a:t>curl -H </a:t>
-            </a:r>
-            <a:r>
-              <a:rPr b="0" lang="en-IE" sz="2000" spc="-1" strike="noStrike">
-                <a:latin typeface="Arial"/>
-              </a:rPr>
-              <a:t>"Conten</a:t>
-            </a:r>
-            <a:r>
-              <a:rPr b="0" lang="en-IE" sz="2000" spc="-1" strike="noStrike">
-                <a:latin typeface="Arial"/>
-              </a:rPr>
-              <a:t>t-</a:t>
-            </a:r>
-            <a:r>
-              <a:rPr b="0" lang="en-IE" sz="2000" spc="-1" strike="noStrike">
-                <a:latin typeface="Arial"/>
-              </a:rPr>
-              <a:t>Type:ap</a:t>
-            </a:r>
-            <a:r>
-              <a:rPr b="0" lang="en-IE" sz="2000" spc="-1" strike="noStrike">
-                <a:latin typeface="Arial"/>
-              </a:rPr>
-              <a:t>plication</a:t>
-            </a:r>
-            <a:r>
-              <a:rPr b="0" lang="en-IE" sz="2000" spc="-1" strike="noStrike">
-                <a:latin typeface="Arial"/>
-              </a:rPr>
-              <a:t>/json" -X </a:t>
-            </a:r>
-            <a:r>
-              <a:rPr b="0" lang="en-IE" sz="2000" spc="-1" strike="noStrike">
-                <a:latin typeface="Arial"/>
-              </a:rPr>
-              <a:t>PUT -d </a:t>
-            </a:r>
-            <a:r>
-              <a:rPr b="0" lang="en-IE" sz="2000" spc="-1" strike="noStrike">
-                <a:latin typeface="Arial"/>
-              </a:rPr>
-              <a:t>"{\"Price</a:t>
-            </a:r>
-            <a:r>
-              <a:rPr b="0" lang="en-IE" sz="2000" spc="-1" strike="noStrike">
-                <a:latin typeface="Arial"/>
-              </a:rPr>
-              <a:t>\":30000</a:t>
-            </a:r>
-            <a:r>
-              <a:rPr b="0" lang="en-IE" sz="2000" spc="-1" strike="noStrike">
-                <a:latin typeface="Arial"/>
-              </a:rPr>
-              <a:t>0}" </a:t>
-            </a:r>
-            <a:r>
-              <a:rPr b="0" lang="en-IE" sz="2000" spc="-1" strike="noStrike" u="sng">
+              <a:t>what is the 3 digit status code you get back when you send a DELETE request to </a:t>
+            </a:r>
+            <a:endParaRPr b="0" lang="en-IE" sz="1300" spc="-1" strike="noStrike">
+              <a:latin typeface="Arial"/>
+            </a:endParaRPr>
+          </a:p>
+          <a:p>
+            <a:pPr marL="216000" indent="-216000">
+              <a:lnSpc>
+                <a:spcPct val="100000"/>
+              </a:lnSpc>
+              <a:buNone/>
+            </a:pPr>
+            <a:r>
+              <a:rPr b="0" lang="en-IE" sz="1300" spc="-1" strike="noStrike" u="sng">
                 <a:solidFill>
                   <a:srgbClr val="000000"/>
                 </a:solidFill>
@@ -1820,9 +1468,15 @@
                 <a:latin typeface="Arial"/>
                 <a:hlinkClick r:id="rId3"/>
               </a:rPr>
-              <a:t>http://andrewbeatty1.pythonanywhere.com/books/484</a:t>
-            </a:r>
-            <a:endParaRPr b="0" lang="en-IE" sz="2000" spc="-1" strike="noStrike">
+              <a:t>https://jsonplaceholder.typicode.com/posts/1</a:t>
+            </a:r>
+            <a:r>
+              <a:rPr b="0" lang="en-IE" sz="1300" spc="-1" strike="noStrike">
+                <a:latin typeface="Arial"/>
+              </a:rPr>
+              <a:t> (3 digits only please)</a:t>
+            </a:r>
+            <a:endParaRPr b="0" lang="en-IE" sz="1300" spc="-1" strike="noStrike">
               <a:latin typeface="Arial"/>
             </a:endParaRPr>
           </a:p>
@@ -1833,7 +1487,13 @@
               </a:lnSpc>
               <a:buNone/>
             </a:pPr>
-            <a:endParaRPr b="0" lang="en-IE" sz="2000" spc="-1" strike="noStrike">
+            <a:r>
+              <a:rPr b="0" lang="en-IE" sz="1300" spc="-1" strike="noStrike">
+                <a:latin typeface="Arial"/>
+              </a:rPr>
+              <a:t>200</a:t>
+            </a:r>
+            <a:endParaRPr b="0" lang="en-IE" sz="1300" spc="-1" strike="noStrike">
               <a:latin typeface="Arial"/>
             </a:endParaRPr>
           </a:p>
@@ -1844,13 +1504,7 @@
               </a:lnSpc>
               <a:buNone/>
             </a:pPr>
-            <a:r>
-              <a:rPr b="0" lang="en-IE" sz="2000" spc="-1" strike="noStrike">
-                <a:latin typeface="Arial"/>
-              </a:rPr>
-              <a:t>To delete:</a:t>
-            </a:r>
-            <a:endParaRPr b="0" lang="en-IE" sz="2000" spc="-1" strike="noStrike">
+            <a:endParaRPr b="0" lang="en-IE" sz="1300" spc="-1" strike="noStrike">
               <a:latin typeface="Arial"/>
             </a:endParaRPr>
           </a:p>
@@ -1862,55 +1516,24 @@
               <a:buNone/>
             </a:pPr>
             <a:r>
-              <a:rPr b="0" lang="en-IE" sz="2000" spc="-1" strike="noStrike">
+              <a:rPr b="0" lang="en-IE" sz="1300" spc="-1" strike="noStrike">
                 <a:latin typeface="Arial"/>
               </a:rPr>
-              <a:t>curl -H </a:t>
-            </a:r>
-            <a:r>
-              <a:rPr b="0" lang="en-IE" sz="2000" spc="-1" strike="noStrike">
-                <a:latin typeface="Arial"/>
-              </a:rPr>
-              <a:t>"Conten</a:t>
-            </a:r>
-            <a:r>
-              <a:rPr b="0" lang="en-IE" sz="2000" spc="-1" strike="noStrike">
-                <a:latin typeface="Arial"/>
-              </a:rPr>
-              <a:t>t-</a:t>
-            </a:r>
-            <a:r>
-              <a:rPr b="0" lang="en-IE" sz="2000" spc="-1" strike="noStrike">
-                <a:latin typeface="Arial"/>
-              </a:rPr>
-              <a:t>Type:ap</a:t>
-            </a:r>
-            <a:r>
-              <a:rPr b="0" lang="en-IE" sz="2000" spc="-1" strike="noStrike">
-                <a:latin typeface="Arial"/>
-              </a:rPr>
-              <a:t>plication</a:t>
-            </a:r>
-            <a:r>
-              <a:rPr b="0" lang="en-IE" sz="2000" spc="-1" strike="noStrike">
-                <a:latin typeface="Arial"/>
-              </a:rPr>
-              <a:t>/json" -X </a:t>
-            </a:r>
-            <a:r>
-              <a:rPr b="0" lang="en-IE" sz="2000" spc="-1" strike="noStrike">
-                <a:latin typeface="Arial"/>
-              </a:rPr>
-              <a:t>DELET</a:t>
-            </a:r>
-            <a:r>
-              <a:rPr b="0" lang="en-IE" sz="2000" spc="-1" strike="noStrike">
-                <a:latin typeface="Arial"/>
-              </a:rPr>
-              <a:t>E </a:t>
-            </a:r>
-            <a:r>
-              <a:rPr b="0" lang="en-IE" sz="2000" spc="-1" strike="noStrike" u="sng">
+              <a:t>What is the status code you get back when you make a POST request to </a:t>
+            </a:r>
+            <a:endParaRPr b="0" lang="en-IE" sz="1300" spc="-1" strike="noStrike">
+              <a:latin typeface="Arial"/>
+            </a:endParaRPr>
+          </a:p>
+          <a:p>
+            <a:pPr marL="216000" indent="-216000">
+              <a:lnSpc>
+                <a:spcPct val="100000"/>
+              </a:lnSpc>
+              <a:buNone/>
+            </a:pPr>
+            <a:r>
+              <a:rPr b="0" lang="en-IE" sz="1300" spc="-1" strike="noStrike" u="sng">
                 <a:solidFill>
                   <a:srgbClr val="000000"/>
                 </a:solidFill>
@@ -1918,9 +1541,15 @@
                 <a:latin typeface="Arial"/>
                 <a:hlinkClick r:id="rId4"/>
               </a:rPr>
-              <a:t>http://andrewbeatty1.pythonanywhere.com/books/484</a:t>
-            </a:r>
-            <a:endParaRPr b="0" lang="en-IE" sz="2000" spc="-1" strike="noStrike">
+              <a:t>https://api.twitter.com/oauth/request_token</a:t>
+            </a:r>
+            <a:r>
+              <a:rPr b="0" lang="en-IE" sz="1300" spc="-1" strike="noStrike">
+                <a:latin typeface="Arial"/>
+              </a:rPr>
+              <a:t> (3 digits only please) (It will always be twitter to me :) )</a:t>
+            </a:r>
+            <a:endParaRPr b="0" lang="en-IE" sz="1300" spc="-1" strike="noStrike">
               <a:latin typeface="Arial"/>
             </a:endParaRPr>
           </a:p>
@@ -1931,7 +1560,13 @@
               </a:lnSpc>
               <a:buNone/>
             </a:pPr>
-            <a:endParaRPr b="0" lang="en-IE" sz="2000" spc="-1" strike="noStrike">
+            <a:r>
+              <a:rPr b="0" lang="en-IE" sz="1300" spc="-1" strike="noStrike">
+                <a:latin typeface="Arial"/>
+              </a:rPr>
+              <a:t>400</a:t>
+            </a:r>
+            <a:endParaRPr b="0" lang="en-IE" sz="1300" spc="-1" strike="noStrike">
               <a:latin typeface="Arial"/>
             </a:endParaRPr>
           </a:p>
@@ -1942,25 +1577,7 @@
               </a:lnSpc>
               <a:buNone/>
             </a:pPr>
-            <a:r>
-              <a:rPr b="0" lang="en-IE" sz="2000" spc="-1" strike="noStrike">
-                <a:solidFill>
-                  <a:srgbClr val="000000"/>
-                </a:solidFill>
-                <a:latin typeface="Arial"/>
-              </a:rPr>
-              <a:t>POSTMA</a:t>
-            </a:r>
-            <a:r>
-              <a:rPr b="0" lang="en-IE" sz="2000" spc="-1" strike="noStrike">
-                <a:solidFill>
-                  <a:srgbClr val="000000"/>
-                </a:solidFill>
-                <a:latin typeface="Arial"/>
-              </a:rPr>
-              <a:t>N: </a:t>
-            </a:r>
-            <a:endParaRPr b="0" lang="en-IE" sz="2000" spc="-1" strike="noStrike">
+            <a:endParaRPr b="0" lang="en-IE" sz="1300" spc="-1" strike="noStrike">
               <a:latin typeface="Arial"/>
             </a:endParaRPr>
           </a:p>
@@ -1972,15 +1589,29 @@
               <a:buNone/>
             </a:pPr>
             <a:r>
-              <a:rPr b="0" lang="en-IE" sz="2000" spc="-1" strike="noStrike">
+              <a:rPr b="0" lang="en-IE" sz="1300" spc="-1" strike="noStrike">
+                <a:latin typeface="Arial"/>
+              </a:rPr>
+              <a:t>What is the command to get data from a url (say </a:t>
+            </a:r>
+            <a:r>
+              <a:rPr b="0" lang="en-IE" sz="1300" spc="-1" strike="noStrike" u="sng">
                 <a:solidFill>
                   <a:srgbClr val="000000"/>
                 </a:solidFill>
+                <a:uFillTx/>
+                <a:latin typeface="Arial"/>
+                <a:hlinkClick r:id="rId5"/>
+              </a:rPr>
+              <a:t>http://atu.ie</a:t>
+            </a:r>
+            <a:r>
+              <a:rPr b="0" lang="en-IE" sz="1300" spc="-1" strike="noStrike">
                 <a:latin typeface="Arial"/>
               </a:rPr>
-              <a:t>+</a:t>
-            </a:r>
-            <a:endParaRPr b="0" lang="en-IE" sz="2000" spc="-1" strike="noStrike">
+              <a:t>)? ie what code would go where the the Xs are</a:t>
+            </a:r>
+            <a:endParaRPr b="0" lang="en-IE" sz="1300" spc="-1" strike="noStrike">
               <a:latin typeface="Arial"/>
             </a:endParaRPr>
           </a:p>
@@ -1992,42 +1623,12 @@
               <a:buNone/>
             </a:pPr>
             <a:r>
-              <a:rPr b="0" lang="en-IE" sz="2000" spc="-1" strike="noStrike">
-                <a:solidFill>
-                  <a:srgbClr val="000000"/>
-                </a:solidFill>
+              <a:rPr b="0" lang="en-IE" sz="1300" spc="-1" strike="noStrike">
                 <a:latin typeface="Arial"/>
               </a:rPr>
-              <a:t>Post &gt; </a:t>
-            </a:r>
-            <a:r>
-              <a:rPr b="0" lang="en-IE" sz="2000" spc="-1" strike="noStrike">
-                <a:solidFill>
-                  <a:srgbClr val="000000"/>
-                </a:solidFill>
-                <a:latin typeface="Arial"/>
-              </a:rPr>
-              <a:t>body &gt; </a:t>
-            </a:r>
-            <a:r>
-              <a:rPr b="0" lang="en-IE" sz="2000" spc="-1" strike="noStrike">
-                <a:solidFill>
-                  <a:srgbClr val="000000"/>
-                </a:solidFill>
-                <a:latin typeface="Arial"/>
-              </a:rPr>
-              <a:t>raw &gt; </a:t>
-            </a:r>
-            <a:r>
-              <a:rPr b="0" lang="en-IE" sz="2000" spc="-1" strike="noStrike">
-                <a:solidFill>
-                  <a:srgbClr val="000000"/>
-                </a:solidFill>
-                <a:latin typeface="Arial"/>
-              </a:rPr>
-              <a:t>JSON</a:t>
-            </a:r>
-            <a:endParaRPr b="0" lang="en-IE" sz="2000" spc="-1" strike="noStrike">
+              <a:t>import requests</a:t>
+            </a:r>
+            <a:endParaRPr b="0" lang="en-IE" sz="1300" spc="-1" strike="noStrike">
               <a:latin typeface="Arial"/>
             </a:endParaRPr>
           </a:p>
@@ -2039,16 +1640,12 @@
               <a:buNone/>
             </a:pPr>
             <a:r>
-              <a:rPr b="0" lang="en-IE" sz="2000" spc="-1" strike="noStrike">
-                <a:solidFill>
-                  <a:srgbClr val="000000"/>
-                </a:solidFill>
+              <a:rPr b="0" lang="en-IE" sz="1300" spc="-1" strike="noStrike">
                 <a:latin typeface="Arial"/>
-                <a:hlinkClick r:id="rId5"/>
               </a:rPr>
-              <a:t>http://andrewbeatty1.pythonanywhere.com/books</a:t>
-            </a:r>
-            <a:endParaRPr b="0" lang="en-IE" sz="2000" spc="-1" strike="noStrike">
+              <a:t>page = XXXXXXXXXXXXXXXXXXX</a:t>
+            </a:r>
+            <a:endParaRPr b="0" lang="en-IE" sz="1300" spc="-1" strike="noStrike">
               <a:latin typeface="Arial"/>
             </a:endParaRPr>
           </a:p>
@@ -2060,60 +1657,12 @@
               <a:buNone/>
             </a:pPr>
             <a:r>
-              <a:rPr b="0" lang="en-IE" sz="2000" spc="-1" strike="noStrike">
-                <a:solidFill>
-                  <a:srgbClr val="000000"/>
-                </a:solidFill>
+              <a:rPr b="0" lang="en-IE" sz="1300" spc="-1" strike="noStrike">
                 <a:latin typeface="Arial"/>
               </a:rPr>
-              <a:t>{"Title":"d</a:t>
-            </a:r>
-            <a:r>
-              <a:rPr b="0" lang="en-IE" sz="2000" spc="-1" strike="noStrike">
-                <a:solidFill>
-                  <a:srgbClr val="000000"/>
-                </a:solidFill>
-                <a:latin typeface="Arial"/>
-              </a:rPr>
-              <a:t>elme","</a:t>
-            </a:r>
-            <a:r>
-              <a:rPr b="0" lang="en-IE" sz="2000" spc="-1" strike="noStrike">
-                <a:solidFill>
-                  <a:srgbClr val="000000"/>
-                </a:solidFill>
-                <a:latin typeface="Arial"/>
-              </a:rPr>
-              <a:t>Author":</a:t>
-            </a:r>
-            <a:r>
-              <a:rPr b="0" lang="en-IE" sz="2000" spc="-1" strike="noStrike">
-                <a:solidFill>
-                  <a:srgbClr val="000000"/>
-                </a:solidFill>
-                <a:latin typeface="Arial"/>
-              </a:rPr>
-              <a:t>"xxx","P</a:t>
-            </a:r>
-            <a:r>
-              <a:rPr b="0" lang="en-IE" sz="2000" spc="-1" strike="noStrike">
-                <a:solidFill>
-                  <a:srgbClr val="000000"/>
-                </a:solidFill>
-                <a:latin typeface="Arial"/>
-              </a:rPr>
-              <a:t>rice":12</a:t>
-            </a:r>
-            <a:r>
-              <a:rPr b="0" lang="en-IE" sz="2000" spc="-1" strike="noStrike">
-                <a:solidFill>
-                  <a:srgbClr val="000000"/>
-                </a:solidFill>
-                <a:latin typeface="Arial"/>
-              </a:rPr>
-              <a:t>30}</a:t>
-            </a:r>
-            <a:endParaRPr b="0" lang="en-IE" sz="2000" spc="-1" strike="noStrike">
+              <a:t>requests.get("http://atu.ie")</a:t>
+            </a:r>
+            <a:endParaRPr b="0" lang="en-IE" sz="1300" spc="-1" strike="noStrike">
               <a:latin typeface="Arial"/>
             </a:endParaRPr>
           </a:p>
@@ -2124,47 +1673,7 @@
               </a:lnSpc>
               <a:buNone/>
             </a:pPr>
-            <a:endParaRPr b="0" lang="en-IE" sz="2000" spc="-1" strike="noStrike">
-              <a:latin typeface="Arial"/>
-            </a:endParaRPr>
-          </a:p>
-          <a:p>
-            <a:pPr marL="216000" indent="-216000">
-              <a:lnSpc>
-                <a:spcPct val="100000"/>
-              </a:lnSpc>
-              <a:buNone/>
-            </a:pPr>
-            <a:r>
-              <a:rPr b="0" lang="en-IE" sz="2000" spc="-1" strike="noStrike">
-                <a:solidFill>
-                  <a:srgbClr val="000000"/>
-                </a:solidFill>
-                <a:latin typeface="Arial"/>
-              </a:rPr>
-              <a:t>Save as – </a:t>
-            </a:r>
-            <a:r>
-              <a:rPr b="0" lang="en-IE" sz="2000" spc="-1" strike="noStrike">
-                <a:solidFill>
-                  <a:srgbClr val="000000"/>
-                </a:solidFill>
-                <a:latin typeface="Arial"/>
-              </a:rPr>
-              <a:t>always!</a:t>
-            </a:r>
-            <a:endParaRPr b="0" lang="en-IE" sz="2000" spc="-1" strike="noStrike">
-              <a:latin typeface="Arial"/>
-            </a:endParaRPr>
-          </a:p>
-          <a:p>
-            <a:pPr marL="216000" indent="-216000">
-              <a:lnSpc>
-                <a:spcPct val="100000"/>
-              </a:lnSpc>
-              <a:buNone/>
-            </a:pPr>
-            <a:endParaRPr b="0" lang="en-IE" sz="2000" spc="-1" strike="noStrike">
+            <a:endParaRPr b="0" lang="en-IE" sz="1300" spc="-1" strike="noStrike">
               <a:latin typeface="Arial"/>
             </a:endParaRPr>
           </a:p>
@@ -2226,7 +1735,7 @@
         <p:txBody>
           <a:bodyPr/>
           <a:p>
-            <a:fld id="{25631663-8981-41C2-BB54-1852A3E18CD9}" type="slidenum">
+            <a:fld id="{019A75D5-C6C2-4C1F-8BB2-8A7C0E8D3E20}" type="slidenum">
               <a:t>&lt;#&gt;</a:t>
             </a:fld>
           </a:p>
@@ -2414,7 +1923,7 @@
         <p:txBody>
           <a:bodyPr/>
           <a:p>
-            <a:fld id="{1AF70BCA-79F0-478A-92DD-08B5777363F1}" type="slidenum">
+            <a:fld id="{2EBB9D4D-BD6E-407A-B69E-76C7E09F8696}" type="slidenum">
               <a:t>&lt;#&gt;</a:t>
             </a:fld>
           </a:p>
@@ -2670,7 +2179,7 @@
         <p:txBody>
           <a:bodyPr/>
           <a:p>
-            <a:fld id="{74F6273A-097D-462D-93B4-192C40457218}" type="slidenum">
+            <a:fld id="{1405C06F-D7D0-44D9-AA07-127CE3A570D8}" type="slidenum">
               <a:t>&lt;#&gt;</a:t>
             </a:fld>
           </a:p>
@@ -2994,7 +2503,7 @@
         <p:txBody>
           <a:bodyPr/>
           <a:p>
-            <a:fld id="{CB999543-2EEC-4E4A-B87C-30329A678D5A}" type="slidenum">
+            <a:fld id="{FF1D31FA-9A42-4400-9158-C292B373F152}" type="slidenum">
               <a:t>&lt;#&gt;</a:t>
             </a:fld>
           </a:p>
@@ -3077,7 +2586,7 @@
         <p:txBody>
           <a:bodyPr/>
           <a:p>
-            <a:fld id="{E4EE0130-CD55-4F3F-8E46-ED11C5E2BF99}" type="slidenum">
+            <a:fld id="{0F07D0F7-55C6-4032-9993-99D96EF3C0FB}" type="slidenum">
               <a:t>&lt;#&gt;</a:t>
             </a:fld>
           </a:p>
@@ -3234,7 +2743,7 @@
         <p:txBody>
           <a:bodyPr/>
           <a:p>
-            <a:fld id="{F0BB5142-C26A-4061-B15C-D70EEB0290B5}" type="slidenum">
+            <a:fld id="{974016EF-0676-4443-9778-227377990A74}" type="slidenum">
               <a:t>&lt;#&gt;</a:t>
             </a:fld>
           </a:p>
@@ -3388,7 +2897,7 @@
         <p:txBody>
           <a:bodyPr/>
           <a:p>
-            <a:fld id="{F6E24901-8E27-43E3-BD89-90A8171C8817}" type="slidenum">
+            <a:fld id="{C672F8D8-6865-453D-AC05-E2A2C9016A28}" type="slidenum">
               <a:t>&lt;#&gt;</a:t>
             </a:fld>
           </a:p>
@@ -3576,7 +3085,7 @@
         <p:txBody>
           <a:bodyPr/>
           <a:p>
-            <a:fld id="{5B003F55-3F3B-4254-8AA6-8959B686DEE5}" type="slidenum">
+            <a:fld id="{BD182826-AD3F-44B1-BA97-74BB3D7A1E7C}" type="slidenum">
               <a:t>&lt;#&gt;</a:t>
             </a:fld>
           </a:p>
@@ -3696,7 +3205,7 @@
         <p:txBody>
           <a:bodyPr/>
           <a:p>
-            <a:fld id="{2CCE248A-C798-4B15-ACE9-27CE234BDA35}" type="slidenum">
+            <a:fld id="{15C5654B-0980-4BEE-A935-C693E66E2C45}" type="slidenum">
               <a:t>&lt;#&gt;</a:t>
             </a:fld>
           </a:p>
@@ -3816,7 +3325,7 @@
         <p:txBody>
           <a:bodyPr/>
           <a:p>
-            <a:fld id="{6F86193D-7A07-40E9-90DB-52B46221636F}" type="slidenum">
+            <a:fld id="{2F05D48C-50A5-4D90-A950-B0CB0AFBD03A}" type="slidenum">
               <a:t>&lt;#&gt;</a:t>
             </a:fld>
           </a:p>
@@ -4038,7 +3547,7 @@
         <p:txBody>
           <a:bodyPr/>
           <a:p>
-            <a:fld id="{149F7FDF-8A6F-44A5-9926-DA880425B0B6}" type="slidenum">
+            <a:fld id="{FFE0016A-7B0F-41C6-9B53-510F958AECC7}" type="slidenum">
               <a:t>&lt;#&gt;</a:t>
             </a:fld>
           </a:p>
@@ -4195,7 +3704,7 @@
         <p:txBody>
           <a:bodyPr/>
           <a:p>
-            <a:fld id="{D2BB4675-8848-41CA-B822-5F6CFD806118}" type="slidenum">
+            <a:fld id="{1652FB67-1E2B-4120-86FE-FEF9E65D549F}" type="slidenum">
               <a:t>&lt;#&gt;</a:t>
             </a:fld>
           </a:p>
@@ -4417,7 +3926,7 @@
         <p:txBody>
           <a:bodyPr/>
           <a:p>
-            <a:fld id="{DED69FC2-19E9-4750-88F8-9A4A5CDC2DEE}" type="slidenum">
+            <a:fld id="{C6D18D61-4DD0-4519-B473-C4B90020BE2C}" type="slidenum">
               <a:t>&lt;#&gt;</a:t>
             </a:fld>
           </a:p>
@@ -4639,7 +4148,7 @@
         <p:txBody>
           <a:bodyPr/>
           <a:p>
-            <a:fld id="{08834010-C93A-4623-A877-0282B664888A}" type="slidenum">
+            <a:fld id="{30F4FEE9-816A-4C4C-8BAC-1FDDE49D7FFD}" type="slidenum">
               <a:t>&lt;#&gt;</a:t>
             </a:fld>
           </a:p>
@@ -4827,7 +4336,7 @@
         <p:txBody>
           <a:bodyPr/>
           <a:p>
-            <a:fld id="{B3AACF2E-3757-4B04-9D18-627FC8F824D7}" type="slidenum">
+            <a:fld id="{B3ABD138-C7E4-4E5F-A165-7DB451558381}" type="slidenum">
               <a:t>&lt;#&gt;</a:t>
             </a:fld>
           </a:p>
@@ -5083,7 +4592,7 @@
         <p:txBody>
           <a:bodyPr/>
           <a:p>
-            <a:fld id="{76E3F4F4-9845-4971-B1B9-7A0A034DC0E1}" type="slidenum">
+            <a:fld id="{81372D62-54E5-4312-8CB9-C3DD1B547237}" type="slidenum">
               <a:t>&lt;#&gt;</a:t>
             </a:fld>
           </a:p>
@@ -5407,7 +4916,7 @@
         <p:txBody>
           <a:bodyPr/>
           <a:p>
-            <a:fld id="{CC037D38-3604-46B7-8964-174F981FBB36}" type="slidenum">
+            <a:fld id="{6946A821-3F65-4B95-AD08-F7BD080B7C0C}" type="slidenum">
               <a:t>&lt;#&gt;</a:t>
             </a:fld>
           </a:p>
@@ -5561,7 +5070,7 @@
         <p:txBody>
           <a:bodyPr/>
           <a:p>
-            <a:fld id="{C344AB7B-03D5-4E52-B864-CD6790BA2A21}" type="slidenum">
+            <a:fld id="{17C1E654-773B-43DB-97CD-472250F2E848}" type="slidenum">
               <a:t>&lt;#&gt;</a:t>
             </a:fld>
           </a:p>
@@ -5749,7 +5258,7 @@
         <p:txBody>
           <a:bodyPr/>
           <a:p>
-            <a:fld id="{13C6F126-DFB8-456E-B937-558B965B1E8E}" type="slidenum">
+            <a:fld id="{D7E6D50B-FA5B-4A4B-A950-2B6A0E7FC271}" type="slidenum">
               <a:t>&lt;#&gt;</a:t>
             </a:fld>
           </a:p>
@@ -5869,7 +5378,7 @@
         <p:txBody>
           <a:bodyPr/>
           <a:p>
-            <a:fld id="{82619F88-2524-4E76-A8AF-F9BF8135CB4F}" type="slidenum">
+            <a:fld id="{7074D147-6BE9-4B88-9806-AC2ED7FEA14F}" type="slidenum">
               <a:t>&lt;#&gt;</a:t>
             </a:fld>
           </a:p>
@@ -5989,7 +5498,7 @@
         <p:txBody>
           <a:bodyPr/>
           <a:p>
-            <a:fld id="{6A5E103A-0692-42E9-80FE-47A76C99487F}" type="slidenum">
+            <a:fld id="{E0643AAB-1F89-4C82-8385-52DB5107298B}" type="slidenum">
               <a:t>&lt;#&gt;</a:t>
             </a:fld>
           </a:p>
@@ -6211,7 +5720,7 @@
         <p:txBody>
           <a:bodyPr/>
           <a:p>
-            <a:fld id="{AA4BBA7F-4354-4BD4-8434-4F9844F49202}" type="slidenum">
+            <a:fld id="{F110CAD0-D436-4F15-AA27-99F4B6548110}" type="slidenum">
               <a:t>&lt;#&gt;</a:t>
             </a:fld>
           </a:p>
@@ -6433,7 +5942,7 @@
         <p:txBody>
           <a:bodyPr/>
           <a:p>
-            <a:fld id="{DFAB88A9-741E-469E-B51C-EF5C48924C1A}" type="slidenum">
+            <a:fld id="{94272C10-AD5A-4EFB-B7B4-37479F5A0884}" type="slidenum">
               <a:t>&lt;#&gt;</a:t>
             </a:fld>
           </a:p>
@@ -6655,7 +6164,7 @@
         <p:txBody>
           <a:bodyPr/>
           <a:p>
-            <a:fld id="{42742D8F-359A-47A2-B5B1-CF35EB616646}" type="slidenum">
+            <a:fld id="{BA55800B-B4C5-4D15-8D44-6B5B40C6101F}" type="slidenum">
               <a:t>&lt;#&gt;</a:t>
             </a:fld>
           </a:p>
@@ -6720,9 +6229,9 @@
         <p:grpSpPr>
           <a:xfrm>
             <a:off x="11401560" y="6229800"/>
-            <a:ext cx="456120" cy="456120"/>
+            <a:ext cx="455400" cy="455400"/>
             <a:chOff x="11401560" y="6229800"/>
-            <a:chExt cx="456120" cy="456120"/>
+            <a:chExt cx="455400" cy="455400"/>
           </a:xfrm>
         </p:grpSpPr>
         <p:sp>
@@ -6734,7 +6243,7 @@
           <p:spPr>
             <a:xfrm>
               <a:off x="11401560" y="6229800"/>
-              <a:ext cx="456120" cy="456120"/>
+              <a:ext cx="455400" cy="455400"/>
             </a:xfrm>
             <a:prstGeom prst="ellipse">
               <a:avLst/>
@@ -6764,7 +6273,7 @@
           <p:spPr>
             <a:xfrm>
               <a:off x="11431080" y="6258960"/>
-              <a:ext cx="397800" cy="397800"/>
+              <a:ext cx="397080" cy="397080"/>
             </a:xfrm>
             <a:prstGeom prst="ellipse">
               <a:avLst/>
@@ -6794,7 +6303,7 @@
         <p:spPr>
           <a:xfrm>
             <a:off x="920880" y="1347120"/>
-            <a:ext cx="10221840" cy="79560"/>
+            <a:ext cx="10221120" cy="78840"/>
           </a:xfrm>
           <a:prstGeom prst="rect">
             <a:avLst/>
@@ -6834,7 +6343,7 @@
         <p:spPr>
           <a:xfrm>
             <a:off x="920880" y="4299840"/>
-            <a:ext cx="10221840" cy="79560"/>
+            <a:ext cx="10221120" cy="78840"/>
           </a:xfrm>
           <a:prstGeom prst="rect">
             <a:avLst/>
@@ -6874,7 +6383,7 @@
         <p:spPr>
           <a:xfrm>
             <a:off x="920880" y="1484640"/>
-            <a:ext cx="10221840" cy="2742120"/>
+            <a:ext cx="10221120" cy="2741400"/>
           </a:xfrm>
           <a:prstGeom prst="rect">
             <a:avLst/>
@@ -6914,9 +6423,9 @@
         <p:grpSpPr>
           <a:xfrm>
             <a:off x="9649080" y="4069080"/>
-            <a:ext cx="1080000" cy="1080000"/>
+            <a:ext cx="1079280" cy="1079280"/>
             <a:chOff x="9649080" y="4069080"/>
-            <a:chExt cx="1080000" cy="1080000"/>
+            <a:chExt cx="1079280" cy="1079280"/>
           </a:xfrm>
         </p:grpSpPr>
         <p:sp>
@@ -6928,7 +6437,7 @@
           <p:spPr>
             <a:xfrm>
               <a:off x="9649080" y="4069080"/>
-              <a:ext cx="1080000" cy="1080000"/>
+              <a:ext cx="1079280" cy="1079280"/>
             </a:xfrm>
             <a:prstGeom prst="ellipse">
               <a:avLst/>
@@ -6958,7 +6467,7 @@
           <p:spPr>
             <a:xfrm>
               <a:off x="9757440" y="4177080"/>
-              <a:ext cx="863640" cy="863640"/>
+              <a:ext cx="862920" cy="862920"/>
             </a:xfrm>
             <a:prstGeom prst="ellipse">
               <a:avLst/>
@@ -6986,236 +6495,13 @@
             <a:spLocks noGrp="1"/>
           </p:cNvSpPr>
           <p:nvPr>
-            <p:ph type="title"/>
-          </p:nvPr>
-        </p:nvSpPr>
-        <p:spPr>
-          <a:xfrm>
-            <a:off x="609480" y="273600"/>
-            <a:ext cx="10972080" cy="1144440"/>
-          </a:xfrm>
-          <a:prstGeom prst="rect">
-            <a:avLst/>
-          </a:prstGeom>
-          <a:noFill/>
-          <a:ln w="0">
-            <a:noFill/>
-          </a:ln>
-        </p:spPr>
-        <p:txBody>
-          <a:bodyPr lIns="0" rIns="0" tIns="0" bIns="0" anchor="ctr">
-            <a:noAutofit/>
-          </a:bodyPr>
-          <a:p>
-            <a:r>
-              <a:rPr b="0" lang="en-IE" sz="1800" spc="-1" strike="noStrike">
-                <a:latin typeface="Arial"/>
-              </a:rPr>
-              <a:t>Click to edit the title text format</a:t>
-            </a:r>
-            <a:endParaRPr b="0" lang="en-IE" sz="1800" spc="-1" strike="noStrike">
-              <a:latin typeface="Arial"/>
-            </a:endParaRPr>
-          </a:p>
-        </p:txBody>
-      </p:sp>
-      <p:sp>
-        <p:nvSpPr>
-          <p:cNvPr id="10" name="PlaceHolder 2"/>
-          <p:cNvSpPr>
-            <a:spLocks noGrp="1"/>
-          </p:cNvSpPr>
-          <p:nvPr>
-            <p:ph type="body"/>
-          </p:nvPr>
-        </p:nvSpPr>
-        <p:spPr>
-          <a:xfrm>
-            <a:off x="609480" y="1604520"/>
-            <a:ext cx="10972080" cy="3976920"/>
-          </a:xfrm>
-          <a:prstGeom prst="rect">
-            <a:avLst/>
-          </a:prstGeom>
-          <a:noFill/>
-          <a:ln w="0">
-            <a:noFill/>
-          </a:ln>
-        </p:spPr>
-        <p:txBody>
-          <a:bodyPr lIns="0" rIns="0" tIns="0" bIns="0" anchor="t">
-            <a:normAutofit/>
-          </a:bodyPr>
-          <a:p>
-            <a:pPr marL="432000" indent="-324000">
-              <a:spcBef>
-                <a:spcPts val="1417"/>
-              </a:spcBef>
-              <a:buClr>
-                <a:srgbClr val="000000"/>
-              </a:buClr>
-              <a:buSzPct val="45000"/>
-              <a:buFont typeface="Wingdings" charset="2"/>
-              <a:buChar char=""/>
-            </a:pPr>
-            <a:r>
-              <a:rPr b="0" lang="en-IE" sz="1800" spc="-1" strike="noStrike">
-                <a:latin typeface="Arial"/>
-              </a:rPr>
-              <a:t>Click to edit the outline text format</a:t>
-            </a:r>
-            <a:endParaRPr b="0" lang="en-IE" sz="1800" spc="-1" strike="noStrike">
-              <a:latin typeface="Arial"/>
-            </a:endParaRPr>
-          </a:p>
-          <a:p>
-            <a:pPr lvl="1" marL="864000" indent="-324000">
-              <a:spcBef>
-                <a:spcPts val="1134"/>
-              </a:spcBef>
-              <a:buClr>
-                <a:srgbClr val="000000"/>
-              </a:buClr>
-              <a:buSzPct val="75000"/>
-              <a:buFont typeface="Symbol" charset="2"/>
-              <a:buChar char=""/>
-            </a:pPr>
-            <a:r>
-              <a:rPr b="0" lang="en-IE" sz="1800" spc="-1" strike="noStrike">
-                <a:latin typeface="Arial"/>
-              </a:rPr>
-              <a:t>Second Outline Level</a:t>
-            </a:r>
-            <a:endParaRPr b="0" lang="en-IE" sz="1800" spc="-1" strike="noStrike">
-              <a:latin typeface="Arial"/>
-            </a:endParaRPr>
-          </a:p>
-          <a:p>
-            <a:pPr lvl="2" marL="1296000" indent="-288000">
-              <a:spcBef>
-                <a:spcPts val="850"/>
-              </a:spcBef>
-              <a:buClr>
-                <a:srgbClr val="000000"/>
-              </a:buClr>
-              <a:buSzPct val="45000"/>
-              <a:buFont typeface="Wingdings" charset="2"/>
-              <a:buChar char=""/>
-            </a:pPr>
-            <a:r>
-              <a:rPr b="0" lang="en-IE" sz="1800" spc="-1" strike="noStrike">
-                <a:latin typeface="Arial"/>
-              </a:rPr>
-              <a:t>Third Outline Level</a:t>
-            </a:r>
-            <a:endParaRPr b="0" lang="en-IE" sz="1800" spc="-1" strike="noStrike">
-              <a:latin typeface="Arial"/>
-            </a:endParaRPr>
-          </a:p>
-          <a:p>
-            <a:pPr lvl="3" marL="1728000" indent="-216000">
-              <a:spcBef>
-                <a:spcPts val="567"/>
-              </a:spcBef>
-              <a:buClr>
-                <a:srgbClr val="000000"/>
-              </a:buClr>
-              <a:buSzPct val="75000"/>
-              <a:buFont typeface="Symbol" charset="2"/>
-              <a:buChar char=""/>
-            </a:pPr>
-            <a:r>
-              <a:rPr b="0" lang="en-IE" sz="1800" spc="-1" strike="noStrike">
-                <a:latin typeface="Arial"/>
-              </a:rPr>
-              <a:t>Fourth Outline Level</a:t>
-            </a:r>
-            <a:endParaRPr b="0" lang="en-IE" sz="1800" spc="-1" strike="noStrike">
-              <a:latin typeface="Arial"/>
-            </a:endParaRPr>
-          </a:p>
-          <a:p>
-            <a:pPr lvl="4" marL="2160000" indent="-216000">
-              <a:spcBef>
-                <a:spcPts val="283"/>
-              </a:spcBef>
-              <a:buClr>
-                <a:srgbClr val="000000"/>
-              </a:buClr>
-              <a:buSzPct val="45000"/>
-              <a:buFont typeface="Wingdings" charset="2"/>
-              <a:buChar char=""/>
-            </a:pPr>
-            <a:r>
-              <a:rPr b="0" lang="en-IE" sz="1800" spc="-1" strike="noStrike">
-                <a:latin typeface="Arial"/>
-              </a:rPr>
-              <a:t>Fifth Outline Level</a:t>
-            </a:r>
-            <a:endParaRPr b="0" lang="en-IE" sz="1800" spc="-1" strike="noStrike">
-              <a:latin typeface="Arial"/>
-            </a:endParaRPr>
-          </a:p>
-          <a:p>
-            <a:pPr lvl="5" marL="2592000" indent="-216000">
-              <a:spcBef>
-                <a:spcPts val="283"/>
-              </a:spcBef>
-              <a:buClr>
-                <a:srgbClr val="000000"/>
-              </a:buClr>
-              <a:buSzPct val="45000"/>
-              <a:buFont typeface="Wingdings" charset="2"/>
-              <a:buChar char=""/>
-            </a:pPr>
-            <a:r>
-              <a:rPr b="0" lang="en-IE" sz="1800" spc="-1" strike="noStrike">
-                <a:latin typeface="Arial"/>
-              </a:rPr>
-              <a:t>Sixth Outline Level</a:t>
-            </a:r>
-            <a:endParaRPr b="0" lang="en-IE" sz="1800" spc="-1" strike="noStrike">
-              <a:latin typeface="Arial"/>
-            </a:endParaRPr>
-          </a:p>
-          <a:p>
-            <a:pPr lvl="6" marL="3024000" indent="-216000">
-              <a:spcBef>
-                <a:spcPts val="283"/>
-              </a:spcBef>
-              <a:buClr>
-                <a:srgbClr val="000000"/>
-              </a:buClr>
-              <a:buSzPct val="45000"/>
-              <a:buFont typeface="Wingdings" charset="2"/>
-              <a:buChar char=""/>
-            </a:pPr>
-            <a:r>
-              <a:rPr b="0" lang="en-IE" sz="1800" spc="-1" strike="noStrike">
-                <a:latin typeface="Arial"/>
-              </a:rPr>
-              <a:t>Seventh Outline Level</a:t>
-            </a:r>
-            <a:endParaRPr b="0" lang="en-IE" sz="1800" spc="-1" strike="noStrike">
-              <a:latin typeface="Arial"/>
-            </a:endParaRPr>
-          </a:p>
-        </p:txBody>
-      </p:sp>
-      <p:sp>
-        <p:nvSpPr>
-          <p:cNvPr id="11" name="PlaceHolder 3"/>
-          <p:cNvSpPr>
-            <a:spLocks noGrp="1"/>
-          </p:cNvSpPr>
-          <p:nvPr>
             <p:ph type="ftr" idx="1"/>
           </p:nvPr>
         </p:nvSpPr>
         <p:spPr>
           <a:xfrm>
             <a:off x="1088280" y="6272640"/>
-            <a:ext cx="6326640" cy="363960"/>
+            <a:ext cx="6325920" cy="363240"/>
           </a:xfrm>
           <a:prstGeom prst="rect">
             <a:avLst/>
@@ -7261,7 +6547,7 @@
       </p:sp>
       <p:sp>
         <p:nvSpPr>
-          <p:cNvPr id="12" name="PlaceHolder 4"/>
+          <p:cNvPr id="10" name="PlaceHolder 2"/>
           <p:cNvSpPr>
             <a:spLocks noGrp="1"/>
           </p:cNvSpPr>
@@ -7272,7 +6558,7 @@
         <p:spPr>
           <a:xfrm>
             <a:off x="9592560" y="4289400"/>
-            <a:ext cx="1192680" cy="639000"/>
+            <a:ext cx="1191960" cy="638280"/>
           </a:xfrm>
           <a:prstGeom prst="rect">
             <a:avLst/>
@@ -7307,7 +6593,7 @@
               </a:lnSpc>
               <a:buNone/>
             </a:pPr>
-            <a:fld id="{879DD017-9E81-469E-8343-27018B50D2EA}" type="slidenum">
+            <a:fld id="{917D1672-F806-4795-B3E9-AA2394886F8D}" type="slidenum">
               <a:rPr b="1" lang="en-US" sz="2800" spc="-1" strike="noStrike">
                 <a:solidFill>
                   <a:srgbClr val="ffffff"/>
@@ -7324,7 +6610,7 @@
       </p:sp>
       <p:sp>
         <p:nvSpPr>
-          <p:cNvPr id="13" name="PlaceHolder 5"/>
+          <p:cNvPr id="11" name="PlaceHolder 3"/>
           <p:cNvSpPr>
             <a:spLocks noGrp="1"/>
           </p:cNvSpPr>
@@ -7335,7 +6621,7 @@
         <p:spPr>
           <a:xfrm>
             <a:off x="7964280" y="6272640"/>
-            <a:ext cx="3272400" cy="363960"/>
+            <a:ext cx="3271680" cy="363240"/>
           </a:xfrm>
           <a:prstGeom prst="rect">
             <a:avLst/>
@@ -7365,6 +6651,232 @@
             </a:r>
             <a:endParaRPr b="0" lang="en-IE" sz="1400" spc="-1" strike="noStrike">
               <a:latin typeface="Times New Roman"/>
+            </a:endParaRPr>
+          </a:p>
+        </p:txBody>
+      </p:sp>
+      <p:sp>
+        <p:nvSpPr>
+          <p:cNvPr id="12" name="PlaceHolder 4"/>
+          <p:cNvSpPr>
+            <a:spLocks noGrp="1"/>
+          </p:cNvSpPr>
+          <p:nvPr>
+            <p:ph type="title"/>
+          </p:nvPr>
+        </p:nvSpPr>
+        <p:spPr>
+          <a:xfrm>
+            <a:off x="609480" y="273600"/>
+            <a:ext cx="10972440" cy="1144800"/>
+          </a:xfrm>
+          <a:prstGeom prst="rect">
+            <a:avLst/>
+          </a:prstGeom>
+          <a:noFill/>
+          <a:ln w="0">
+            <a:noFill/>
+          </a:ln>
+        </p:spPr>
+        <p:txBody>
+          <a:bodyPr lIns="0" rIns="0" tIns="0" bIns="0" anchor="ctr">
+            <a:noAutofit/>
+          </a:bodyPr>
+          <a:p>
+            <a:pPr algn="ctr">
+              <a:buNone/>
+            </a:pPr>
+            <a:r>
+              <a:rPr b="0" lang="en-IE" sz="4400" spc="-1" strike="noStrike">
+                <a:latin typeface="Arial"/>
+              </a:rPr>
+              <a:t>Click to edit the title text format</a:t>
+            </a:r>
+            <a:endParaRPr b="0" lang="en-IE" sz="4400" spc="-1" strike="noStrike">
+              <a:latin typeface="Arial"/>
+            </a:endParaRPr>
+          </a:p>
+        </p:txBody>
+      </p:sp>
+      <p:sp>
+        <p:nvSpPr>
+          <p:cNvPr id="13" name="PlaceHolder 5"/>
+          <p:cNvSpPr>
+            <a:spLocks noGrp="1"/>
+          </p:cNvSpPr>
+          <p:nvPr>
+            <p:ph type="body"/>
+          </p:nvPr>
+        </p:nvSpPr>
+        <p:spPr>
+          <a:xfrm>
+            <a:off x="609480" y="1604520"/>
+            <a:ext cx="10972440" cy="3977280"/>
+          </a:xfrm>
+          <a:prstGeom prst="rect">
+            <a:avLst/>
+          </a:prstGeom>
+          <a:noFill/>
+          <a:ln w="0">
+            <a:noFill/>
+          </a:ln>
+        </p:spPr>
+        <p:txBody>
+          <a:bodyPr lIns="0" rIns="0" tIns="0" bIns="0" anchor="t">
+            <a:normAutofit/>
+          </a:bodyPr>
+          <a:p>
+            <a:pPr marL="432000" indent="-324000">
+              <a:spcBef>
+                <a:spcPts val="1417"/>
+              </a:spcBef>
+              <a:buClr>
+                <a:srgbClr val="000000"/>
+              </a:buClr>
+              <a:buSzPct val="45000"/>
+              <a:buFont typeface="Wingdings" charset="2"/>
+              <a:buChar char=""/>
+            </a:pPr>
+            <a:r>
+              <a:rPr b="0" lang="en-IE" sz="3200" spc="-1" strike="noStrike">
+                <a:latin typeface="Arial"/>
+              </a:rPr>
+              <a:t>Click to edit the outline text format</a:t>
+            </a:r>
+            <a:endParaRPr b="0" lang="en-IE" sz="3200" spc="-1" strike="noStrike">
+              <a:latin typeface="Arial"/>
+            </a:endParaRPr>
+          </a:p>
+          <a:p>
+            <a:pPr lvl="1" marL="864000" indent="-324000">
+              <a:spcBef>
+                <a:spcPts val="1134"/>
+              </a:spcBef>
+              <a:buClr>
+                <a:srgbClr val="000000"/>
+              </a:buClr>
+              <a:buSzPct val="75000"/>
+              <a:buFont typeface="Symbol" charset="2"/>
+              <a:buChar char=""/>
+            </a:pPr>
+            <a:r>
+              <a:rPr b="0" lang="en-IE" sz="2800" spc="-1" strike="noStrike">
+                <a:latin typeface="Arial"/>
+              </a:rPr>
+              <a:t>Second Outline Level</a:t>
+            </a:r>
+            <a:endParaRPr b="0" lang="en-IE" sz="2800" spc="-1" strike="noStrike">
+              <a:latin typeface="Arial"/>
+            </a:endParaRPr>
+          </a:p>
+          <a:p>
+            <a:pPr lvl="2" marL="1296000" indent="-288000">
+              <a:spcBef>
+                <a:spcPts val="850"/>
+              </a:spcBef>
+              <a:buClr>
+                <a:srgbClr val="000000"/>
+              </a:buClr>
+              <a:buSzPct val="45000"/>
+              <a:buFont typeface="Wingdings" charset="2"/>
+              <a:buChar char=""/>
+            </a:pPr>
+            <a:r>
+              <a:rPr b="0" lang="en-IE" sz="2400" spc="-1" strike="noStrike">
+                <a:latin typeface="Arial"/>
+              </a:rPr>
+              <a:t>Third Outline Level</a:t>
+            </a:r>
+            <a:endParaRPr b="0" lang="en-IE" sz="2400" spc="-1" strike="noStrike">
+              <a:latin typeface="Arial"/>
+            </a:endParaRPr>
+          </a:p>
+          <a:p>
+            <a:pPr lvl="3" marL="1728000" indent="-216000">
+              <a:spcBef>
+                <a:spcPts val="567"/>
+              </a:spcBef>
+              <a:buClr>
+                <a:srgbClr val="000000"/>
+              </a:buClr>
+              <a:buSzPct val="75000"/>
+              <a:buFont typeface="Symbol" charset="2"/>
+              <a:buChar char=""/>
+            </a:pPr>
+            <a:r>
+              <a:rPr b="0" lang="en-IE" sz="2000" spc="-1" strike="noStrike">
+                <a:latin typeface="Arial"/>
+              </a:rPr>
+              <a:t>Fourth Outline Level</a:t>
+            </a:r>
+            <a:endParaRPr b="0" lang="en-IE" sz="2000" spc="-1" strike="noStrike">
+              <a:latin typeface="Arial"/>
+            </a:endParaRPr>
+          </a:p>
+          <a:p>
+            <a:pPr lvl="4" marL="2160000" indent="-216000">
+              <a:spcBef>
+                <a:spcPts val="283"/>
+              </a:spcBef>
+              <a:buClr>
+                <a:srgbClr val="000000"/>
+              </a:buClr>
+              <a:buSzPct val="45000"/>
+              <a:buFont typeface="Wingdings" charset="2"/>
+              <a:buChar char=""/>
+            </a:pPr>
+            <a:r>
+              <a:rPr b="0" lang="en-IE" sz="2000" spc="-1" strike="noStrike">
+                <a:latin typeface="Arial"/>
+              </a:rPr>
+              <a:t>Fifth Outline Level</a:t>
+            </a:r>
+            <a:endParaRPr b="0" lang="en-IE" sz="2000" spc="-1" strike="noStrike">
+              <a:latin typeface="Arial"/>
+            </a:endParaRPr>
+          </a:p>
+          <a:p>
+            <a:pPr lvl="5" marL="2592000" indent="-216000">
+              <a:spcBef>
+                <a:spcPts val="283"/>
+              </a:spcBef>
+              <a:buClr>
+                <a:srgbClr val="000000"/>
+              </a:buClr>
+              <a:buSzPct val="45000"/>
+              <a:buFont typeface="Wingdings" charset="2"/>
+              <a:buChar char=""/>
+            </a:pPr>
+            <a:r>
+              <a:rPr b="0" lang="en-IE" sz="2000" spc="-1" strike="noStrike">
+                <a:latin typeface="Arial"/>
+              </a:rPr>
+              <a:t>Sixth Outline Level</a:t>
+            </a:r>
+            <a:endParaRPr b="0" lang="en-IE" sz="2000" spc="-1" strike="noStrike">
+              <a:latin typeface="Arial"/>
+            </a:endParaRPr>
+          </a:p>
+          <a:p>
+            <a:pPr lvl="6" marL="3024000" indent="-216000">
+              <a:spcBef>
+                <a:spcPts val="283"/>
+              </a:spcBef>
+              <a:buClr>
+                <a:srgbClr val="000000"/>
+              </a:buClr>
+              <a:buSzPct val="45000"/>
+              <a:buFont typeface="Wingdings" charset="2"/>
+              <a:buChar char=""/>
+            </a:pPr>
+            <a:r>
+              <a:rPr b="0" lang="en-IE" sz="2000" spc="-1" strike="noStrike">
+                <a:latin typeface="Arial"/>
+              </a:rPr>
+              <a:t>Seventh Outline Level</a:t>
+            </a:r>
+            <a:endParaRPr b="0" lang="en-IE" sz="2000" spc="-1" strike="noStrike">
+              <a:latin typeface="Arial"/>
             </a:endParaRPr>
           </a:p>
         </p:txBody>
@@ -7422,9 +6934,9 @@
         <p:grpSpPr>
           <a:xfrm>
             <a:off x="11401560" y="6229800"/>
-            <a:ext cx="456120" cy="456120"/>
+            <a:ext cx="455400" cy="455400"/>
             <a:chOff x="11401560" y="6229800"/>
-            <a:chExt cx="456120" cy="456120"/>
+            <a:chExt cx="455400" cy="455400"/>
           </a:xfrm>
         </p:grpSpPr>
         <p:sp>
@@ -7436,7 +6948,7 @@
           <p:spPr>
             <a:xfrm>
               <a:off x="11401560" y="6229800"/>
-              <a:ext cx="456120" cy="456120"/>
+              <a:ext cx="455400" cy="455400"/>
             </a:xfrm>
             <a:prstGeom prst="ellipse">
               <a:avLst/>
@@ -7466,7 +6978,7 @@
           <p:spPr>
             <a:xfrm>
               <a:off x="11431080" y="6258960"/>
-              <a:ext cx="397800" cy="397800"/>
+              <a:ext cx="397080" cy="397080"/>
             </a:xfrm>
             <a:prstGeom prst="ellipse">
               <a:avLst/>
@@ -7500,7 +7012,7 @@
         <p:spPr>
           <a:xfrm>
             <a:off x="1088280" y="6272640"/>
-            <a:ext cx="6326640" cy="363960"/>
+            <a:ext cx="6325920" cy="363240"/>
           </a:xfrm>
           <a:prstGeom prst="rect">
             <a:avLst/>
@@ -7557,7 +7069,7 @@
         <p:spPr>
           <a:xfrm>
             <a:off x="11311200" y="6272640"/>
-            <a:ext cx="639000" cy="363960"/>
+            <a:ext cx="638280" cy="363240"/>
           </a:xfrm>
           <a:prstGeom prst="rect">
             <a:avLst/>
@@ -7592,7 +7104,7 @@
               </a:lnSpc>
               <a:buNone/>
             </a:pPr>
-            <a:fld id="{3C4AA846-F9A6-4A07-8D64-2BC28CA7F03D}" type="slidenum">
+            <a:fld id="{6FD1CB2F-9A61-439C-A001-3137F5B8CEB7}" type="slidenum">
               <a:rPr b="1" lang="en-US" sz="1400" spc="-1" strike="noStrike">
                 <a:solidFill>
                   <a:srgbClr val="ffffff"/>
@@ -7620,7 +7132,7 @@
         <p:spPr>
           <a:xfrm>
             <a:off x="7964280" y="6272640"/>
-            <a:ext cx="3272400" cy="363960"/>
+            <a:ext cx="3271680" cy="363240"/>
           </a:xfrm>
           <a:prstGeom prst="rect">
             <a:avLst/>
@@ -7689,49 +7201,7 @@
               <a:rPr b="0" lang="en-IE" sz="4400" spc="-1" strike="noStrike">
                 <a:latin typeface="Arial"/>
               </a:rPr>
-              <a:t>Clic</a:t>
-            </a:r>
-            <a:r>
-              <a:rPr b="0" lang="en-IE" sz="4400" spc="-1" strike="noStrike">
-                <a:latin typeface="Arial"/>
-              </a:rPr>
-              <a:t>k to </a:t>
-            </a:r>
-            <a:r>
-              <a:rPr b="0" lang="en-IE" sz="4400" spc="-1" strike="noStrike">
-                <a:latin typeface="Arial"/>
-              </a:rPr>
-              <a:t>edit </a:t>
-            </a:r>
-            <a:r>
-              <a:rPr b="0" lang="en-IE" sz="4400" spc="-1" strike="noStrike">
-                <a:latin typeface="Arial"/>
-              </a:rPr>
-              <a:t>the </a:t>
-            </a:r>
-            <a:r>
-              <a:rPr b="0" lang="en-IE" sz="4400" spc="-1" strike="noStrike">
-                <a:latin typeface="Arial"/>
-              </a:rPr>
-              <a:t>title </a:t>
-            </a:r>
-            <a:r>
-              <a:rPr b="0" lang="en-IE" sz="4400" spc="-1" strike="noStrike">
-                <a:latin typeface="Arial"/>
-              </a:rPr>
-              <a:t>text </a:t>
-            </a:r>
-            <a:r>
-              <a:rPr b="0" lang="en-IE" sz="4400" spc="-1" strike="noStrike">
-                <a:latin typeface="Arial"/>
-              </a:rPr>
-              <a:t>form</a:t>
-            </a:r>
-            <a:r>
-              <a:rPr b="0" lang="en-IE" sz="4400" spc="-1" strike="noStrike">
-                <a:latin typeface="Arial"/>
-              </a:rPr>
-              <a:t>at</a:t>
+              <a:t>Click to edit the title text format</a:t>
             </a:r>
             <a:endParaRPr b="0" lang="en-IE" sz="4400" spc="-1" strike="noStrike">
               <a:latin typeface="Arial"/>
@@ -7972,7 +7442,7 @@
         <p:spPr>
           <a:xfrm>
             <a:off x="1051560" y="1432080"/>
-            <a:ext cx="9965880" cy="3034800"/>
+            <a:ext cx="9965160" cy="3034080"/>
           </a:xfrm>
           <a:prstGeom prst="rect">
             <a:avLst/>
@@ -7997,25 +7467,7 @@
               <a:rPr b="0" lang="en-IE" sz="9600" spc="-1" strike="noStrike" cap="all">
                 <a:latin typeface="Rockwell Condensed"/>
               </a:rPr>
-              <a:t>C</a:t>
-            </a:r>
-            <a:r>
-              <a:rPr b="0" lang="en-IE" sz="9600" spc="-1" strike="noStrike" cap="all">
-                <a:latin typeface="Rockwell Condensed"/>
-              </a:rPr>
-              <a:t>U</a:t>
-            </a:r>
-            <a:r>
-              <a:rPr b="0" lang="en-IE" sz="9600" spc="-1" strike="noStrike" cap="all">
-                <a:latin typeface="Rockwell Condensed"/>
-              </a:rPr>
-              <a:t>R</a:t>
-            </a:r>
-            <a:r>
-              <a:rPr b="0" lang="en-IE" sz="9600" spc="-1" strike="noStrike" cap="all">
-                <a:latin typeface="Rockwell Condensed"/>
-              </a:rPr>
-              <a:t>L</a:t>
+              <a:t>CURL</a:t>
             </a:r>
             <a:endParaRPr b="0" lang="en-IE" sz="9600" spc="-1" strike="noStrike">
               <a:latin typeface="Arial"/>
@@ -8036,7 +7488,7 @@
         <p:spPr>
           <a:xfrm>
             <a:off x="1069920" y="4389120"/>
-            <a:ext cx="7890120" cy="1068840"/>
+            <a:ext cx="7889400" cy="1068120"/>
           </a:xfrm>
           <a:prstGeom prst="rect">
             <a:avLst/>
@@ -8070,43 +7522,7 @@
                 </a:solidFill>
                 <a:latin typeface="Rockwell"/>
               </a:rPr>
-              <a:t>Web </a:t>
-            </a:r>
-            <a:r>
-              <a:rPr b="0" lang="en-IE" sz="2200" spc="-1" strike="noStrike">
-                <a:solidFill>
-                  <a:srgbClr val="000000"/>
-                </a:solidFill>
-                <a:latin typeface="Rockwell"/>
-              </a:rPr>
-              <a:t>Services </a:t>
-            </a:r>
-            <a:r>
-              <a:rPr b="0" lang="en-IE" sz="2200" spc="-1" strike="noStrike">
-                <a:solidFill>
-                  <a:srgbClr val="000000"/>
-                </a:solidFill>
-                <a:latin typeface="Rockwell"/>
-              </a:rPr>
-              <a:t>and </a:t>
-            </a:r>
-            <a:r>
-              <a:rPr b="0" lang="en-IE" sz="2200" spc="-1" strike="noStrike">
-                <a:solidFill>
-                  <a:srgbClr val="000000"/>
-                </a:solidFill>
-                <a:latin typeface="Rockwell"/>
-              </a:rPr>
-              <a:t>Applicati</a:t>
-            </a:r>
-            <a:r>
-              <a:rPr b="0" lang="en-IE" sz="2200" spc="-1" strike="noStrike">
-                <a:solidFill>
-                  <a:srgbClr val="000000"/>
-                </a:solidFill>
-                <a:latin typeface="Rockwell"/>
-              </a:rPr>
-              <a:t>ons</a:t>
+              <a:t>Web Services and Applications</a:t>
             </a:r>
             <a:endParaRPr b="0" lang="en-IE" sz="2200" spc="-1" strike="noStrike">
               <a:latin typeface="Arial"/>
@@ -8185,7 +7601,7 @@
         <p:spPr>
           <a:xfrm>
             <a:off x="1069920" y="484560"/>
-            <a:ext cx="10057320" cy="1608120"/>
+            <a:ext cx="10056600" cy="1607400"/>
           </a:xfrm>
           <a:prstGeom prst="rect">
             <a:avLst/>
@@ -8210,31 +7626,7 @@
               <a:rPr b="0" lang="en-IE" sz="5400" spc="-1" strike="noStrike" cap="all">
                 <a:latin typeface="Rockwell Condensed"/>
               </a:rPr>
-              <a:t>Wh</a:t>
-            </a:r>
-            <a:r>
-              <a:rPr b="0" lang="en-IE" sz="5400" spc="-1" strike="noStrike" cap="all">
-                <a:latin typeface="Rockwell Condensed"/>
-              </a:rPr>
-              <a:t>at </a:t>
-            </a:r>
-            <a:r>
-              <a:rPr b="0" lang="en-IE" sz="5400" spc="-1" strike="noStrike" cap="all">
-                <a:latin typeface="Rockwell Condensed"/>
-              </a:rPr>
-              <a:t>is </a:t>
-            </a:r>
-            <a:r>
-              <a:rPr b="0" lang="en-IE" sz="5400" spc="-1" strike="noStrike" cap="all">
-                <a:latin typeface="Rockwell Condensed"/>
-              </a:rPr>
-              <a:t>CU</a:t>
-            </a:r>
-            <a:r>
-              <a:rPr b="0" lang="en-IE" sz="5400" spc="-1" strike="noStrike" cap="all">
-                <a:latin typeface="Rockwell Condensed"/>
-              </a:rPr>
-              <a:t>RL</a:t>
+              <a:t>What is CURL</a:t>
             </a:r>
             <a:endParaRPr b="0" lang="en-IE" sz="5400" spc="-1" strike="noStrike">
               <a:latin typeface="Arial"/>
@@ -8255,7 +7647,7 @@
         <p:spPr>
           <a:xfrm>
             <a:off x="1069920" y="2121480"/>
-            <a:ext cx="10057320" cy="4049640"/>
+            <a:ext cx="10056600" cy="4048920"/>
           </a:xfrm>
           <a:prstGeom prst="rect">
             <a:avLst/>
@@ -8469,7 +7861,7 @@
         <p:spPr>
           <a:xfrm>
             <a:off x="1069920" y="484560"/>
-            <a:ext cx="10057320" cy="1608120"/>
+            <a:ext cx="10056600" cy="1607400"/>
           </a:xfrm>
           <a:prstGeom prst="rect">
             <a:avLst/>
@@ -8494,31 +7886,7 @@
               <a:rPr b="0" lang="en-IE" sz="5400" spc="-1" strike="noStrike" cap="all">
                 <a:latin typeface="Rockwell Condensed"/>
               </a:rPr>
-              <a:t>Ins</a:t>
-            </a:r>
-            <a:r>
-              <a:rPr b="0" lang="en-IE" sz="5400" spc="-1" strike="noStrike" cap="all">
-                <a:latin typeface="Rockwell Condensed"/>
-              </a:rPr>
-              <a:t>ta</a:t>
-            </a:r>
-            <a:r>
-              <a:rPr b="0" lang="en-IE" sz="5400" spc="-1" strike="noStrike" cap="all">
-                <a:latin typeface="Rockwell Condensed"/>
-              </a:rPr>
-              <a:t>lla</a:t>
-            </a:r>
-            <a:r>
-              <a:rPr b="0" lang="en-IE" sz="5400" spc="-1" strike="noStrike" cap="all">
-                <a:latin typeface="Rockwell Condensed"/>
-              </a:rPr>
-              <a:t>tio</a:t>
-            </a:r>
-            <a:r>
-              <a:rPr b="0" lang="en-IE" sz="5400" spc="-1" strike="noStrike" cap="all">
-                <a:latin typeface="Rockwell Condensed"/>
-              </a:rPr>
-              <a:t>n</a:t>
+              <a:t>Installation</a:t>
             </a:r>
             <a:endParaRPr b="0" lang="en-IE" sz="5400" spc="-1" strike="noStrike">
               <a:latin typeface="Arial"/>
@@ -8539,7 +7907,7 @@
         <p:spPr>
           <a:xfrm>
             <a:off x="1069920" y="2121480"/>
-            <a:ext cx="10057320" cy="4049640"/>
+            <a:ext cx="10056600" cy="4048920"/>
           </a:xfrm>
           <a:prstGeom prst="rect">
             <a:avLst/>
@@ -8685,7 +8053,7 @@
         <p:spPr>
           <a:xfrm>
             <a:off x="1069920" y="484560"/>
-            <a:ext cx="10057320" cy="1608120"/>
+            <a:ext cx="10056600" cy="1607400"/>
           </a:xfrm>
           <a:prstGeom prst="rect">
             <a:avLst/>
@@ -8710,31 +8078,7 @@
               <a:rPr b="0" lang="en-IE" sz="5400" spc="-1" strike="noStrike" cap="all">
                 <a:latin typeface="Rockwell Condensed"/>
               </a:rPr>
-              <a:t>So</a:t>
-            </a:r>
-            <a:r>
-              <a:rPr b="0" lang="en-IE" sz="5400" spc="-1" strike="noStrike" cap="all">
-                <a:latin typeface="Rockwell Condensed"/>
-              </a:rPr>
-              <a:t>me </a:t>
-            </a:r>
-            <a:r>
-              <a:rPr b="0" lang="en-IE" sz="5400" spc="-1" strike="noStrike" cap="all">
-                <a:latin typeface="Rockwell Condensed"/>
-              </a:rPr>
-              <a:t>op</a:t>
-            </a:r>
-            <a:r>
-              <a:rPr b="0" lang="en-IE" sz="5400" spc="-1" strike="noStrike" cap="all">
-                <a:latin typeface="Rockwell Condensed"/>
-              </a:rPr>
-              <a:t>tio</a:t>
-            </a:r>
-            <a:r>
-              <a:rPr b="0" lang="en-IE" sz="5400" spc="-1" strike="noStrike" cap="all">
-                <a:latin typeface="Rockwell Condensed"/>
-              </a:rPr>
-              <a:t>ns</a:t>
+              <a:t>Some options</a:t>
             </a:r>
             <a:endParaRPr b="0" lang="en-IE" sz="5400" spc="-1" strike="noStrike">
               <a:latin typeface="Arial"/>
@@ -8755,7 +8099,7 @@
         <p:spPr>
           <a:xfrm>
             <a:off x="1069920" y="2121480"/>
-            <a:ext cx="10057320" cy="4049640"/>
+            <a:ext cx="10056600" cy="4048920"/>
           </a:xfrm>
           <a:prstGeom prst="rect">
             <a:avLst/>
@@ -9077,7 +8421,7 @@
         <p:spPr>
           <a:xfrm>
             <a:off x="1069920" y="484560"/>
-            <a:ext cx="10057320" cy="1608120"/>
+            <a:ext cx="10056600" cy="1607400"/>
           </a:xfrm>
           <a:prstGeom prst="rect">
             <a:avLst/>
@@ -9102,31 +8446,7 @@
               <a:rPr b="0" lang="en-GB" sz="5400" spc="-1" strike="noStrike" cap="all">
                 <a:latin typeface="Rockwell Condensed"/>
               </a:rPr>
-              <a:t>Th</a:t>
-            </a:r>
-            <a:r>
-              <a:rPr b="0" lang="en-GB" sz="5400" spc="-1" strike="noStrike" cap="all">
-                <a:latin typeface="Rockwell Condensed"/>
-              </a:rPr>
-              <a:t>e </a:t>
-            </a:r>
-            <a:r>
-              <a:rPr b="0" lang="en-GB" sz="5400" spc="-1" strike="noStrike" cap="all">
-                <a:latin typeface="Rockwell Condensed"/>
-              </a:rPr>
-              <a:t>bo</a:t>
-            </a:r>
-            <a:r>
-              <a:rPr b="0" lang="en-GB" sz="5400" spc="-1" strike="noStrike" cap="all">
-                <a:latin typeface="Rockwell Condensed"/>
-              </a:rPr>
-              <a:t>ok </a:t>
-            </a:r>
-            <a:r>
-              <a:rPr b="0" lang="en-GB" sz="5400" spc="-1" strike="noStrike" cap="all">
-                <a:latin typeface="Rockwell Condensed"/>
-              </a:rPr>
-              <a:t>API</a:t>
+              <a:t>The book API</a:t>
             </a:r>
             <a:br>
               <a:rPr sz="5400"/>
@@ -9135,43 +8455,7 @@
               <a:rPr b="0" lang="en-GB" sz="2200" spc="-1" strike="noStrike" cap="all">
                 <a:latin typeface="Rockwell Condensed"/>
               </a:rPr>
-              <a:t>http://a</a:t>
-            </a:r>
-            <a:r>
-              <a:rPr b="0" lang="en-GB" sz="2200" spc="-1" strike="noStrike" cap="all">
-                <a:latin typeface="Rockwell Condensed"/>
-              </a:rPr>
-              <a:t>ndrew</a:t>
-            </a:r>
-            <a:r>
-              <a:rPr b="0" lang="en-GB" sz="2200" spc="-1" strike="noStrike" cap="all">
-                <a:latin typeface="Rockwell Condensed"/>
-              </a:rPr>
-              <a:t>beatty</a:t>
-            </a:r>
-            <a:r>
-              <a:rPr b="0" lang="en-GB" sz="2200" spc="-1" strike="noStrike" cap="all">
-                <a:latin typeface="Rockwell Condensed"/>
-              </a:rPr>
-              <a:t>1.pytho</a:t>
-            </a:r>
-            <a:r>
-              <a:rPr b="0" lang="en-GB" sz="2200" spc="-1" strike="noStrike" cap="all">
-                <a:latin typeface="Rockwell Condensed"/>
-              </a:rPr>
-              <a:t>nanyw</a:t>
-            </a:r>
-            <a:r>
-              <a:rPr b="0" lang="en-GB" sz="2200" spc="-1" strike="noStrike" cap="all">
-                <a:latin typeface="Rockwell Condensed"/>
-              </a:rPr>
-              <a:t>here.c</a:t>
-            </a:r>
-            <a:r>
-              <a:rPr b="0" lang="en-GB" sz="2200" spc="-1" strike="noStrike" cap="all">
-                <a:latin typeface="Rockwell Condensed"/>
-              </a:rPr>
-              <a:t>om</a:t>
+              <a:t>http://andrewbeatty1.pythonanywhere.com</a:t>
             </a:r>
             <a:endParaRPr b="0" lang="en-IE" sz="2200" spc="-1" strike="noStrike">
               <a:latin typeface="Arial"/>
@@ -11663,7 +10947,7 @@
         <p:spPr>
           <a:xfrm>
             <a:off x="1069920" y="484560"/>
-            <a:ext cx="10057320" cy="1608120"/>
+            <a:ext cx="10056600" cy="1607400"/>
           </a:xfrm>
           <a:prstGeom prst="rect">
             <a:avLst/>
@@ -11688,31 +10972,7 @@
               <a:rPr b="0" lang="en-IE" sz="5400" spc="-1" strike="noStrike" cap="all">
                 <a:latin typeface="Rockwell Condensed"/>
               </a:rPr>
-              <a:t>Co</a:t>
-            </a:r>
-            <a:r>
-              <a:rPr b="0" lang="en-IE" sz="5400" spc="-1" strike="noStrike" cap="all">
-                <a:latin typeface="Rockwell Condensed"/>
-              </a:rPr>
-              <a:t>nc</a:t>
-            </a:r>
-            <a:r>
-              <a:rPr b="0" lang="en-IE" sz="5400" spc="-1" strike="noStrike" cap="all">
-                <a:latin typeface="Rockwell Condensed"/>
-              </a:rPr>
-              <a:t>lu</a:t>
-            </a:r>
-            <a:r>
-              <a:rPr b="0" lang="en-IE" sz="5400" spc="-1" strike="noStrike" cap="all">
-                <a:latin typeface="Rockwell Condensed"/>
-              </a:rPr>
-              <a:t>sio</a:t>
-            </a:r>
-            <a:r>
-              <a:rPr b="0" lang="en-IE" sz="5400" spc="-1" strike="noStrike" cap="all">
-                <a:latin typeface="Rockwell Condensed"/>
-              </a:rPr>
-              <a:t>n</a:t>
+              <a:t>Conclusion</a:t>
             </a:r>
             <a:endParaRPr b="0" lang="en-IE" sz="5400" spc="-1" strike="noStrike">
               <a:latin typeface="Arial"/>
@@ -11733,7 +10993,7 @@
         <p:spPr>
           <a:xfrm>
             <a:off x="1069920" y="2121480"/>
-            <a:ext cx="10057320" cy="4049640"/>
+            <a:ext cx="10056600" cy="4048920"/>
           </a:xfrm>
           <a:prstGeom prst="rect">
             <a:avLst/>

--- a/labs/WSAA3.4 Curled.pptx
+++ b/labs/WSAA3.4 Curled.pptx
@@ -299,7 +299,7 @@
             <a:pPr algn="r">
               <a:buNone/>
             </a:pPr>
-            <a:fld id="{EA9F63FB-DA3B-49F7-8B87-5C48BC48D2D3}" type="slidenum">
+            <a:fld id="{6E635A7B-4CB8-4ECE-8BBA-0A0BC99411AE}" type="slidenum">
               <a:rPr b="0" lang="en-IE" sz="1400" spc="-1" strike="noStrike">
                 <a:latin typeface="Times New Roman"/>
               </a:rPr>
@@ -347,7 +347,7 @@
         <p:spPr>
           <a:xfrm>
             <a:off x="216000" y="812520"/>
-            <a:ext cx="7126200" cy="4007880"/>
+            <a:ext cx="7125840" cy="4007520"/>
           </a:xfrm>
           <a:prstGeom prst="rect">
             <a:avLst/>
@@ -370,7 +370,7 @@
         <p:spPr>
           <a:xfrm>
             <a:off x="756000" y="5078520"/>
-            <a:ext cx="6046560" cy="4809960"/>
+            <a:ext cx="6046200" cy="4809600"/>
           </a:xfrm>
           <a:prstGeom prst="rect">
             <a:avLst/>
@@ -475,7 +475,7 @@
         <p:spPr>
           <a:xfrm>
             <a:off x="216000" y="812520"/>
-            <a:ext cx="7126200" cy="4007880"/>
+            <a:ext cx="7125840" cy="4007520"/>
           </a:xfrm>
           <a:prstGeom prst="rect">
             <a:avLst/>
@@ -498,7 +498,7 @@
         <p:spPr>
           <a:xfrm>
             <a:off x="756000" y="5078520"/>
-            <a:ext cx="6046560" cy="4809960"/>
+            <a:ext cx="6046200" cy="4809600"/>
           </a:xfrm>
           <a:prstGeom prst="rect">
             <a:avLst/>
@@ -582,7 +582,7 @@
         <p:spPr>
           <a:xfrm>
             <a:off x="216000" y="812520"/>
-            <a:ext cx="7126200" cy="4007880"/>
+            <a:ext cx="7125840" cy="4007520"/>
           </a:xfrm>
           <a:prstGeom prst="rect">
             <a:avLst/>
@@ -605,7 +605,7 @@
         <p:spPr>
           <a:xfrm>
             <a:off x="225000" y="5078520"/>
-            <a:ext cx="7243920" cy="5540400"/>
+            <a:ext cx="7243560" cy="5540040"/>
           </a:xfrm>
           <a:prstGeom prst="rect">
             <a:avLst/>
@@ -783,7 +783,7 @@
         <p:spPr>
           <a:xfrm>
             <a:off x="216000" y="812520"/>
-            <a:ext cx="7126200" cy="4007880"/>
+            <a:ext cx="7125840" cy="4007520"/>
           </a:xfrm>
           <a:prstGeom prst="rect">
             <a:avLst/>
@@ -806,7 +806,7 @@
         <p:spPr>
           <a:xfrm>
             <a:off x="756000" y="812520"/>
-            <a:ext cx="6046560" cy="9878400"/>
+            <a:ext cx="6046200" cy="9878040"/>
           </a:xfrm>
           <a:prstGeom prst="rect">
             <a:avLst/>
@@ -1285,7 +1285,7 @@
         <p:spPr>
           <a:xfrm>
             <a:off x="216000" y="812520"/>
-            <a:ext cx="7126920" cy="4008600"/>
+            <a:ext cx="7126560" cy="4008240"/>
           </a:xfrm>
           <a:prstGeom prst="rect">
             <a:avLst/>
@@ -1308,7 +1308,7 @@
         <p:spPr>
           <a:xfrm>
             <a:off x="90000" y="5078520"/>
-            <a:ext cx="7379640" cy="5612760"/>
+            <a:ext cx="7379280" cy="5612400"/>
           </a:xfrm>
           <a:prstGeom prst="rect">
             <a:avLst/>
@@ -1328,6 +1328,9 @@
                 <a:spcPct val="100000"/>
               </a:lnSpc>
               <a:buNone/>
+              <a:tabLst>
+                <a:tab algn="l" pos="0"/>
+              </a:tabLst>
             </a:pPr>
             <a:r>
               <a:rPr b="0" lang="en-IE" sz="1300" spc="-1" strike="noStrike">
@@ -1345,6 +1348,9 @@
                 <a:spcPct val="100000"/>
               </a:lnSpc>
               <a:buNone/>
+              <a:tabLst>
+                <a:tab algn="l" pos="0"/>
+              </a:tabLst>
             </a:pPr>
             <a:r>
               <a:rPr b="0" lang="en-IE" sz="1300" spc="-1" strike="noStrike">
@@ -1396,12 +1402,15 @@
                 <a:spcPct val="100000"/>
               </a:lnSpc>
               <a:buNone/>
+              <a:tabLst>
+                <a:tab algn="l" pos="0"/>
+              </a:tabLst>
             </a:pPr>
             <a:r>
               <a:rPr b="0" lang="en-IE" sz="1300" spc="-1" strike="noStrike">
                 <a:latin typeface="Arial"/>
               </a:rPr>
-              <a:t>Not: 403, 503, 451, 201, 204, 400, 404, 300</a:t>
+              <a:t>Not: 403, 503, 451, 201, 204, 400, 404, 300, 408</a:t>
             </a:r>
             <a:endParaRPr b="0" lang="en-IE" sz="1300" spc="-1" strike="noStrike">
               <a:latin typeface="Arial"/>
@@ -1413,12 +1422,15 @@
                 <a:spcPct val="100000"/>
               </a:lnSpc>
               <a:buNone/>
+              <a:tabLst>
+                <a:tab algn="l" pos="0"/>
+              </a:tabLst>
             </a:pPr>
             <a:r>
               <a:rPr b="0" lang="en-IE" sz="1300" spc="-1" strike="noStrike">
                 <a:latin typeface="Arial"/>
               </a:rPr>
-              <a:t>Correct:</a:t>
+              <a:t>Correct:200</a:t>
             </a:r>
             <a:endParaRPr b="0" lang="en-IE" sz="1300" spc="-1" strike="noStrike">
               <a:latin typeface="Arial"/>
@@ -1430,6 +1442,9 @@
                 <a:spcPct val="100000"/>
               </a:lnSpc>
               <a:buNone/>
+              <a:tabLst>
+                <a:tab algn="l" pos="0"/>
+              </a:tabLst>
             </a:pPr>
             <a:endParaRPr b="0" lang="en-IE" sz="1300" spc="-1" strike="noStrike">
               <a:latin typeface="Arial"/>
@@ -1441,6 +1456,9 @@
                 <a:spcPct val="100000"/>
               </a:lnSpc>
               <a:buNone/>
+              <a:tabLst>
+                <a:tab algn="l" pos="0"/>
+              </a:tabLst>
             </a:pPr>
             <a:r>
               <a:rPr b="0" lang="en-IE" sz="1300" spc="-1" strike="noStrike">
@@ -1458,6 +1476,9 @@
                 <a:spcPct val="100000"/>
               </a:lnSpc>
               <a:buNone/>
+              <a:tabLst>
+                <a:tab algn="l" pos="0"/>
+              </a:tabLst>
             </a:pPr>
             <a:r>
               <a:rPr b="0" lang="en-IE" sz="1300" spc="-1" strike="noStrike" u="sng">
@@ -1486,6 +1507,9 @@
                 <a:spcPct val="100000"/>
               </a:lnSpc>
               <a:buNone/>
+              <a:tabLst>
+                <a:tab algn="l" pos="0"/>
+              </a:tabLst>
             </a:pPr>
             <a:r>
               <a:rPr b="0" lang="en-IE" sz="1300" spc="-1" strike="noStrike">
@@ -1503,6 +1527,9 @@
                 <a:spcPct val="100000"/>
               </a:lnSpc>
               <a:buNone/>
+              <a:tabLst>
+                <a:tab algn="l" pos="0"/>
+              </a:tabLst>
             </a:pPr>
             <a:endParaRPr b="0" lang="en-IE" sz="1300" spc="-1" strike="noStrike">
               <a:latin typeface="Arial"/>
@@ -1514,6 +1541,9 @@
                 <a:spcPct val="100000"/>
               </a:lnSpc>
               <a:buNone/>
+              <a:tabLst>
+                <a:tab algn="l" pos="0"/>
+              </a:tabLst>
             </a:pPr>
             <a:r>
               <a:rPr b="0" lang="en-IE" sz="1300" spc="-1" strike="noStrike">
@@ -1531,6 +1561,9 @@
                 <a:spcPct val="100000"/>
               </a:lnSpc>
               <a:buNone/>
+              <a:tabLst>
+                <a:tab algn="l" pos="0"/>
+              </a:tabLst>
             </a:pPr>
             <a:r>
               <a:rPr b="0" lang="en-IE" sz="1300" spc="-1" strike="noStrike" u="sng">
@@ -1559,6 +1592,9 @@
                 <a:spcPct val="100000"/>
               </a:lnSpc>
               <a:buNone/>
+              <a:tabLst>
+                <a:tab algn="l" pos="0"/>
+              </a:tabLst>
             </a:pPr>
             <a:r>
               <a:rPr b="0" lang="en-IE" sz="1300" spc="-1" strike="noStrike">
@@ -1576,6 +1612,9 @@
                 <a:spcPct val="100000"/>
               </a:lnSpc>
               <a:buNone/>
+              <a:tabLst>
+                <a:tab algn="l" pos="0"/>
+              </a:tabLst>
             </a:pPr>
             <a:endParaRPr b="0" lang="en-IE" sz="1300" spc="-1" strike="noStrike">
               <a:latin typeface="Arial"/>
@@ -1587,6 +1626,9 @@
                 <a:spcPct val="100000"/>
               </a:lnSpc>
               <a:buNone/>
+              <a:tabLst>
+                <a:tab algn="l" pos="0"/>
+              </a:tabLst>
             </a:pPr>
             <a:r>
               <a:rPr b="0" lang="en-IE" sz="1300" spc="-1" strike="noStrike">
@@ -1621,6 +1663,9 @@
                 <a:spcPct val="100000"/>
               </a:lnSpc>
               <a:buNone/>
+              <a:tabLst>
+                <a:tab algn="l" pos="0"/>
+              </a:tabLst>
             </a:pPr>
             <a:r>
               <a:rPr b="0" lang="en-IE" sz="1300" spc="-1" strike="noStrike">
@@ -1638,6 +1683,9 @@
                 <a:spcPct val="100000"/>
               </a:lnSpc>
               <a:buNone/>
+              <a:tabLst>
+                <a:tab algn="l" pos="0"/>
+              </a:tabLst>
             </a:pPr>
             <a:r>
               <a:rPr b="0" lang="en-IE" sz="1300" spc="-1" strike="noStrike">
@@ -1655,6 +1703,9 @@
                 <a:spcPct val="100000"/>
               </a:lnSpc>
               <a:buNone/>
+              <a:tabLst>
+                <a:tab algn="l" pos="0"/>
+              </a:tabLst>
             </a:pPr>
             <a:r>
               <a:rPr b="0" lang="en-IE" sz="1300" spc="-1" strike="noStrike">
@@ -1672,6 +1723,9 @@
                 <a:spcPct val="100000"/>
               </a:lnSpc>
               <a:buNone/>
+              <a:tabLst>
+                <a:tab algn="l" pos="0"/>
+              </a:tabLst>
             </a:pPr>
             <a:endParaRPr b="0" lang="en-IE" sz="1300" spc="-1" strike="noStrike">
               <a:latin typeface="Arial"/>
@@ -1735,7 +1789,7 @@
         <p:txBody>
           <a:bodyPr/>
           <a:p>
-            <a:fld id="{019A75D5-C6C2-4C1F-8BB2-8A7C0E8D3E20}" type="slidenum">
+            <a:fld id="{8907E59A-21A2-4DCD-A46D-5394AE3D1E4A}" type="slidenum">
               <a:t>&lt;#&gt;</a:t>
             </a:fld>
           </a:p>
@@ -1923,7 +1977,7 @@
         <p:txBody>
           <a:bodyPr/>
           <a:p>
-            <a:fld id="{2EBB9D4D-BD6E-407A-B69E-76C7E09F8696}" type="slidenum">
+            <a:fld id="{2FCEC1AB-88B5-4478-BED7-01AD62491583}" type="slidenum">
               <a:t>&lt;#&gt;</a:t>
             </a:fld>
           </a:p>
@@ -2179,7 +2233,7 @@
         <p:txBody>
           <a:bodyPr/>
           <a:p>
-            <a:fld id="{1405C06F-D7D0-44D9-AA07-127CE3A570D8}" type="slidenum">
+            <a:fld id="{53EB823C-A888-495F-9AA5-2BADEDCCBC3F}" type="slidenum">
               <a:t>&lt;#&gt;</a:t>
             </a:fld>
           </a:p>
@@ -2503,7 +2557,7 @@
         <p:txBody>
           <a:bodyPr/>
           <a:p>
-            <a:fld id="{FF1D31FA-9A42-4400-9158-C292B373F152}" type="slidenum">
+            <a:fld id="{379DCBAA-5D25-41AE-B9BE-FB58387C1DA3}" type="slidenum">
               <a:t>&lt;#&gt;</a:t>
             </a:fld>
           </a:p>
@@ -2586,7 +2640,7 @@
         <p:txBody>
           <a:bodyPr/>
           <a:p>
-            <a:fld id="{0F07D0F7-55C6-4032-9993-99D96EF3C0FB}" type="slidenum">
+            <a:fld id="{969E75CE-D919-43E9-9D89-882794BA6DE1}" type="slidenum">
               <a:t>&lt;#&gt;</a:t>
             </a:fld>
           </a:p>
@@ -2743,7 +2797,7 @@
         <p:txBody>
           <a:bodyPr/>
           <a:p>
-            <a:fld id="{974016EF-0676-4443-9778-227377990A74}" type="slidenum">
+            <a:fld id="{EAF2D397-9F15-4348-9955-27D08A338BB8}" type="slidenum">
               <a:t>&lt;#&gt;</a:t>
             </a:fld>
           </a:p>
@@ -2897,7 +2951,7 @@
         <p:txBody>
           <a:bodyPr/>
           <a:p>
-            <a:fld id="{C672F8D8-6865-453D-AC05-E2A2C9016A28}" type="slidenum">
+            <a:fld id="{9C9D7E13-6404-4780-B0F4-BE4AEA2EF828}" type="slidenum">
               <a:t>&lt;#&gt;</a:t>
             </a:fld>
           </a:p>
@@ -3085,7 +3139,7 @@
         <p:txBody>
           <a:bodyPr/>
           <a:p>
-            <a:fld id="{BD182826-AD3F-44B1-BA97-74BB3D7A1E7C}" type="slidenum">
+            <a:fld id="{44124C4F-991C-4763-B4BF-A841B9489BAC}" type="slidenum">
               <a:t>&lt;#&gt;</a:t>
             </a:fld>
           </a:p>
@@ -3205,7 +3259,7 @@
         <p:txBody>
           <a:bodyPr/>
           <a:p>
-            <a:fld id="{15C5654B-0980-4BEE-A935-C693E66E2C45}" type="slidenum">
+            <a:fld id="{4BF305B6-4E61-458D-A109-D704B2CCE3B0}" type="slidenum">
               <a:t>&lt;#&gt;</a:t>
             </a:fld>
           </a:p>
@@ -3325,7 +3379,7 @@
         <p:txBody>
           <a:bodyPr/>
           <a:p>
-            <a:fld id="{2F05D48C-50A5-4D90-A950-B0CB0AFBD03A}" type="slidenum">
+            <a:fld id="{F67065E0-D723-44BC-A24D-03A88ABE2099}" type="slidenum">
               <a:t>&lt;#&gt;</a:t>
             </a:fld>
           </a:p>
@@ -3547,7 +3601,7 @@
         <p:txBody>
           <a:bodyPr/>
           <a:p>
-            <a:fld id="{FFE0016A-7B0F-41C6-9B53-510F958AECC7}" type="slidenum">
+            <a:fld id="{8AF5DD5D-69E2-42BE-B920-04C298ABF0D4}" type="slidenum">
               <a:t>&lt;#&gt;</a:t>
             </a:fld>
           </a:p>
@@ -3704,7 +3758,7 @@
         <p:txBody>
           <a:bodyPr/>
           <a:p>
-            <a:fld id="{1652FB67-1E2B-4120-86FE-FEF9E65D549F}" type="slidenum">
+            <a:fld id="{D6E62D46-C130-4EDC-BB76-4448FC2BEBFA}" type="slidenum">
               <a:t>&lt;#&gt;</a:t>
             </a:fld>
           </a:p>
@@ -3926,7 +3980,7 @@
         <p:txBody>
           <a:bodyPr/>
           <a:p>
-            <a:fld id="{C6D18D61-4DD0-4519-B473-C4B90020BE2C}" type="slidenum">
+            <a:fld id="{FB4AA293-D45D-46AF-A74A-DC2FDFFCD33E}" type="slidenum">
               <a:t>&lt;#&gt;</a:t>
             </a:fld>
           </a:p>
@@ -4148,7 +4202,7 @@
         <p:txBody>
           <a:bodyPr/>
           <a:p>
-            <a:fld id="{30F4FEE9-816A-4C4C-8BAC-1FDDE49D7FFD}" type="slidenum">
+            <a:fld id="{0D5EAC9E-3A2C-4524-ACE7-954024D42EF9}" type="slidenum">
               <a:t>&lt;#&gt;</a:t>
             </a:fld>
           </a:p>
@@ -4336,7 +4390,7 @@
         <p:txBody>
           <a:bodyPr/>
           <a:p>
-            <a:fld id="{B3ABD138-C7E4-4E5F-A165-7DB451558381}" type="slidenum">
+            <a:fld id="{55490114-E83D-4889-A66F-9B26C671213C}" type="slidenum">
               <a:t>&lt;#&gt;</a:t>
             </a:fld>
           </a:p>
@@ -4592,7 +4646,7 @@
         <p:txBody>
           <a:bodyPr/>
           <a:p>
-            <a:fld id="{81372D62-54E5-4312-8CB9-C3DD1B547237}" type="slidenum">
+            <a:fld id="{86EA793B-3809-4458-B100-76FC7A64F512}" type="slidenum">
               <a:t>&lt;#&gt;</a:t>
             </a:fld>
           </a:p>
@@ -4916,7 +4970,7 @@
         <p:txBody>
           <a:bodyPr/>
           <a:p>
-            <a:fld id="{6946A821-3F65-4B95-AD08-F7BD080B7C0C}" type="slidenum">
+            <a:fld id="{18E4FF33-8CE2-4108-9286-1AB17AADC554}" type="slidenum">
               <a:t>&lt;#&gt;</a:t>
             </a:fld>
           </a:p>
@@ -5070,7 +5124,7 @@
         <p:txBody>
           <a:bodyPr/>
           <a:p>
-            <a:fld id="{17C1E654-773B-43DB-97CD-472250F2E848}" type="slidenum">
+            <a:fld id="{9F7E303E-AAB1-441F-9273-D2343A3CB2D1}" type="slidenum">
               <a:t>&lt;#&gt;</a:t>
             </a:fld>
           </a:p>
@@ -5258,7 +5312,7 @@
         <p:txBody>
           <a:bodyPr/>
           <a:p>
-            <a:fld id="{D7E6D50B-FA5B-4A4B-A950-2B6A0E7FC271}" type="slidenum">
+            <a:fld id="{11F0F7CD-C3D1-4E6A-B24C-6DC473CB4375}" type="slidenum">
               <a:t>&lt;#&gt;</a:t>
             </a:fld>
           </a:p>
@@ -5378,7 +5432,7 @@
         <p:txBody>
           <a:bodyPr/>
           <a:p>
-            <a:fld id="{7074D147-6BE9-4B88-9806-AC2ED7FEA14F}" type="slidenum">
+            <a:fld id="{C2943B00-FE8A-4E95-BE0E-11B0D94C3B52}" type="slidenum">
               <a:t>&lt;#&gt;</a:t>
             </a:fld>
           </a:p>
@@ -5498,7 +5552,7 @@
         <p:txBody>
           <a:bodyPr/>
           <a:p>
-            <a:fld id="{E0643AAB-1F89-4C82-8385-52DB5107298B}" type="slidenum">
+            <a:fld id="{7C8784BC-D4F7-4D4E-94E6-F808CBF2EE87}" type="slidenum">
               <a:t>&lt;#&gt;</a:t>
             </a:fld>
           </a:p>
@@ -5720,7 +5774,7 @@
         <p:txBody>
           <a:bodyPr/>
           <a:p>
-            <a:fld id="{F110CAD0-D436-4F15-AA27-99F4B6548110}" type="slidenum">
+            <a:fld id="{FAE14461-C52E-4F4D-BDF4-EC8339D3C2A9}" type="slidenum">
               <a:t>&lt;#&gt;</a:t>
             </a:fld>
           </a:p>
@@ -5942,7 +5996,7 @@
         <p:txBody>
           <a:bodyPr/>
           <a:p>
-            <a:fld id="{94272C10-AD5A-4EFB-B7B4-37479F5A0884}" type="slidenum">
+            <a:fld id="{6E8F0542-7F50-4686-9811-11D7E6E13CF7}" type="slidenum">
               <a:t>&lt;#&gt;</a:t>
             </a:fld>
           </a:p>
@@ -6164,7 +6218,7 @@
         <p:txBody>
           <a:bodyPr/>
           <a:p>
-            <a:fld id="{BA55800B-B4C5-4D15-8D44-6B5B40C6101F}" type="slidenum">
+            <a:fld id="{3ACE9B2D-5907-4989-8A05-1CD16081D8CF}" type="slidenum">
               <a:t>&lt;#&gt;</a:t>
             </a:fld>
           </a:p>
@@ -6229,9 +6283,9 @@
         <p:grpSpPr>
           <a:xfrm>
             <a:off x="11401560" y="6229800"/>
-            <a:ext cx="455400" cy="455400"/>
+            <a:ext cx="455040" cy="455040"/>
             <a:chOff x="11401560" y="6229800"/>
-            <a:chExt cx="455400" cy="455400"/>
+            <a:chExt cx="455040" cy="455040"/>
           </a:xfrm>
         </p:grpSpPr>
         <p:sp>
@@ -6243,7 +6297,7 @@
           <p:spPr>
             <a:xfrm>
               <a:off x="11401560" y="6229800"/>
-              <a:ext cx="455400" cy="455400"/>
+              <a:ext cx="455040" cy="455040"/>
             </a:xfrm>
             <a:prstGeom prst="ellipse">
               <a:avLst/>
@@ -6273,7 +6327,7 @@
           <p:spPr>
             <a:xfrm>
               <a:off x="11431080" y="6258960"/>
-              <a:ext cx="397080" cy="397080"/>
+              <a:ext cx="396720" cy="396720"/>
             </a:xfrm>
             <a:prstGeom prst="ellipse">
               <a:avLst/>
@@ -6303,7 +6357,7 @@
         <p:spPr>
           <a:xfrm>
             <a:off x="920880" y="1347120"/>
-            <a:ext cx="10221120" cy="78840"/>
+            <a:ext cx="10220760" cy="78480"/>
           </a:xfrm>
           <a:prstGeom prst="rect">
             <a:avLst/>
@@ -6343,7 +6397,7 @@
         <p:spPr>
           <a:xfrm>
             <a:off x="920880" y="4299840"/>
-            <a:ext cx="10221120" cy="78840"/>
+            <a:ext cx="10220760" cy="78480"/>
           </a:xfrm>
           <a:prstGeom prst="rect">
             <a:avLst/>
@@ -6383,7 +6437,7 @@
         <p:spPr>
           <a:xfrm>
             <a:off x="920880" y="1484640"/>
-            <a:ext cx="10221120" cy="2741400"/>
+            <a:ext cx="10220760" cy="2741040"/>
           </a:xfrm>
           <a:prstGeom prst="rect">
             <a:avLst/>
@@ -6423,9 +6477,9 @@
         <p:grpSpPr>
           <a:xfrm>
             <a:off x="9649080" y="4069080"/>
-            <a:ext cx="1079280" cy="1079280"/>
+            <a:ext cx="1078920" cy="1078920"/>
             <a:chOff x="9649080" y="4069080"/>
-            <a:chExt cx="1079280" cy="1079280"/>
+            <a:chExt cx="1078920" cy="1078920"/>
           </a:xfrm>
         </p:grpSpPr>
         <p:sp>
@@ -6437,7 +6491,7 @@
           <p:spPr>
             <a:xfrm>
               <a:off x="9649080" y="4069080"/>
-              <a:ext cx="1079280" cy="1079280"/>
+              <a:ext cx="1078920" cy="1078920"/>
             </a:xfrm>
             <a:prstGeom prst="ellipse">
               <a:avLst/>
@@ -6467,7 +6521,7 @@
           <p:spPr>
             <a:xfrm>
               <a:off x="9757440" y="4177080"/>
-              <a:ext cx="862920" cy="862920"/>
+              <a:ext cx="862560" cy="862560"/>
             </a:xfrm>
             <a:prstGeom prst="ellipse">
               <a:avLst/>
@@ -6501,7 +6555,7 @@
         <p:spPr>
           <a:xfrm>
             <a:off x="1088280" y="6272640"/>
-            <a:ext cx="6325920" cy="363240"/>
+            <a:ext cx="6325560" cy="362880"/>
           </a:xfrm>
           <a:prstGeom prst="rect">
             <a:avLst/>
@@ -6558,7 +6612,7 @@
         <p:spPr>
           <a:xfrm>
             <a:off x="9592560" y="4289400"/>
-            <a:ext cx="1191960" cy="638280"/>
+            <a:ext cx="1191600" cy="637920"/>
           </a:xfrm>
           <a:prstGeom prst="rect">
             <a:avLst/>
@@ -6593,7 +6647,7 @@
               </a:lnSpc>
               <a:buNone/>
             </a:pPr>
-            <a:fld id="{917D1672-F806-4795-B3E9-AA2394886F8D}" type="slidenum">
+            <a:fld id="{DC4E2188-3EAB-4869-9DF1-37694B00CD08}" type="slidenum">
               <a:rPr b="1" lang="en-US" sz="2800" spc="-1" strike="noStrike">
                 <a:solidFill>
                   <a:srgbClr val="ffffff"/>
@@ -6621,7 +6675,7 @@
         <p:spPr>
           <a:xfrm>
             <a:off x="7964280" y="6272640"/>
-            <a:ext cx="3271680" cy="363240"/>
+            <a:ext cx="3271320" cy="362880"/>
           </a:xfrm>
           <a:prstGeom prst="rect">
             <a:avLst/>
@@ -6934,9 +6988,9 @@
         <p:grpSpPr>
           <a:xfrm>
             <a:off x="11401560" y="6229800"/>
-            <a:ext cx="455400" cy="455400"/>
+            <a:ext cx="455040" cy="455040"/>
             <a:chOff x="11401560" y="6229800"/>
-            <a:chExt cx="455400" cy="455400"/>
+            <a:chExt cx="455040" cy="455040"/>
           </a:xfrm>
         </p:grpSpPr>
         <p:sp>
@@ -6948,7 +7002,7 @@
           <p:spPr>
             <a:xfrm>
               <a:off x="11401560" y="6229800"/>
-              <a:ext cx="455400" cy="455400"/>
+              <a:ext cx="455040" cy="455040"/>
             </a:xfrm>
             <a:prstGeom prst="ellipse">
               <a:avLst/>
@@ -6978,7 +7032,7 @@
           <p:spPr>
             <a:xfrm>
               <a:off x="11431080" y="6258960"/>
-              <a:ext cx="397080" cy="397080"/>
+              <a:ext cx="396720" cy="396720"/>
             </a:xfrm>
             <a:prstGeom prst="ellipse">
               <a:avLst/>
@@ -7012,7 +7066,7 @@
         <p:spPr>
           <a:xfrm>
             <a:off x="1088280" y="6272640"/>
-            <a:ext cx="6325920" cy="363240"/>
+            <a:ext cx="6325560" cy="362880"/>
           </a:xfrm>
           <a:prstGeom prst="rect">
             <a:avLst/>
@@ -7069,7 +7123,7 @@
         <p:spPr>
           <a:xfrm>
             <a:off x="11311200" y="6272640"/>
-            <a:ext cx="638280" cy="363240"/>
+            <a:ext cx="637920" cy="362880"/>
           </a:xfrm>
           <a:prstGeom prst="rect">
             <a:avLst/>
@@ -7104,7 +7158,7 @@
               </a:lnSpc>
               <a:buNone/>
             </a:pPr>
-            <a:fld id="{6FD1CB2F-9A61-439C-A001-3137F5B8CEB7}" type="slidenum">
+            <a:fld id="{86700CDA-E664-4F0B-8FC4-E90C6F30F626}" type="slidenum">
               <a:rPr b="1" lang="en-US" sz="1400" spc="-1" strike="noStrike">
                 <a:solidFill>
                   <a:srgbClr val="ffffff"/>
@@ -7132,7 +7186,7 @@
         <p:spPr>
           <a:xfrm>
             <a:off x="7964280" y="6272640"/>
-            <a:ext cx="3271680" cy="363240"/>
+            <a:ext cx="3271320" cy="362880"/>
           </a:xfrm>
           <a:prstGeom prst="rect">
             <a:avLst/>
@@ -7442,7 +7496,7 @@
         <p:spPr>
           <a:xfrm>
             <a:off x="1051560" y="1432080"/>
-            <a:ext cx="9965160" cy="3034080"/>
+            <a:ext cx="9964800" cy="3033720"/>
           </a:xfrm>
           <a:prstGeom prst="rect">
             <a:avLst/>
@@ -7488,7 +7542,7 @@
         <p:spPr>
           <a:xfrm>
             <a:off x="1069920" y="4389120"/>
-            <a:ext cx="7889400" cy="1068120"/>
+            <a:ext cx="7889040" cy="1067760"/>
           </a:xfrm>
           <a:prstGeom prst="rect">
             <a:avLst/>
@@ -7601,7 +7655,7 @@
         <p:spPr>
           <a:xfrm>
             <a:off x="1069920" y="484560"/>
-            <a:ext cx="10056600" cy="1607400"/>
+            <a:ext cx="10056240" cy="1607040"/>
           </a:xfrm>
           <a:prstGeom prst="rect">
             <a:avLst/>
@@ -7647,7 +7701,7 @@
         <p:spPr>
           <a:xfrm>
             <a:off x="1069920" y="2121480"/>
-            <a:ext cx="10056600" cy="4048920"/>
+            <a:ext cx="10056240" cy="4048560"/>
           </a:xfrm>
           <a:prstGeom prst="rect">
             <a:avLst/>
@@ -7861,7 +7915,7 @@
         <p:spPr>
           <a:xfrm>
             <a:off x="1069920" y="484560"/>
-            <a:ext cx="10056600" cy="1607400"/>
+            <a:ext cx="10056240" cy="1607040"/>
           </a:xfrm>
           <a:prstGeom prst="rect">
             <a:avLst/>
@@ -7907,7 +7961,7 @@
         <p:spPr>
           <a:xfrm>
             <a:off x="1069920" y="2121480"/>
-            <a:ext cx="10056600" cy="4048920"/>
+            <a:ext cx="10056240" cy="4048560"/>
           </a:xfrm>
           <a:prstGeom prst="rect">
             <a:avLst/>
@@ -8053,7 +8107,7 @@
         <p:spPr>
           <a:xfrm>
             <a:off x="1069920" y="484560"/>
-            <a:ext cx="10056600" cy="1607400"/>
+            <a:ext cx="10056240" cy="1607040"/>
           </a:xfrm>
           <a:prstGeom prst="rect">
             <a:avLst/>
@@ -8099,7 +8153,7 @@
         <p:spPr>
           <a:xfrm>
             <a:off x="1069920" y="2121480"/>
-            <a:ext cx="10056600" cy="4048920"/>
+            <a:ext cx="10056240" cy="4048560"/>
           </a:xfrm>
           <a:prstGeom prst="rect">
             <a:avLst/>
@@ -8421,7 +8475,7 @@
         <p:spPr>
           <a:xfrm>
             <a:off x="1069920" y="484560"/>
-            <a:ext cx="10056600" cy="1607400"/>
+            <a:ext cx="10056240" cy="1607040"/>
           </a:xfrm>
           <a:prstGeom prst="rect">
             <a:avLst/>
@@ -10947,7 +11001,7 @@
         <p:spPr>
           <a:xfrm>
             <a:off x="1069920" y="484560"/>
-            <a:ext cx="10056600" cy="1607400"/>
+            <a:ext cx="10056240" cy="1607040"/>
           </a:xfrm>
           <a:prstGeom prst="rect">
             <a:avLst/>
@@ -10993,7 +11047,7 @@
         <p:spPr>
           <a:xfrm>
             <a:off x="1069920" y="2121480"/>
-            <a:ext cx="10056600" cy="4048920"/>
+            <a:ext cx="10056240" cy="4048560"/>
           </a:xfrm>
           <a:prstGeom prst="rect">
             <a:avLst/>

--- a/labs/WSAA3.4 Curled.pptx
+++ b/labs/WSAA3.4 Curled.pptx
@@ -299,7 +299,7 @@
             <a:pPr algn="r">
               <a:buNone/>
             </a:pPr>
-            <a:fld id="{6E635A7B-4CB8-4ECE-8BBA-0A0BC99411AE}" type="slidenum">
+            <a:fld id="{26F89612-CB81-49E3-AE9C-7F661C714AC3}" type="slidenum">
               <a:rPr b="0" lang="en-IE" sz="1400" spc="-1" strike="noStrike">
                 <a:latin typeface="Times New Roman"/>
               </a:rPr>
@@ -347,7 +347,7 @@
         <p:spPr>
           <a:xfrm>
             <a:off x="216000" y="812520"/>
-            <a:ext cx="7125840" cy="4007520"/>
+            <a:ext cx="7125480" cy="4007160"/>
           </a:xfrm>
           <a:prstGeom prst="rect">
             <a:avLst/>
@@ -370,7 +370,7 @@
         <p:spPr>
           <a:xfrm>
             <a:off x="756000" y="5078520"/>
-            <a:ext cx="6046200" cy="4809600"/>
+            <a:ext cx="6045840" cy="4809240"/>
           </a:xfrm>
           <a:prstGeom prst="rect">
             <a:avLst/>
@@ -398,7 +398,133 @@
               <a:rPr b="0" lang="en-IE" sz="2000" spc="-1" strike="noStrike">
                 <a:latin typeface="Arial"/>
               </a:rPr>
-              <a:t>Curl is a built-in application on your basic Windows 10 and Windows Live machines, and it's built into Mac. You can download it if you want. It's basically command line URLs. It allows you to send Gets and Posts up to URLs and see what the responses are. This is handy for debugging the Restful API. The way I would actually probably normally do it is with Postman, and I'll show you in the practical bit how you do Postman.</a:t>
+              <a:t>Curl is a built-in </a:t>
+            </a:r>
+            <a:r>
+              <a:rPr b="0" lang="en-IE" sz="2000" spc="-1" strike="noStrike">
+                <a:latin typeface="Arial"/>
+              </a:rPr>
+              <a:t>application on your </a:t>
+            </a:r>
+            <a:r>
+              <a:rPr b="0" lang="en-IE" sz="2000" spc="-1" strike="noStrike">
+                <a:latin typeface="Arial"/>
+              </a:rPr>
+              <a:t>basic Windows 10 </a:t>
+            </a:r>
+            <a:r>
+              <a:rPr b="0" lang="en-IE" sz="2000" spc="-1" strike="noStrike">
+                <a:latin typeface="Arial"/>
+              </a:rPr>
+              <a:t>and Windows Live </a:t>
+            </a:r>
+            <a:r>
+              <a:rPr b="0" lang="en-IE" sz="2000" spc="-1" strike="noStrike">
+                <a:latin typeface="Arial"/>
+              </a:rPr>
+              <a:t>machines, and it's </a:t>
+            </a:r>
+            <a:r>
+              <a:rPr b="0" lang="en-IE" sz="2000" spc="-1" strike="noStrike">
+                <a:latin typeface="Arial"/>
+              </a:rPr>
+              <a:t>built into Mac. You </a:t>
+            </a:r>
+            <a:r>
+              <a:rPr b="0" lang="en-IE" sz="2000" spc="-1" strike="noStrike">
+                <a:latin typeface="Arial"/>
+              </a:rPr>
+              <a:t>can download it if you </a:t>
+            </a:r>
+            <a:r>
+              <a:rPr b="0" lang="en-IE" sz="2000" spc="-1" strike="noStrike">
+                <a:latin typeface="Arial"/>
+              </a:rPr>
+              <a:t>want. It's basically </a:t>
+            </a:r>
+            <a:r>
+              <a:rPr b="0" lang="en-IE" sz="2000" spc="-1" strike="noStrike">
+                <a:latin typeface="Arial"/>
+              </a:rPr>
+              <a:t>command line URLs. </a:t>
+            </a:r>
+            <a:r>
+              <a:rPr b="0" lang="en-IE" sz="2000" spc="-1" strike="noStrike">
+                <a:latin typeface="Arial"/>
+              </a:rPr>
+              <a:t>It allows you to send </a:t>
+            </a:r>
+            <a:r>
+              <a:rPr b="0" lang="en-IE" sz="2000" spc="-1" strike="noStrike">
+                <a:latin typeface="Arial"/>
+              </a:rPr>
+              <a:t>Gets and Posts up to </a:t>
+            </a:r>
+            <a:r>
+              <a:rPr b="0" lang="en-IE" sz="2000" spc="-1" strike="noStrike">
+                <a:latin typeface="Arial"/>
+              </a:rPr>
+              <a:t>URLs and see what </a:t>
+            </a:r>
+            <a:r>
+              <a:rPr b="0" lang="en-IE" sz="2000" spc="-1" strike="noStrike">
+                <a:latin typeface="Arial"/>
+              </a:rPr>
+              <a:t>the responses are. </a:t>
+            </a:r>
+            <a:r>
+              <a:rPr b="0" lang="en-IE" sz="2000" spc="-1" strike="noStrike">
+                <a:latin typeface="Arial"/>
+              </a:rPr>
+              <a:t>This is handy for </a:t>
+            </a:r>
+            <a:r>
+              <a:rPr b="0" lang="en-IE" sz="2000" spc="-1" strike="noStrike">
+                <a:latin typeface="Arial"/>
+              </a:rPr>
+              <a:t>debugging the Restful </a:t>
+            </a:r>
+            <a:r>
+              <a:rPr b="0" lang="en-IE" sz="2000" spc="-1" strike="noStrike">
+                <a:latin typeface="Arial"/>
+              </a:rPr>
+              <a:t>API. The way I would </a:t>
+            </a:r>
+            <a:r>
+              <a:rPr b="0" lang="en-IE" sz="2000" spc="-1" strike="noStrike">
+                <a:latin typeface="Arial"/>
+              </a:rPr>
+              <a:t>actually probably </a:t>
+            </a:r>
+            <a:r>
+              <a:rPr b="0" lang="en-IE" sz="2000" spc="-1" strike="noStrike">
+                <a:latin typeface="Arial"/>
+              </a:rPr>
+              <a:t>normally do it is with </a:t>
+            </a:r>
+            <a:r>
+              <a:rPr b="0" lang="en-IE" sz="2000" spc="-1" strike="noStrike">
+                <a:latin typeface="Arial"/>
+              </a:rPr>
+              <a:t>Postman, and I'll </a:t>
+            </a:r>
+            <a:r>
+              <a:rPr b="0" lang="en-IE" sz="2000" spc="-1" strike="noStrike">
+                <a:latin typeface="Arial"/>
+              </a:rPr>
+              <a:t>show you in the </a:t>
+            </a:r>
+            <a:r>
+              <a:rPr b="0" lang="en-IE" sz="2000" spc="-1" strike="noStrike">
+                <a:latin typeface="Arial"/>
+              </a:rPr>
+              <a:t>practical bit how you </a:t>
+            </a:r>
+            <a:r>
+              <a:rPr b="0" lang="en-IE" sz="2000" spc="-1" strike="noStrike">
+                <a:latin typeface="Arial"/>
+              </a:rPr>
+              <a:t>do Postman.</a:t>
             </a:r>
             <a:endParaRPr b="0" lang="en-IE" sz="2000" spc="-1" strike="noStrike">
               <a:latin typeface="Arial"/>
@@ -432,8 +558,134 @@
               <a:rPr b="0" lang="en-IE" sz="2000" spc="-1" strike="noStrike">
                 <a:latin typeface="Arial"/>
               </a:rPr>
-              <a:t>It means you can save some of the requests and you can then test your APIs to check that the APIs are doing what you expect them to do. Alternatively, you can just programme it up with Python And debug it your API through Python. </a:t>
-            </a:r>
+              <a:t>It means you can save </a:t>
+            </a:r>
+            <a:r>
+              <a:rPr b="0" lang="en-IE" sz="2000" spc="-1" strike="noStrike">
+                <a:latin typeface="Arial"/>
+              </a:rPr>
+              <a:t>some of the requests </a:t>
+            </a:r>
+            <a:r>
+              <a:rPr b="0" lang="en-IE" sz="2000" spc="-1" strike="noStrike">
+                <a:latin typeface="Arial"/>
+              </a:rPr>
+              <a:t>and you can then test </a:t>
+            </a:r>
+            <a:r>
+              <a:rPr b="0" lang="en-IE" sz="2000" spc="-1" strike="noStrike">
+                <a:latin typeface="Arial"/>
+              </a:rPr>
+              <a:t>your APIs to check </a:t>
+            </a:r>
+            <a:r>
+              <a:rPr b="0" lang="en-IE" sz="2000" spc="-1" strike="noStrike">
+                <a:latin typeface="Arial"/>
+              </a:rPr>
+              <a:t>that the APIs are </a:t>
+            </a:r>
+            <a:r>
+              <a:rPr b="0" lang="en-IE" sz="2000" spc="-1" strike="noStrike">
+                <a:latin typeface="Arial"/>
+              </a:rPr>
+              <a:t>doing what you </a:t>
+            </a:r>
+            <a:r>
+              <a:rPr b="0" lang="en-IE" sz="2000" spc="-1" strike="noStrike">
+                <a:latin typeface="Arial"/>
+              </a:rPr>
+              <a:t>expect them to do. </a:t>
+            </a:r>
+            <a:r>
+              <a:rPr b="0" lang="en-IE" sz="2000" spc="-1" strike="noStrike">
+                <a:latin typeface="Arial"/>
+              </a:rPr>
+              <a:t>Alternatively, you can </a:t>
+            </a:r>
+            <a:r>
+              <a:rPr b="0" lang="en-IE" sz="2000" spc="-1" strike="noStrike">
+                <a:latin typeface="Arial"/>
+              </a:rPr>
+              <a:t>just programme it up </a:t>
+            </a:r>
+            <a:r>
+              <a:rPr b="0" lang="en-IE" sz="2000" spc="-1" strike="noStrike">
+                <a:latin typeface="Arial"/>
+              </a:rPr>
+              <a:t>with Python And </a:t>
+            </a:r>
+            <a:r>
+              <a:rPr b="0" lang="en-IE" sz="2000" spc="-1" strike="noStrike">
+                <a:latin typeface="Arial"/>
+              </a:rPr>
+              <a:t>debug it your API </a:t>
+            </a:r>
+            <a:r>
+              <a:rPr b="0" lang="en-IE" sz="2000" spc="-1" strike="noStrike">
+                <a:latin typeface="Arial"/>
+              </a:rPr>
+              <a:t>through Python. </a:t>
+            </a:r>
+            <a:endParaRPr b="0" lang="en-IE" sz="2000" spc="-1" strike="noStrike">
+              <a:latin typeface="Arial"/>
+            </a:endParaRPr>
+          </a:p>
+          <a:p>
+            <a:pPr marL="216000" indent="-216000">
+              <a:lnSpc>
+                <a:spcPct val="100000"/>
+              </a:lnSpc>
+              <a:buNone/>
+              <a:tabLst>
+                <a:tab algn="l" pos="0"/>
+              </a:tabLst>
+            </a:pPr>
+            <a:endParaRPr b="0" lang="en-IE" sz="2000" spc="-1" strike="noStrike">
+              <a:latin typeface="Arial"/>
+            </a:endParaRPr>
+          </a:p>
+          <a:p>
+            <a:pPr marL="216000" indent="-216000">
+              <a:lnSpc>
+                <a:spcPct val="100000"/>
+              </a:lnSpc>
+              <a:buNone/>
+              <a:tabLst>
+                <a:tab algn="l" pos="0"/>
+              </a:tabLst>
+            </a:pPr>
+            <a:r>
+              <a:rPr b="0" lang="en-IE" sz="2000" spc="-1" strike="noStrike">
+                <a:latin typeface="Arial"/>
+              </a:rPr>
+              <a:t>Using Curl and </a:t>
+            </a:r>
+            <a:r>
+              <a:rPr b="0" lang="en-IE" sz="2000" spc="-1" strike="noStrike">
+                <a:latin typeface="Arial"/>
+              </a:rPr>
+              <a:t>Postman to test and </a:t>
+            </a:r>
+            <a:r>
+              <a:rPr b="0" lang="en-IE" sz="2000" spc="-1" strike="noStrike">
+                <a:latin typeface="Arial"/>
+              </a:rPr>
+              <a:t>debug HTTP</a:t>
+            </a:r>
+            <a:endParaRPr b="0" lang="en-IE" sz="2000" spc="-1" strike="noStrike">
+              <a:latin typeface="Arial"/>
+            </a:endParaRPr>
+          </a:p>
+          <a:p>
+            <a:pPr marL="216000" indent="-216000">
+              <a:lnSpc>
+                <a:spcPct val="100000"/>
+              </a:lnSpc>
+              <a:buNone/>
+              <a:tabLst>
+                <a:tab algn="l" pos="0"/>
+              </a:tabLst>
+            </a:pPr>
             <a:endParaRPr b="0" lang="en-IE" sz="2000" spc="-1" strike="noStrike">
               <a:latin typeface="Arial"/>
             </a:endParaRPr>
@@ -475,7 +727,7 @@
         <p:spPr>
           <a:xfrm>
             <a:off x="216000" y="812520"/>
-            <a:ext cx="7125840" cy="4007520"/>
+            <a:ext cx="7125480" cy="4007160"/>
           </a:xfrm>
           <a:prstGeom prst="rect">
             <a:avLst/>
@@ -498,7 +750,7 @@
         <p:spPr>
           <a:xfrm>
             <a:off x="756000" y="5078520"/>
-            <a:ext cx="6046200" cy="4809600"/>
+            <a:ext cx="6045840" cy="4809240"/>
           </a:xfrm>
           <a:prstGeom prst="rect">
             <a:avLst/>
@@ -582,7 +834,7 @@
         <p:spPr>
           <a:xfrm>
             <a:off x="216000" y="812520"/>
-            <a:ext cx="7125840" cy="4007520"/>
+            <a:ext cx="7125480" cy="4007160"/>
           </a:xfrm>
           <a:prstGeom prst="rect">
             <a:avLst/>
@@ -605,7 +857,7 @@
         <p:spPr>
           <a:xfrm>
             <a:off x="225000" y="5078520"/>
-            <a:ext cx="7243560" cy="5540040"/>
+            <a:ext cx="7243200" cy="5539680"/>
           </a:xfrm>
           <a:prstGeom prst="rect">
             <a:avLst/>
@@ -783,7 +1035,7 @@
         <p:spPr>
           <a:xfrm>
             <a:off x="216000" y="812520"/>
-            <a:ext cx="7125840" cy="4007520"/>
+            <a:ext cx="7125480" cy="4007160"/>
           </a:xfrm>
           <a:prstGeom prst="rect">
             <a:avLst/>
@@ -806,7 +1058,7 @@
         <p:spPr>
           <a:xfrm>
             <a:off x="756000" y="812520"/>
-            <a:ext cx="6046200" cy="9878040"/>
+            <a:ext cx="6045840" cy="9877680"/>
           </a:xfrm>
           <a:prstGeom prst="rect">
             <a:avLst/>
@@ -1285,7 +1537,7 @@
         <p:spPr>
           <a:xfrm>
             <a:off x="216000" y="812520"/>
-            <a:ext cx="7126560" cy="4008240"/>
+            <a:ext cx="7126200" cy="4007880"/>
           </a:xfrm>
           <a:prstGeom prst="rect">
             <a:avLst/>
@@ -1308,7 +1560,7 @@
         <p:spPr>
           <a:xfrm>
             <a:off x="90000" y="5078520"/>
-            <a:ext cx="7379280" cy="5612400"/>
+            <a:ext cx="7378920" cy="5612040"/>
           </a:xfrm>
           <a:prstGeom prst="rect">
             <a:avLst/>
@@ -1789,7 +2041,7 @@
         <p:txBody>
           <a:bodyPr/>
           <a:p>
-            <a:fld id="{8907E59A-21A2-4DCD-A46D-5394AE3D1E4A}" type="slidenum">
+            <a:fld id="{89362AAA-3DFB-4E58-B0DF-5B0CA0F07644}" type="slidenum">
               <a:t>&lt;#&gt;</a:t>
             </a:fld>
           </a:p>
@@ -1977,7 +2229,7 @@
         <p:txBody>
           <a:bodyPr/>
           <a:p>
-            <a:fld id="{2FCEC1AB-88B5-4478-BED7-01AD62491583}" type="slidenum">
+            <a:fld id="{D6D89FD3-8972-48FA-A951-5C72C87E541F}" type="slidenum">
               <a:t>&lt;#&gt;</a:t>
             </a:fld>
           </a:p>
@@ -2233,7 +2485,7 @@
         <p:txBody>
           <a:bodyPr/>
           <a:p>
-            <a:fld id="{53EB823C-A888-495F-9AA5-2BADEDCCBC3F}" type="slidenum">
+            <a:fld id="{2F69BFE0-642E-4E04-82E0-052C89798060}" type="slidenum">
               <a:t>&lt;#&gt;</a:t>
             </a:fld>
           </a:p>
@@ -2557,7 +2809,7 @@
         <p:txBody>
           <a:bodyPr/>
           <a:p>
-            <a:fld id="{379DCBAA-5D25-41AE-B9BE-FB58387C1DA3}" type="slidenum">
+            <a:fld id="{062CC557-3E7C-4B08-8590-373A005575B9}" type="slidenum">
               <a:t>&lt;#&gt;</a:t>
             </a:fld>
           </a:p>
@@ -2640,7 +2892,7 @@
         <p:txBody>
           <a:bodyPr/>
           <a:p>
-            <a:fld id="{969E75CE-D919-43E9-9D89-882794BA6DE1}" type="slidenum">
+            <a:fld id="{1FA24B97-8EF4-4C88-84E8-6DF835DA31CA}" type="slidenum">
               <a:t>&lt;#&gt;</a:t>
             </a:fld>
           </a:p>
@@ -2797,7 +3049,7 @@
         <p:txBody>
           <a:bodyPr/>
           <a:p>
-            <a:fld id="{EAF2D397-9F15-4348-9955-27D08A338BB8}" type="slidenum">
+            <a:fld id="{C4A90C1D-27F7-4BBB-BAEF-9FE22DF0F6B4}" type="slidenum">
               <a:t>&lt;#&gt;</a:t>
             </a:fld>
           </a:p>
@@ -2951,7 +3203,7 @@
         <p:txBody>
           <a:bodyPr/>
           <a:p>
-            <a:fld id="{9C9D7E13-6404-4780-B0F4-BE4AEA2EF828}" type="slidenum">
+            <a:fld id="{BB3BF349-F848-4A98-BB4E-FA96A3B05096}" type="slidenum">
               <a:t>&lt;#&gt;</a:t>
             </a:fld>
           </a:p>
@@ -3139,7 +3391,7 @@
         <p:txBody>
           <a:bodyPr/>
           <a:p>
-            <a:fld id="{44124C4F-991C-4763-B4BF-A841B9489BAC}" type="slidenum">
+            <a:fld id="{B6452CE4-C353-4C43-B04A-94FBFD5038BC}" type="slidenum">
               <a:t>&lt;#&gt;</a:t>
             </a:fld>
           </a:p>
@@ -3259,7 +3511,7 @@
         <p:txBody>
           <a:bodyPr/>
           <a:p>
-            <a:fld id="{4BF305B6-4E61-458D-A109-D704B2CCE3B0}" type="slidenum">
+            <a:fld id="{85566715-FD48-48E0-BE71-E8612D58804A}" type="slidenum">
               <a:t>&lt;#&gt;</a:t>
             </a:fld>
           </a:p>
@@ -3379,7 +3631,7 @@
         <p:txBody>
           <a:bodyPr/>
           <a:p>
-            <a:fld id="{F67065E0-D723-44BC-A24D-03A88ABE2099}" type="slidenum">
+            <a:fld id="{1F604B4F-59A1-46AC-902C-7CF55B4E5A46}" type="slidenum">
               <a:t>&lt;#&gt;</a:t>
             </a:fld>
           </a:p>
@@ -3601,7 +3853,7 @@
         <p:txBody>
           <a:bodyPr/>
           <a:p>
-            <a:fld id="{8AF5DD5D-69E2-42BE-B920-04C298ABF0D4}" type="slidenum">
+            <a:fld id="{01855A5F-3BB6-41D1-9D8D-19089717CCD7}" type="slidenum">
               <a:t>&lt;#&gt;</a:t>
             </a:fld>
           </a:p>
@@ -3758,7 +4010,7 @@
         <p:txBody>
           <a:bodyPr/>
           <a:p>
-            <a:fld id="{D6E62D46-C130-4EDC-BB76-4448FC2BEBFA}" type="slidenum">
+            <a:fld id="{B49B2296-7D39-43AE-8AD9-8BF8CD4D814C}" type="slidenum">
               <a:t>&lt;#&gt;</a:t>
             </a:fld>
           </a:p>
@@ -3980,7 +4232,7 @@
         <p:txBody>
           <a:bodyPr/>
           <a:p>
-            <a:fld id="{FB4AA293-D45D-46AF-A74A-DC2FDFFCD33E}" type="slidenum">
+            <a:fld id="{BAEE80D9-7F80-47CF-AB08-B23CDAEE2D1E}" type="slidenum">
               <a:t>&lt;#&gt;</a:t>
             </a:fld>
           </a:p>
@@ -4202,7 +4454,7 @@
         <p:txBody>
           <a:bodyPr/>
           <a:p>
-            <a:fld id="{0D5EAC9E-3A2C-4524-ACE7-954024D42EF9}" type="slidenum">
+            <a:fld id="{4FF29115-92E2-4111-BC71-CB228E8977AF}" type="slidenum">
               <a:t>&lt;#&gt;</a:t>
             </a:fld>
           </a:p>
@@ -4390,7 +4642,7 @@
         <p:txBody>
           <a:bodyPr/>
           <a:p>
-            <a:fld id="{55490114-E83D-4889-A66F-9B26C671213C}" type="slidenum">
+            <a:fld id="{E16588B1-B267-4140-9714-759B1D444A25}" type="slidenum">
               <a:t>&lt;#&gt;</a:t>
             </a:fld>
           </a:p>
@@ -4646,7 +4898,7 @@
         <p:txBody>
           <a:bodyPr/>
           <a:p>
-            <a:fld id="{86EA793B-3809-4458-B100-76FC7A64F512}" type="slidenum">
+            <a:fld id="{37EF51D2-DD50-4248-B242-E2D549A12FB6}" type="slidenum">
               <a:t>&lt;#&gt;</a:t>
             </a:fld>
           </a:p>
@@ -4970,7 +5222,7 @@
         <p:txBody>
           <a:bodyPr/>
           <a:p>
-            <a:fld id="{18E4FF33-8CE2-4108-9286-1AB17AADC554}" type="slidenum">
+            <a:fld id="{C4D380BD-8585-4EB5-AF22-8AB19E725D94}" type="slidenum">
               <a:t>&lt;#&gt;</a:t>
             </a:fld>
           </a:p>
@@ -5124,7 +5376,7 @@
         <p:txBody>
           <a:bodyPr/>
           <a:p>
-            <a:fld id="{9F7E303E-AAB1-441F-9273-D2343A3CB2D1}" type="slidenum">
+            <a:fld id="{495093FF-8FCE-4DF9-8346-66A79B36B30F}" type="slidenum">
               <a:t>&lt;#&gt;</a:t>
             </a:fld>
           </a:p>
@@ -5312,7 +5564,7 @@
         <p:txBody>
           <a:bodyPr/>
           <a:p>
-            <a:fld id="{11F0F7CD-C3D1-4E6A-B24C-6DC473CB4375}" type="slidenum">
+            <a:fld id="{E5CA4F0D-8C40-4FFA-A7E2-BDFFFBB986F3}" type="slidenum">
               <a:t>&lt;#&gt;</a:t>
             </a:fld>
           </a:p>
@@ -5432,7 +5684,7 @@
         <p:txBody>
           <a:bodyPr/>
           <a:p>
-            <a:fld id="{C2943B00-FE8A-4E95-BE0E-11B0D94C3B52}" type="slidenum">
+            <a:fld id="{2FF64A15-4EAA-4723-8AF9-E77A5412EE7B}" type="slidenum">
               <a:t>&lt;#&gt;</a:t>
             </a:fld>
           </a:p>
@@ -5552,7 +5804,7 @@
         <p:txBody>
           <a:bodyPr/>
           <a:p>
-            <a:fld id="{7C8784BC-D4F7-4D4E-94E6-F808CBF2EE87}" type="slidenum">
+            <a:fld id="{687851A9-21EB-4772-9218-0FCDE316686B}" type="slidenum">
               <a:t>&lt;#&gt;</a:t>
             </a:fld>
           </a:p>
@@ -5774,7 +6026,7 @@
         <p:txBody>
           <a:bodyPr/>
           <a:p>
-            <a:fld id="{FAE14461-C52E-4F4D-BDF4-EC8339D3C2A9}" type="slidenum">
+            <a:fld id="{06AB2D7A-9308-455C-95DD-448929BE4C9F}" type="slidenum">
               <a:t>&lt;#&gt;</a:t>
             </a:fld>
           </a:p>
@@ -5996,7 +6248,7 @@
         <p:txBody>
           <a:bodyPr/>
           <a:p>
-            <a:fld id="{6E8F0542-7F50-4686-9811-11D7E6E13CF7}" type="slidenum">
+            <a:fld id="{C6AE3557-63CD-47D8-B3CD-BC2F2E181C6E}" type="slidenum">
               <a:t>&lt;#&gt;</a:t>
             </a:fld>
           </a:p>
@@ -6218,7 +6470,7 @@
         <p:txBody>
           <a:bodyPr/>
           <a:p>
-            <a:fld id="{3ACE9B2D-5907-4989-8A05-1CD16081D8CF}" type="slidenum">
+            <a:fld id="{31C8C0C6-46D5-4013-814A-28521B54A04F}" type="slidenum">
               <a:t>&lt;#&gt;</a:t>
             </a:fld>
           </a:p>
@@ -6283,9 +6535,9 @@
         <p:grpSpPr>
           <a:xfrm>
             <a:off x="11401560" y="6229800"/>
-            <a:ext cx="455040" cy="455040"/>
+            <a:ext cx="454680" cy="454680"/>
             <a:chOff x="11401560" y="6229800"/>
-            <a:chExt cx="455040" cy="455040"/>
+            <a:chExt cx="454680" cy="454680"/>
           </a:xfrm>
         </p:grpSpPr>
         <p:sp>
@@ -6297,7 +6549,7 @@
           <p:spPr>
             <a:xfrm>
               <a:off x="11401560" y="6229800"/>
-              <a:ext cx="455040" cy="455040"/>
+              <a:ext cx="454680" cy="454680"/>
             </a:xfrm>
             <a:prstGeom prst="ellipse">
               <a:avLst/>
@@ -6327,7 +6579,7 @@
           <p:spPr>
             <a:xfrm>
               <a:off x="11431080" y="6258960"/>
-              <a:ext cx="396720" cy="396720"/>
+              <a:ext cx="396360" cy="396360"/>
             </a:xfrm>
             <a:prstGeom prst="ellipse">
               <a:avLst/>
@@ -6357,7 +6609,7 @@
         <p:spPr>
           <a:xfrm>
             <a:off x="920880" y="1347120"/>
-            <a:ext cx="10220760" cy="78480"/>
+            <a:ext cx="10220400" cy="78120"/>
           </a:xfrm>
           <a:prstGeom prst="rect">
             <a:avLst/>
@@ -6397,7 +6649,7 @@
         <p:spPr>
           <a:xfrm>
             <a:off x="920880" y="4299840"/>
-            <a:ext cx="10220760" cy="78480"/>
+            <a:ext cx="10220400" cy="78120"/>
           </a:xfrm>
           <a:prstGeom prst="rect">
             <a:avLst/>
@@ -6437,7 +6689,7 @@
         <p:spPr>
           <a:xfrm>
             <a:off x="920880" y="1484640"/>
-            <a:ext cx="10220760" cy="2741040"/>
+            <a:ext cx="10220400" cy="2740680"/>
           </a:xfrm>
           <a:prstGeom prst="rect">
             <a:avLst/>
@@ -6477,9 +6729,9 @@
         <p:grpSpPr>
           <a:xfrm>
             <a:off x="9649080" y="4069080"/>
-            <a:ext cx="1078920" cy="1078920"/>
+            <a:ext cx="1078560" cy="1078560"/>
             <a:chOff x="9649080" y="4069080"/>
-            <a:chExt cx="1078920" cy="1078920"/>
+            <a:chExt cx="1078560" cy="1078560"/>
           </a:xfrm>
         </p:grpSpPr>
         <p:sp>
@@ -6491,7 +6743,7 @@
           <p:spPr>
             <a:xfrm>
               <a:off x="9649080" y="4069080"/>
-              <a:ext cx="1078920" cy="1078920"/>
+              <a:ext cx="1078560" cy="1078560"/>
             </a:xfrm>
             <a:prstGeom prst="ellipse">
               <a:avLst/>
@@ -6521,7 +6773,7 @@
           <p:spPr>
             <a:xfrm>
               <a:off x="9757440" y="4177080"/>
-              <a:ext cx="862560" cy="862560"/>
+              <a:ext cx="862200" cy="862200"/>
             </a:xfrm>
             <a:prstGeom prst="ellipse">
               <a:avLst/>
@@ -6555,7 +6807,7 @@
         <p:spPr>
           <a:xfrm>
             <a:off x="1088280" y="6272640"/>
-            <a:ext cx="6325560" cy="362880"/>
+            <a:ext cx="6325200" cy="362520"/>
           </a:xfrm>
           <a:prstGeom prst="rect">
             <a:avLst/>
@@ -6612,7 +6864,7 @@
         <p:spPr>
           <a:xfrm>
             <a:off x="9592560" y="4289400"/>
-            <a:ext cx="1191600" cy="637920"/>
+            <a:ext cx="1191240" cy="637560"/>
           </a:xfrm>
           <a:prstGeom prst="rect">
             <a:avLst/>
@@ -6647,7 +6899,7 @@
               </a:lnSpc>
               <a:buNone/>
             </a:pPr>
-            <a:fld id="{DC4E2188-3EAB-4869-9DF1-37694B00CD08}" type="slidenum">
+            <a:fld id="{F8B7BD67-153B-45D4-8884-07E369EE0127}" type="slidenum">
               <a:rPr b="1" lang="en-US" sz="2800" spc="-1" strike="noStrike">
                 <a:solidFill>
                   <a:srgbClr val="ffffff"/>
@@ -6675,7 +6927,7 @@
         <p:spPr>
           <a:xfrm>
             <a:off x="7964280" y="6272640"/>
-            <a:ext cx="3271320" cy="362880"/>
+            <a:ext cx="3270960" cy="362520"/>
           </a:xfrm>
           <a:prstGeom prst="rect">
             <a:avLst/>
@@ -6988,9 +7240,9 @@
         <p:grpSpPr>
           <a:xfrm>
             <a:off x="11401560" y="6229800"/>
-            <a:ext cx="455040" cy="455040"/>
+            <a:ext cx="454680" cy="454680"/>
             <a:chOff x="11401560" y="6229800"/>
-            <a:chExt cx="455040" cy="455040"/>
+            <a:chExt cx="454680" cy="454680"/>
           </a:xfrm>
         </p:grpSpPr>
         <p:sp>
@@ -7002,7 +7254,7 @@
           <p:spPr>
             <a:xfrm>
               <a:off x="11401560" y="6229800"/>
-              <a:ext cx="455040" cy="455040"/>
+              <a:ext cx="454680" cy="454680"/>
             </a:xfrm>
             <a:prstGeom prst="ellipse">
               <a:avLst/>
@@ -7032,7 +7284,7 @@
           <p:spPr>
             <a:xfrm>
               <a:off x="11431080" y="6258960"/>
-              <a:ext cx="396720" cy="396720"/>
+              <a:ext cx="396360" cy="396360"/>
             </a:xfrm>
             <a:prstGeom prst="ellipse">
               <a:avLst/>
@@ -7066,7 +7318,7 @@
         <p:spPr>
           <a:xfrm>
             <a:off x="1088280" y="6272640"/>
-            <a:ext cx="6325560" cy="362880"/>
+            <a:ext cx="6325200" cy="362520"/>
           </a:xfrm>
           <a:prstGeom prst="rect">
             <a:avLst/>
@@ -7123,7 +7375,7 @@
         <p:spPr>
           <a:xfrm>
             <a:off x="11311200" y="6272640"/>
-            <a:ext cx="637920" cy="362880"/>
+            <a:ext cx="637560" cy="362520"/>
           </a:xfrm>
           <a:prstGeom prst="rect">
             <a:avLst/>
@@ -7158,7 +7410,7 @@
               </a:lnSpc>
               <a:buNone/>
             </a:pPr>
-            <a:fld id="{86700CDA-E664-4F0B-8FC4-E90C6F30F626}" type="slidenum">
+            <a:fld id="{68BAE1CB-25E6-4E98-A852-CE13C8427F8C}" type="slidenum">
               <a:rPr b="1" lang="en-US" sz="1400" spc="-1" strike="noStrike">
                 <a:solidFill>
                   <a:srgbClr val="ffffff"/>
@@ -7186,7 +7438,7 @@
         <p:spPr>
           <a:xfrm>
             <a:off x="7964280" y="6272640"/>
-            <a:ext cx="3271320" cy="362880"/>
+            <a:ext cx="3270960" cy="362520"/>
           </a:xfrm>
           <a:prstGeom prst="rect">
             <a:avLst/>
@@ -7496,7 +7748,7 @@
         <p:spPr>
           <a:xfrm>
             <a:off x="1051560" y="1432080"/>
-            <a:ext cx="9964800" cy="3033720"/>
+            <a:ext cx="9964440" cy="3033360"/>
           </a:xfrm>
           <a:prstGeom prst="rect">
             <a:avLst/>
@@ -7542,7 +7794,7 @@
         <p:spPr>
           <a:xfrm>
             <a:off x="1069920" y="4389120"/>
-            <a:ext cx="7889040" cy="1067760"/>
+            <a:ext cx="7888680" cy="1067400"/>
           </a:xfrm>
           <a:prstGeom prst="rect">
             <a:avLst/>
@@ -7655,7 +7907,7 @@
         <p:spPr>
           <a:xfrm>
             <a:off x="1069920" y="484560"/>
-            <a:ext cx="10056240" cy="1607040"/>
+            <a:ext cx="10055880" cy="1606680"/>
           </a:xfrm>
           <a:prstGeom prst="rect">
             <a:avLst/>
@@ -7701,7 +7953,7 @@
         <p:spPr>
           <a:xfrm>
             <a:off x="1069920" y="2121480"/>
-            <a:ext cx="10056240" cy="4048560"/>
+            <a:ext cx="10055880" cy="4048200"/>
           </a:xfrm>
           <a:prstGeom prst="rect">
             <a:avLst/>
@@ -7915,7 +8167,7 @@
         <p:spPr>
           <a:xfrm>
             <a:off x="1069920" y="484560"/>
-            <a:ext cx="10056240" cy="1607040"/>
+            <a:ext cx="10055880" cy="1606680"/>
           </a:xfrm>
           <a:prstGeom prst="rect">
             <a:avLst/>
@@ -7961,7 +8213,7 @@
         <p:spPr>
           <a:xfrm>
             <a:off x="1069920" y="2121480"/>
-            <a:ext cx="10056240" cy="4048560"/>
+            <a:ext cx="10055880" cy="4048200"/>
           </a:xfrm>
           <a:prstGeom prst="rect">
             <a:avLst/>
@@ -8107,7 +8359,7 @@
         <p:spPr>
           <a:xfrm>
             <a:off x="1069920" y="484560"/>
-            <a:ext cx="10056240" cy="1607040"/>
+            <a:ext cx="10055880" cy="1606680"/>
           </a:xfrm>
           <a:prstGeom prst="rect">
             <a:avLst/>
@@ -8153,7 +8405,7 @@
         <p:spPr>
           <a:xfrm>
             <a:off x="1069920" y="2121480"/>
-            <a:ext cx="10056240" cy="4048560"/>
+            <a:ext cx="10055880" cy="4048200"/>
           </a:xfrm>
           <a:prstGeom prst="rect">
             <a:avLst/>
@@ -8475,7 +8727,7 @@
         <p:spPr>
           <a:xfrm>
             <a:off x="1069920" y="484560"/>
-            <a:ext cx="10056240" cy="1607040"/>
+            <a:ext cx="10055880" cy="1606680"/>
           </a:xfrm>
           <a:prstGeom prst="rect">
             <a:avLst/>
@@ -11001,7 +11253,7 @@
         <p:spPr>
           <a:xfrm>
             <a:off x="1069920" y="484560"/>
-            <a:ext cx="10056240" cy="1607040"/>
+            <a:ext cx="10055880" cy="1606680"/>
           </a:xfrm>
           <a:prstGeom prst="rect">
             <a:avLst/>
@@ -11047,7 +11299,7 @@
         <p:spPr>
           <a:xfrm>
             <a:off x="1069920" y="2121480"/>
-            <a:ext cx="10056240" cy="4048560"/>
+            <a:ext cx="10055880" cy="4048200"/>
           </a:xfrm>
           <a:prstGeom prst="rect">
             <a:avLst/>
